--- a/docs/enterprise-budgets/San Joaquin South - timeline.pptx
+++ b/docs/enterprise-budgets/San Joaquin South - timeline.pptx
@@ -6,6 +6,7 @@
   </p:sldMasterIdLst>
   <p:sldIdLst>
     <p:sldId id="256" r:id="rId2"/>
+    <p:sldId id="257" r:id="rId3"/>
   </p:sldIdLst>
   <p:sldSz cx="12192000" cy="6858000"/>
   <p:notesSz cx="6858000" cy="9144000"/>
@@ -104,6 +105,11 @@
       </a:defRPr>
     </a:lvl9pPr>
   </p:defaultTextStyle>
+  <p:extLst>
+    <p:ext uri="{EFAFB233-063F-42B5-8137-9DF3F51BA10A}">
+      <p15:sldGuideLst xmlns:p15="http://schemas.microsoft.com/office/powerpoint/2012/main"/>
+    </p:ext>
+  </p:extLst>
 </p:presentation>
 </file>
 
@@ -254,7 +260,7 @@
           <a:p>
             <a:fld id="{36776001-9B75-4AA6-8286-BD4E6E27ADA4}" type="datetimeFigureOut">
               <a:rPr lang="en-US" smtClean="0"/>
-              <a:t>1/26/2023</a:t>
+              <a:t>2/7/2023</a:t>
             </a:fld>
             <a:endParaRPr lang="en-US"/>
           </a:p>
@@ -452,7 +458,7 @@
           <a:p>
             <a:fld id="{36776001-9B75-4AA6-8286-BD4E6E27ADA4}" type="datetimeFigureOut">
               <a:rPr lang="en-US" smtClean="0"/>
-              <a:t>1/26/2023</a:t>
+              <a:t>2/7/2023</a:t>
             </a:fld>
             <a:endParaRPr lang="en-US"/>
           </a:p>
@@ -660,7 +666,7 @@
           <a:p>
             <a:fld id="{36776001-9B75-4AA6-8286-BD4E6E27ADA4}" type="datetimeFigureOut">
               <a:rPr lang="en-US" smtClean="0"/>
-              <a:t>1/26/2023</a:t>
+              <a:t>2/7/2023</a:t>
             </a:fld>
             <a:endParaRPr lang="en-US"/>
           </a:p>
@@ -858,7 +864,7 @@
           <a:p>
             <a:fld id="{36776001-9B75-4AA6-8286-BD4E6E27ADA4}" type="datetimeFigureOut">
               <a:rPr lang="en-US" smtClean="0"/>
-              <a:t>1/26/2023</a:t>
+              <a:t>2/7/2023</a:t>
             </a:fld>
             <a:endParaRPr lang="en-US"/>
           </a:p>
@@ -1133,7 +1139,7 @@
           <a:p>
             <a:fld id="{36776001-9B75-4AA6-8286-BD4E6E27ADA4}" type="datetimeFigureOut">
               <a:rPr lang="en-US" smtClean="0"/>
-              <a:t>1/26/2023</a:t>
+              <a:t>2/7/2023</a:t>
             </a:fld>
             <a:endParaRPr lang="en-US"/>
           </a:p>
@@ -1398,7 +1404,7 @@
           <a:p>
             <a:fld id="{36776001-9B75-4AA6-8286-BD4E6E27ADA4}" type="datetimeFigureOut">
               <a:rPr lang="en-US" smtClean="0"/>
-              <a:t>1/26/2023</a:t>
+              <a:t>2/7/2023</a:t>
             </a:fld>
             <a:endParaRPr lang="en-US"/>
           </a:p>
@@ -1810,7 +1816,7 @@
           <a:p>
             <a:fld id="{36776001-9B75-4AA6-8286-BD4E6E27ADA4}" type="datetimeFigureOut">
               <a:rPr lang="en-US" smtClean="0"/>
-              <a:t>1/26/2023</a:t>
+              <a:t>2/7/2023</a:t>
             </a:fld>
             <a:endParaRPr lang="en-US"/>
           </a:p>
@@ -1951,7 +1957,7 @@
           <a:p>
             <a:fld id="{36776001-9B75-4AA6-8286-BD4E6E27ADA4}" type="datetimeFigureOut">
               <a:rPr lang="en-US" smtClean="0"/>
-              <a:t>1/26/2023</a:t>
+              <a:t>2/7/2023</a:t>
             </a:fld>
             <a:endParaRPr lang="en-US"/>
           </a:p>
@@ -2064,7 +2070,7 @@
           <a:p>
             <a:fld id="{36776001-9B75-4AA6-8286-BD4E6E27ADA4}" type="datetimeFigureOut">
               <a:rPr lang="en-US" smtClean="0"/>
-              <a:t>1/26/2023</a:t>
+              <a:t>2/7/2023</a:t>
             </a:fld>
             <a:endParaRPr lang="en-US"/>
           </a:p>
@@ -2375,7 +2381,7 @@
           <a:p>
             <a:fld id="{36776001-9B75-4AA6-8286-BD4E6E27ADA4}" type="datetimeFigureOut">
               <a:rPr lang="en-US" smtClean="0"/>
-              <a:t>1/26/2023</a:t>
+              <a:t>2/7/2023</a:t>
             </a:fld>
             <a:endParaRPr lang="en-US"/>
           </a:p>
@@ -2663,7 +2669,7 @@
           <a:p>
             <a:fld id="{36776001-9B75-4AA6-8286-BD4E6E27ADA4}" type="datetimeFigureOut">
               <a:rPr lang="en-US" smtClean="0"/>
-              <a:t>1/26/2023</a:t>
+              <a:t>2/7/2023</a:t>
             </a:fld>
             <a:endParaRPr lang="en-US"/>
           </a:p>
@@ -2904,7 +2910,7 @@
           <a:p>
             <a:fld id="{36776001-9B75-4AA6-8286-BD4E6E27ADA4}" type="datetimeFigureOut">
               <a:rPr lang="en-US" smtClean="0"/>
-              <a:t>1/26/2023</a:t>
+              <a:t>2/7/2023</a:t>
             </a:fld>
             <a:endParaRPr lang="en-US"/>
           </a:p>
@@ -5643,7 +5649,9 @@
           <a:prstGeom prst="rect">
             <a:avLst/>
           </a:prstGeom>
-          <a:noFill/>
+          <a:solidFill>
+            <a:schemeClr val="bg2"/>
+          </a:solidFill>
           <a:ln>
             <a:solidFill>
               <a:schemeClr val="tx1"/>
@@ -5771,7 +5779,9 @@
           <a:prstGeom prst="rect">
             <a:avLst/>
           </a:prstGeom>
-          <a:noFill/>
+          <a:solidFill>
+            <a:schemeClr val="bg2"/>
+          </a:solidFill>
           <a:ln>
             <a:solidFill>
               <a:schemeClr val="tx1"/>
@@ -5819,7 +5829,9 @@
           <a:prstGeom prst="rect">
             <a:avLst/>
           </a:prstGeom>
-          <a:noFill/>
+          <a:solidFill>
+            <a:schemeClr val="bg2"/>
+          </a:solidFill>
           <a:ln>
             <a:solidFill>
               <a:schemeClr val="tx1"/>
@@ -6171,7 +6183,9 @@
           <a:prstGeom prst="rect">
             <a:avLst/>
           </a:prstGeom>
-          <a:noFill/>
+          <a:solidFill>
+            <a:schemeClr val="bg2"/>
+          </a:solidFill>
           <a:ln>
             <a:solidFill>
               <a:schemeClr val="tx1"/>
@@ -6211,7 +6225,9 @@
           <a:prstGeom prst="rect">
             <a:avLst/>
           </a:prstGeom>
-          <a:noFill/>
+          <a:solidFill>
+            <a:schemeClr val="bg2"/>
+          </a:solidFill>
           <a:ln>
             <a:solidFill>
               <a:schemeClr val="tx1"/>
@@ -6251,7 +6267,9 @@
           <a:prstGeom prst="rect">
             <a:avLst/>
           </a:prstGeom>
-          <a:noFill/>
+          <a:solidFill>
+            <a:schemeClr val="bg2"/>
+          </a:solidFill>
           <a:ln>
             <a:solidFill>
               <a:schemeClr val="tx1"/>
@@ -6299,7 +6317,9 @@
           <a:prstGeom prst="rect">
             <a:avLst/>
           </a:prstGeom>
-          <a:noFill/>
+          <a:solidFill>
+            <a:schemeClr val="bg2"/>
+          </a:solidFill>
           <a:ln>
             <a:solidFill>
               <a:schemeClr val="tx1"/>
@@ -6339,7 +6359,9 @@
           <a:prstGeom prst="rect">
             <a:avLst/>
           </a:prstGeom>
-          <a:noFill/>
+          <a:solidFill>
+            <a:schemeClr val="bg2"/>
+          </a:solidFill>
           <a:ln>
             <a:solidFill>
               <a:schemeClr val="tx1"/>
@@ -6387,7 +6409,9 @@
           <a:prstGeom prst="rect">
             <a:avLst/>
           </a:prstGeom>
-          <a:noFill/>
+          <a:solidFill>
+            <a:schemeClr val="bg2"/>
+          </a:solidFill>
           <a:ln>
             <a:solidFill>
               <a:schemeClr val="tx1"/>
@@ -6501,13 +6525,15 @@
         </p:nvSpPr>
         <p:spPr>
           <a:xfrm>
-            <a:off x="4943524" y="4578805"/>
+            <a:off x="4953893" y="4323987"/>
             <a:ext cx="1026168" cy="415498"/>
           </a:xfrm>
           <a:prstGeom prst="rect">
             <a:avLst/>
           </a:prstGeom>
-          <a:noFill/>
+          <a:solidFill>
+            <a:schemeClr val="bg2"/>
+          </a:solidFill>
           <a:ln>
             <a:solidFill>
               <a:schemeClr val="tx1"/>
@@ -6555,7 +6581,9 @@
           <a:prstGeom prst="rect">
             <a:avLst/>
           </a:prstGeom>
-          <a:noFill/>
+          <a:solidFill>
+            <a:schemeClr val="bg2"/>
+          </a:solidFill>
           <a:ln>
             <a:solidFill>
               <a:schemeClr val="tx1"/>
@@ -6595,7 +6623,9 @@
           <a:prstGeom prst="rect">
             <a:avLst/>
           </a:prstGeom>
-          <a:noFill/>
+          <a:solidFill>
+            <a:schemeClr val="bg2"/>
+          </a:solidFill>
           <a:ln>
             <a:solidFill>
               <a:schemeClr val="tx1"/>
@@ -6635,7 +6665,9 @@
           <a:prstGeom prst="rect">
             <a:avLst/>
           </a:prstGeom>
-          <a:noFill/>
+          <a:solidFill>
+            <a:schemeClr val="bg2"/>
+          </a:solidFill>
           <a:ln>
             <a:solidFill>
               <a:schemeClr val="tx1"/>
@@ -6683,7 +6715,9 @@
           <a:prstGeom prst="rect">
             <a:avLst/>
           </a:prstGeom>
-          <a:noFill/>
+          <a:solidFill>
+            <a:schemeClr val="bg2"/>
+          </a:solidFill>
           <a:ln>
             <a:solidFill>
               <a:schemeClr val="tx1"/>
@@ -6731,7 +6765,9 @@
           <a:prstGeom prst="rect">
             <a:avLst/>
           </a:prstGeom>
-          <a:noFill/>
+          <a:solidFill>
+            <a:schemeClr val="bg2"/>
+          </a:solidFill>
           <a:ln>
             <a:solidFill>
               <a:schemeClr val="tx1"/>
@@ -8102,10 +8138,5493 @@
           </p:txBody>
         </p:sp>
       </p:grpSp>
+      <p:sp>
+        <p:nvSpPr>
+          <p:cNvPr id="44" name="TextBox 43">
+            <a:extLst>
+              <a:ext uri="{FF2B5EF4-FFF2-40B4-BE49-F238E27FC236}">
+                <a16:creationId xmlns:a16="http://schemas.microsoft.com/office/drawing/2014/main" id="{9552AC72-324A-14DF-9C18-05683F649B34}"/>
+              </a:ext>
+            </a:extLst>
+          </p:cNvPr>
+          <p:cNvSpPr txBox="1"/>
+          <p:nvPr/>
+        </p:nvSpPr>
+        <p:spPr>
+          <a:xfrm>
+            <a:off x="4544096" y="4786452"/>
+            <a:ext cx="1026168" cy="200055"/>
+          </a:xfrm>
+          <a:prstGeom prst="rect">
+            <a:avLst/>
+          </a:prstGeom>
+          <a:solidFill>
+            <a:schemeClr val="bg2"/>
+          </a:solidFill>
+          <a:ln>
+            <a:solidFill>
+              <a:schemeClr val="tx1"/>
+            </a:solidFill>
+          </a:ln>
+        </p:spPr>
+        <p:txBody>
+          <a:bodyPr wrap="square" rtlCol="0">
+            <a:spAutoFit/>
+          </a:bodyPr>
+          <a:lstStyle/>
+          <a:p>
+            <a:r>
+              <a:rPr lang="en-US" sz="700" dirty="0"/>
+              <a:t>Warrior II (pyrethroid)</a:t>
+            </a:r>
+          </a:p>
+        </p:txBody>
+      </p:sp>
+      <p:sp>
+        <p:nvSpPr>
+          <p:cNvPr id="45" name="TextBox 44">
+            <a:extLst>
+              <a:ext uri="{FF2B5EF4-FFF2-40B4-BE49-F238E27FC236}">
+                <a16:creationId xmlns:a16="http://schemas.microsoft.com/office/drawing/2014/main" id="{072E1CE6-F2A7-9DFE-A5B6-232592EE05AB}"/>
+              </a:ext>
+            </a:extLst>
+          </p:cNvPr>
+          <p:cNvSpPr txBox="1"/>
+          <p:nvPr/>
+        </p:nvSpPr>
+        <p:spPr>
+          <a:xfrm>
+            <a:off x="6227531" y="4673537"/>
+            <a:ext cx="646507" cy="307777"/>
+          </a:xfrm>
+          <a:prstGeom prst="rect">
+            <a:avLst/>
+          </a:prstGeom>
+          <a:solidFill>
+            <a:schemeClr val="bg2"/>
+          </a:solidFill>
+          <a:ln>
+            <a:solidFill>
+              <a:schemeClr val="tx1"/>
+            </a:solidFill>
+          </a:ln>
+        </p:spPr>
+        <p:txBody>
+          <a:bodyPr wrap="square" rtlCol="0">
+            <a:spAutoFit/>
+          </a:bodyPr>
+          <a:lstStyle/>
+          <a:p>
+            <a:r>
+              <a:rPr lang="en-US" sz="700" dirty="0" err="1"/>
+              <a:t>Coragen</a:t>
+            </a:r>
+            <a:r>
+              <a:rPr lang="en-US" sz="700" dirty="0"/>
+              <a:t> (insecticide)</a:t>
+            </a:r>
+          </a:p>
+        </p:txBody>
+      </p:sp>
+      <p:sp>
+        <p:nvSpPr>
+          <p:cNvPr id="46" name="TextBox 45">
+            <a:extLst>
+              <a:ext uri="{FF2B5EF4-FFF2-40B4-BE49-F238E27FC236}">
+                <a16:creationId xmlns:a16="http://schemas.microsoft.com/office/drawing/2014/main" id="{855CFC75-C61A-46D3-2277-04310010CC15}"/>
+              </a:ext>
+            </a:extLst>
+          </p:cNvPr>
+          <p:cNvSpPr txBox="1"/>
+          <p:nvPr/>
+        </p:nvSpPr>
+        <p:spPr>
+          <a:xfrm>
+            <a:off x="3919140" y="2503350"/>
+            <a:ext cx="1026168" cy="200055"/>
+          </a:xfrm>
+          <a:prstGeom prst="rect">
+            <a:avLst/>
+          </a:prstGeom>
+          <a:solidFill>
+            <a:schemeClr val="bg2"/>
+          </a:solidFill>
+          <a:ln>
+            <a:solidFill>
+              <a:schemeClr val="tx1"/>
+            </a:solidFill>
+          </a:ln>
+        </p:spPr>
+        <p:txBody>
+          <a:bodyPr wrap="square" rtlCol="0">
+            <a:spAutoFit/>
+          </a:bodyPr>
+          <a:lstStyle/>
+          <a:p>
+            <a:r>
+              <a:rPr lang="en-US" sz="700" dirty="0"/>
+              <a:t>Warrior II (pyrethroid)</a:t>
+            </a:r>
+          </a:p>
+        </p:txBody>
+      </p:sp>
+      <p:sp>
+        <p:nvSpPr>
+          <p:cNvPr id="47" name="TextBox 46">
+            <a:extLst>
+              <a:ext uri="{FF2B5EF4-FFF2-40B4-BE49-F238E27FC236}">
+                <a16:creationId xmlns:a16="http://schemas.microsoft.com/office/drawing/2014/main" id="{AD217716-AA16-83AC-C387-B376AEBF47A6}"/>
+              </a:ext>
+            </a:extLst>
+          </p:cNvPr>
+          <p:cNvSpPr txBox="1"/>
+          <p:nvPr/>
+        </p:nvSpPr>
+        <p:spPr>
+          <a:xfrm>
+            <a:off x="5597272" y="2433870"/>
+            <a:ext cx="646507" cy="307777"/>
+          </a:xfrm>
+          <a:prstGeom prst="rect">
+            <a:avLst/>
+          </a:prstGeom>
+          <a:solidFill>
+            <a:schemeClr val="bg2"/>
+          </a:solidFill>
+          <a:ln>
+            <a:solidFill>
+              <a:schemeClr val="tx1"/>
+            </a:solidFill>
+          </a:ln>
+        </p:spPr>
+        <p:txBody>
+          <a:bodyPr wrap="square" rtlCol="0">
+            <a:spAutoFit/>
+          </a:bodyPr>
+          <a:lstStyle/>
+          <a:p>
+            <a:r>
+              <a:rPr lang="en-US" sz="700" dirty="0" err="1"/>
+              <a:t>Coragen</a:t>
+            </a:r>
+            <a:r>
+              <a:rPr lang="en-US" sz="700" dirty="0"/>
+              <a:t> (insecticide)</a:t>
+            </a:r>
+          </a:p>
+        </p:txBody>
+      </p:sp>
+      <p:sp>
+        <p:nvSpPr>
+          <p:cNvPr id="48" name="TextBox 47">
+            <a:extLst>
+              <a:ext uri="{FF2B5EF4-FFF2-40B4-BE49-F238E27FC236}">
+                <a16:creationId xmlns:a16="http://schemas.microsoft.com/office/drawing/2014/main" id="{3ACEE320-73CB-0298-3B29-F56E09C2BA77}"/>
+              </a:ext>
+            </a:extLst>
+          </p:cNvPr>
+          <p:cNvSpPr txBox="1"/>
+          <p:nvPr/>
+        </p:nvSpPr>
+        <p:spPr>
+          <a:xfrm>
+            <a:off x="5967053" y="5963764"/>
+            <a:ext cx="623679" cy="307777"/>
+          </a:xfrm>
+          <a:prstGeom prst="rect">
+            <a:avLst/>
+          </a:prstGeom>
+          <a:solidFill>
+            <a:schemeClr val="bg2"/>
+          </a:solidFill>
+          <a:ln>
+            <a:solidFill>
+              <a:schemeClr val="tx1"/>
+            </a:solidFill>
+          </a:ln>
+        </p:spPr>
+        <p:txBody>
+          <a:bodyPr wrap="square" rtlCol="0">
+            <a:spAutoFit/>
+          </a:bodyPr>
+          <a:lstStyle/>
+          <a:p>
+            <a:r>
+              <a:rPr lang="en-US" sz="700" dirty="0"/>
+              <a:t>Warrior II (pyrethroid)</a:t>
+            </a:r>
+          </a:p>
+        </p:txBody>
+      </p:sp>
+      <p:sp>
+        <p:nvSpPr>
+          <p:cNvPr id="50" name="TextBox 49">
+            <a:extLst>
+              <a:ext uri="{FF2B5EF4-FFF2-40B4-BE49-F238E27FC236}">
+                <a16:creationId xmlns:a16="http://schemas.microsoft.com/office/drawing/2014/main" id="{2477668A-1BDD-3266-1A49-B4EC4327EB44}"/>
+              </a:ext>
+            </a:extLst>
+          </p:cNvPr>
+          <p:cNvSpPr txBox="1"/>
+          <p:nvPr/>
+        </p:nvSpPr>
+        <p:spPr>
+          <a:xfrm>
+            <a:off x="7661482" y="5953526"/>
+            <a:ext cx="646507" cy="307777"/>
+          </a:xfrm>
+          <a:prstGeom prst="rect">
+            <a:avLst/>
+          </a:prstGeom>
+          <a:solidFill>
+            <a:schemeClr val="bg2"/>
+          </a:solidFill>
+          <a:ln>
+            <a:solidFill>
+              <a:schemeClr val="tx1"/>
+            </a:solidFill>
+          </a:ln>
+        </p:spPr>
+        <p:txBody>
+          <a:bodyPr wrap="square" rtlCol="0">
+            <a:spAutoFit/>
+          </a:bodyPr>
+          <a:lstStyle/>
+          <a:p>
+            <a:r>
+              <a:rPr lang="en-US" sz="700" dirty="0" err="1"/>
+              <a:t>Coragen</a:t>
+            </a:r>
+            <a:r>
+              <a:rPr lang="en-US" sz="700" dirty="0"/>
+              <a:t> (insecticide)</a:t>
+            </a:r>
+          </a:p>
+        </p:txBody>
+      </p:sp>
     </p:spTree>
     <p:extLst>
       <p:ext uri="{BB962C8B-B14F-4D97-AF65-F5344CB8AC3E}">
         <p14:creationId xmlns:p14="http://schemas.microsoft.com/office/powerpoint/2010/main" val="1465956194"/>
+      </p:ext>
+    </p:extLst>
+  </p:cSld>
+  <p:clrMapOvr>
+    <a:masterClrMapping/>
+  </p:clrMapOvr>
+</p:sld>
+</file>
+
+<file path=ppt/slides/slide2.xml><?xml version="1.0" encoding="utf-8"?>
+<p:sld xmlns:a="http://schemas.openxmlformats.org/drawingml/2006/main" xmlns:r="http://schemas.openxmlformats.org/officeDocument/2006/relationships" xmlns:p="http://schemas.openxmlformats.org/presentationml/2006/main">
+  <p:cSld>
+    <p:spTree>
+      <p:nvGrpSpPr>
+        <p:cNvPr id="1" name=""/>
+        <p:cNvGrpSpPr/>
+        <p:nvPr/>
+      </p:nvGrpSpPr>
+      <p:grpSpPr>
+        <a:xfrm>
+          <a:off x="0" y="0"/>
+          <a:ext cx="0" cy="0"/>
+          <a:chOff x="0" y="0"/>
+          <a:chExt cx="0" cy="0"/>
+        </a:xfrm>
+      </p:grpSpPr>
+      <p:sp>
+        <p:nvSpPr>
+          <p:cNvPr id="4" name="TextBox 3">
+            <a:extLst>
+              <a:ext uri="{FF2B5EF4-FFF2-40B4-BE49-F238E27FC236}">
+                <a16:creationId xmlns:a16="http://schemas.microsoft.com/office/drawing/2014/main" id="{85D6868F-16BA-547C-22DC-E9E4EAE853F5}"/>
+              </a:ext>
+            </a:extLst>
+          </p:cNvPr>
+          <p:cNvSpPr txBox="1"/>
+          <p:nvPr/>
+        </p:nvSpPr>
+        <p:spPr>
+          <a:xfrm>
+            <a:off x="2249693" y="2805569"/>
+            <a:ext cx="457937" cy="276999"/>
+          </a:xfrm>
+          <a:prstGeom prst="rect">
+            <a:avLst/>
+          </a:prstGeom>
+          <a:solidFill>
+            <a:schemeClr val="accent6"/>
+          </a:solidFill>
+          <a:ln>
+            <a:solidFill>
+              <a:schemeClr val="tx1"/>
+            </a:solidFill>
+          </a:ln>
+        </p:spPr>
+        <p:txBody>
+          <a:bodyPr wrap="square" rtlCol="0">
+            <a:spAutoFit/>
+          </a:bodyPr>
+          <a:lstStyle/>
+          <a:p>
+            <a:pPr algn="ctr"/>
+            <a:r>
+              <a:rPr lang="en-US" sz="1200" dirty="0"/>
+              <a:t>Nov</a:t>
+            </a:r>
+          </a:p>
+        </p:txBody>
+      </p:sp>
+      <p:sp>
+        <p:nvSpPr>
+          <p:cNvPr id="5" name="TextBox 4">
+            <a:extLst>
+              <a:ext uri="{FF2B5EF4-FFF2-40B4-BE49-F238E27FC236}">
+                <a16:creationId xmlns:a16="http://schemas.microsoft.com/office/drawing/2014/main" id="{7C7AAE18-426A-4989-D0D0-16703EE7666C}"/>
+              </a:ext>
+            </a:extLst>
+          </p:cNvPr>
+          <p:cNvSpPr txBox="1"/>
+          <p:nvPr/>
+        </p:nvSpPr>
+        <p:spPr>
+          <a:xfrm>
+            <a:off x="2737700" y="2805569"/>
+            <a:ext cx="457937" cy="276999"/>
+          </a:xfrm>
+          <a:prstGeom prst="rect">
+            <a:avLst/>
+          </a:prstGeom>
+          <a:solidFill>
+            <a:schemeClr val="accent6"/>
+          </a:solidFill>
+          <a:ln>
+            <a:solidFill>
+              <a:schemeClr val="tx1"/>
+            </a:solidFill>
+          </a:ln>
+        </p:spPr>
+        <p:txBody>
+          <a:bodyPr wrap="square" rtlCol="0">
+            <a:spAutoFit/>
+          </a:bodyPr>
+          <a:lstStyle/>
+          <a:p>
+            <a:pPr algn="ctr"/>
+            <a:r>
+              <a:rPr lang="en-US" sz="1200" dirty="0"/>
+              <a:t>Dec</a:t>
+            </a:r>
+          </a:p>
+        </p:txBody>
+      </p:sp>
+      <p:sp>
+        <p:nvSpPr>
+          <p:cNvPr id="6" name="TextBox 5">
+            <a:extLst>
+              <a:ext uri="{FF2B5EF4-FFF2-40B4-BE49-F238E27FC236}">
+                <a16:creationId xmlns:a16="http://schemas.microsoft.com/office/drawing/2014/main" id="{7366F960-7215-EBC7-FEB4-4AA9B730B6A2}"/>
+              </a:ext>
+            </a:extLst>
+          </p:cNvPr>
+          <p:cNvSpPr txBox="1"/>
+          <p:nvPr/>
+        </p:nvSpPr>
+        <p:spPr>
+          <a:xfrm>
+            <a:off x="3225707" y="2805569"/>
+            <a:ext cx="457937" cy="276999"/>
+          </a:xfrm>
+          <a:prstGeom prst="rect">
+            <a:avLst/>
+          </a:prstGeom>
+          <a:solidFill>
+            <a:schemeClr val="accent6"/>
+          </a:solidFill>
+          <a:ln>
+            <a:solidFill>
+              <a:schemeClr val="tx1"/>
+            </a:solidFill>
+          </a:ln>
+        </p:spPr>
+        <p:txBody>
+          <a:bodyPr wrap="square" rtlCol="0">
+            <a:spAutoFit/>
+          </a:bodyPr>
+          <a:lstStyle/>
+          <a:p>
+            <a:pPr algn="ctr"/>
+            <a:r>
+              <a:rPr lang="en-US" sz="1200" dirty="0"/>
+              <a:t>Jan</a:t>
+            </a:r>
+          </a:p>
+        </p:txBody>
+      </p:sp>
+      <p:sp>
+        <p:nvSpPr>
+          <p:cNvPr id="7" name="TextBox 6">
+            <a:extLst>
+              <a:ext uri="{FF2B5EF4-FFF2-40B4-BE49-F238E27FC236}">
+                <a16:creationId xmlns:a16="http://schemas.microsoft.com/office/drawing/2014/main" id="{CC0EB5F4-5A00-7EEA-C731-A7D5E4C54419}"/>
+              </a:ext>
+            </a:extLst>
+          </p:cNvPr>
+          <p:cNvSpPr txBox="1"/>
+          <p:nvPr/>
+        </p:nvSpPr>
+        <p:spPr>
+          <a:xfrm>
+            <a:off x="3713714" y="2805569"/>
+            <a:ext cx="457937" cy="276999"/>
+          </a:xfrm>
+          <a:prstGeom prst="rect">
+            <a:avLst/>
+          </a:prstGeom>
+          <a:solidFill>
+            <a:schemeClr val="accent6"/>
+          </a:solidFill>
+          <a:ln>
+            <a:solidFill>
+              <a:schemeClr val="tx1"/>
+            </a:solidFill>
+          </a:ln>
+        </p:spPr>
+        <p:txBody>
+          <a:bodyPr wrap="square" rtlCol="0">
+            <a:spAutoFit/>
+          </a:bodyPr>
+          <a:lstStyle/>
+          <a:p>
+            <a:pPr algn="ctr"/>
+            <a:r>
+              <a:rPr lang="en-US" sz="1200" dirty="0"/>
+              <a:t>Feb</a:t>
+            </a:r>
+          </a:p>
+        </p:txBody>
+      </p:sp>
+      <p:sp>
+        <p:nvSpPr>
+          <p:cNvPr id="8" name="TextBox 7">
+            <a:extLst>
+              <a:ext uri="{FF2B5EF4-FFF2-40B4-BE49-F238E27FC236}">
+                <a16:creationId xmlns:a16="http://schemas.microsoft.com/office/drawing/2014/main" id="{7302FB67-6AF0-A5B5-DAA2-978ED2AF2752}"/>
+              </a:ext>
+            </a:extLst>
+          </p:cNvPr>
+          <p:cNvSpPr txBox="1"/>
+          <p:nvPr/>
+        </p:nvSpPr>
+        <p:spPr>
+          <a:xfrm>
+            <a:off x="4201721" y="2805569"/>
+            <a:ext cx="457937" cy="276999"/>
+          </a:xfrm>
+          <a:prstGeom prst="rect">
+            <a:avLst/>
+          </a:prstGeom>
+          <a:solidFill>
+            <a:schemeClr val="accent6"/>
+          </a:solidFill>
+          <a:ln>
+            <a:solidFill>
+              <a:schemeClr val="tx1"/>
+            </a:solidFill>
+          </a:ln>
+        </p:spPr>
+        <p:txBody>
+          <a:bodyPr wrap="square" rtlCol="0">
+            <a:spAutoFit/>
+          </a:bodyPr>
+          <a:lstStyle/>
+          <a:p>
+            <a:pPr algn="ctr"/>
+            <a:r>
+              <a:rPr lang="en-US" sz="1200" dirty="0"/>
+              <a:t>Mar</a:t>
+            </a:r>
+          </a:p>
+        </p:txBody>
+      </p:sp>
+      <p:sp>
+        <p:nvSpPr>
+          <p:cNvPr id="9" name="TextBox 8">
+            <a:extLst>
+              <a:ext uri="{FF2B5EF4-FFF2-40B4-BE49-F238E27FC236}">
+                <a16:creationId xmlns:a16="http://schemas.microsoft.com/office/drawing/2014/main" id="{E0D0F3AA-7E46-6BD1-2F32-39972E896A8C}"/>
+              </a:ext>
+            </a:extLst>
+          </p:cNvPr>
+          <p:cNvSpPr txBox="1"/>
+          <p:nvPr/>
+        </p:nvSpPr>
+        <p:spPr>
+          <a:xfrm>
+            <a:off x="4689728" y="2805569"/>
+            <a:ext cx="457937" cy="276999"/>
+          </a:xfrm>
+          <a:prstGeom prst="rect">
+            <a:avLst/>
+          </a:prstGeom>
+          <a:solidFill>
+            <a:schemeClr val="accent6"/>
+          </a:solidFill>
+          <a:ln>
+            <a:solidFill>
+              <a:schemeClr val="tx1"/>
+            </a:solidFill>
+          </a:ln>
+        </p:spPr>
+        <p:txBody>
+          <a:bodyPr wrap="square" rtlCol="0">
+            <a:spAutoFit/>
+          </a:bodyPr>
+          <a:lstStyle/>
+          <a:p>
+            <a:pPr algn="ctr"/>
+            <a:r>
+              <a:rPr lang="en-US" sz="1200" dirty="0"/>
+              <a:t>Apr</a:t>
+            </a:r>
+          </a:p>
+        </p:txBody>
+      </p:sp>
+      <p:sp>
+        <p:nvSpPr>
+          <p:cNvPr id="10" name="TextBox 9">
+            <a:extLst>
+              <a:ext uri="{FF2B5EF4-FFF2-40B4-BE49-F238E27FC236}">
+                <a16:creationId xmlns:a16="http://schemas.microsoft.com/office/drawing/2014/main" id="{07795D9D-B6A7-FC10-C7ED-B0D35BF379B0}"/>
+              </a:ext>
+            </a:extLst>
+          </p:cNvPr>
+          <p:cNvSpPr txBox="1"/>
+          <p:nvPr/>
+        </p:nvSpPr>
+        <p:spPr>
+          <a:xfrm>
+            <a:off x="5177735" y="2805569"/>
+            <a:ext cx="457937" cy="276999"/>
+          </a:xfrm>
+          <a:prstGeom prst="rect">
+            <a:avLst/>
+          </a:prstGeom>
+          <a:solidFill>
+            <a:schemeClr val="accent6"/>
+          </a:solidFill>
+          <a:ln>
+            <a:solidFill>
+              <a:schemeClr val="tx1"/>
+            </a:solidFill>
+          </a:ln>
+        </p:spPr>
+        <p:txBody>
+          <a:bodyPr wrap="square" rtlCol="0">
+            <a:spAutoFit/>
+          </a:bodyPr>
+          <a:lstStyle/>
+          <a:p>
+            <a:pPr algn="ctr"/>
+            <a:r>
+              <a:rPr lang="en-US" sz="1200" dirty="0"/>
+              <a:t>May</a:t>
+            </a:r>
+          </a:p>
+        </p:txBody>
+      </p:sp>
+      <p:sp>
+        <p:nvSpPr>
+          <p:cNvPr id="11" name="TextBox 10">
+            <a:extLst>
+              <a:ext uri="{FF2B5EF4-FFF2-40B4-BE49-F238E27FC236}">
+                <a16:creationId xmlns:a16="http://schemas.microsoft.com/office/drawing/2014/main" id="{C5BC4515-9A7E-533D-E5B7-AB34E6D713F3}"/>
+              </a:ext>
+            </a:extLst>
+          </p:cNvPr>
+          <p:cNvSpPr txBox="1"/>
+          <p:nvPr/>
+        </p:nvSpPr>
+        <p:spPr>
+          <a:xfrm>
+            <a:off x="5665742" y="2805569"/>
+            <a:ext cx="457937" cy="276999"/>
+          </a:xfrm>
+          <a:prstGeom prst="rect">
+            <a:avLst/>
+          </a:prstGeom>
+          <a:solidFill>
+            <a:schemeClr val="accent6"/>
+          </a:solidFill>
+          <a:ln>
+            <a:solidFill>
+              <a:schemeClr val="tx1"/>
+            </a:solidFill>
+          </a:ln>
+        </p:spPr>
+        <p:txBody>
+          <a:bodyPr wrap="square" rtlCol="0">
+            <a:spAutoFit/>
+          </a:bodyPr>
+          <a:lstStyle/>
+          <a:p>
+            <a:pPr algn="ctr"/>
+            <a:r>
+              <a:rPr lang="en-US" sz="1200" dirty="0"/>
+              <a:t>Jun</a:t>
+            </a:r>
+          </a:p>
+        </p:txBody>
+      </p:sp>
+      <p:sp>
+        <p:nvSpPr>
+          <p:cNvPr id="12" name="TextBox 11">
+            <a:extLst>
+              <a:ext uri="{FF2B5EF4-FFF2-40B4-BE49-F238E27FC236}">
+                <a16:creationId xmlns:a16="http://schemas.microsoft.com/office/drawing/2014/main" id="{5DCB5E4A-9198-3D68-8A4C-EF26FE0F6D0D}"/>
+              </a:ext>
+            </a:extLst>
+          </p:cNvPr>
+          <p:cNvSpPr txBox="1"/>
+          <p:nvPr/>
+        </p:nvSpPr>
+        <p:spPr>
+          <a:xfrm>
+            <a:off x="6153749" y="2805569"/>
+            <a:ext cx="457937" cy="276999"/>
+          </a:xfrm>
+          <a:prstGeom prst="rect">
+            <a:avLst/>
+          </a:prstGeom>
+          <a:solidFill>
+            <a:schemeClr val="accent6"/>
+          </a:solidFill>
+          <a:ln>
+            <a:solidFill>
+              <a:schemeClr val="tx1"/>
+            </a:solidFill>
+          </a:ln>
+        </p:spPr>
+        <p:txBody>
+          <a:bodyPr wrap="square" rtlCol="0">
+            <a:spAutoFit/>
+          </a:bodyPr>
+          <a:lstStyle/>
+          <a:p>
+            <a:pPr algn="ctr"/>
+            <a:r>
+              <a:rPr lang="en-US" sz="1200" dirty="0"/>
+              <a:t>Jul</a:t>
+            </a:r>
+          </a:p>
+        </p:txBody>
+      </p:sp>
+      <p:sp>
+        <p:nvSpPr>
+          <p:cNvPr id="13" name="TextBox 12">
+            <a:extLst>
+              <a:ext uri="{FF2B5EF4-FFF2-40B4-BE49-F238E27FC236}">
+                <a16:creationId xmlns:a16="http://schemas.microsoft.com/office/drawing/2014/main" id="{A3F59B58-47CB-2516-CCE0-2C491ACE081F}"/>
+              </a:ext>
+            </a:extLst>
+          </p:cNvPr>
+          <p:cNvSpPr txBox="1"/>
+          <p:nvPr/>
+        </p:nvSpPr>
+        <p:spPr>
+          <a:xfrm>
+            <a:off x="6641756" y="2805569"/>
+            <a:ext cx="457937" cy="276999"/>
+          </a:xfrm>
+          <a:prstGeom prst="rect">
+            <a:avLst/>
+          </a:prstGeom>
+          <a:solidFill>
+            <a:schemeClr val="accent6"/>
+          </a:solidFill>
+          <a:ln>
+            <a:solidFill>
+              <a:schemeClr val="tx1"/>
+            </a:solidFill>
+          </a:ln>
+        </p:spPr>
+        <p:txBody>
+          <a:bodyPr wrap="square" rtlCol="0">
+            <a:spAutoFit/>
+          </a:bodyPr>
+          <a:lstStyle/>
+          <a:p>
+            <a:pPr algn="ctr"/>
+            <a:r>
+              <a:rPr lang="en-US" sz="1200" dirty="0"/>
+              <a:t>Aug</a:t>
+            </a:r>
+          </a:p>
+        </p:txBody>
+      </p:sp>
+      <p:sp>
+        <p:nvSpPr>
+          <p:cNvPr id="14" name="TextBox 13">
+            <a:extLst>
+              <a:ext uri="{FF2B5EF4-FFF2-40B4-BE49-F238E27FC236}">
+                <a16:creationId xmlns:a16="http://schemas.microsoft.com/office/drawing/2014/main" id="{B043A547-971F-BDC4-D27B-9D1A55B93FC1}"/>
+              </a:ext>
+            </a:extLst>
+          </p:cNvPr>
+          <p:cNvSpPr txBox="1"/>
+          <p:nvPr/>
+        </p:nvSpPr>
+        <p:spPr>
+          <a:xfrm>
+            <a:off x="7129763" y="2805569"/>
+            <a:ext cx="457937" cy="276999"/>
+          </a:xfrm>
+          <a:prstGeom prst="rect">
+            <a:avLst/>
+          </a:prstGeom>
+          <a:solidFill>
+            <a:schemeClr val="accent6"/>
+          </a:solidFill>
+          <a:ln>
+            <a:solidFill>
+              <a:schemeClr val="tx1"/>
+            </a:solidFill>
+          </a:ln>
+        </p:spPr>
+        <p:txBody>
+          <a:bodyPr wrap="square" rtlCol="0">
+            <a:spAutoFit/>
+          </a:bodyPr>
+          <a:lstStyle/>
+          <a:p>
+            <a:pPr algn="ctr"/>
+            <a:r>
+              <a:rPr lang="en-US" sz="1200" dirty="0"/>
+              <a:t>Sep</a:t>
+            </a:r>
+          </a:p>
+        </p:txBody>
+      </p:sp>
+      <p:sp>
+        <p:nvSpPr>
+          <p:cNvPr id="15" name="TextBox 14">
+            <a:extLst>
+              <a:ext uri="{FF2B5EF4-FFF2-40B4-BE49-F238E27FC236}">
+                <a16:creationId xmlns:a16="http://schemas.microsoft.com/office/drawing/2014/main" id="{338B7BE9-B8D4-6021-493B-318E8F7E2D31}"/>
+              </a:ext>
+            </a:extLst>
+          </p:cNvPr>
+          <p:cNvSpPr txBox="1"/>
+          <p:nvPr/>
+        </p:nvSpPr>
+        <p:spPr>
+          <a:xfrm>
+            <a:off x="7617770" y="2805569"/>
+            <a:ext cx="457937" cy="276999"/>
+          </a:xfrm>
+          <a:prstGeom prst="rect">
+            <a:avLst/>
+          </a:prstGeom>
+          <a:solidFill>
+            <a:schemeClr val="accent6"/>
+          </a:solidFill>
+          <a:ln>
+            <a:solidFill>
+              <a:schemeClr val="tx1"/>
+            </a:solidFill>
+          </a:ln>
+        </p:spPr>
+        <p:txBody>
+          <a:bodyPr wrap="square" rtlCol="0">
+            <a:spAutoFit/>
+          </a:bodyPr>
+          <a:lstStyle/>
+          <a:p>
+            <a:pPr algn="ctr"/>
+            <a:r>
+              <a:rPr lang="en-US" sz="1200" dirty="0"/>
+              <a:t>Oct</a:t>
+            </a:r>
+          </a:p>
+        </p:txBody>
+      </p:sp>
+      <p:sp>
+        <p:nvSpPr>
+          <p:cNvPr id="16" name="TextBox 15">
+            <a:extLst>
+              <a:ext uri="{FF2B5EF4-FFF2-40B4-BE49-F238E27FC236}">
+                <a16:creationId xmlns:a16="http://schemas.microsoft.com/office/drawing/2014/main" id="{6A4917D0-E52C-AF22-7794-4589A131C196}"/>
+              </a:ext>
+            </a:extLst>
+          </p:cNvPr>
+          <p:cNvSpPr txBox="1"/>
+          <p:nvPr/>
+        </p:nvSpPr>
+        <p:spPr>
+          <a:xfrm>
+            <a:off x="8105777" y="2805569"/>
+            <a:ext cx="457937" cy="276999"/>
+          </a:xfrm>
+          <a:prstGeom prst="rect">
+            <a:avLst/>
+          </a:prstGeom>
+          <a:solidFill>
+            <a:schemeClr val="accent6"/>
+          </a:solidFill>
+          <a:ln>
+            <a:solidFill>
+              <a:schemeClr val="tx1"/>
+            </a:solidFill>
+          </a:ln>
+        </p:spPr>
+        <p:txBody>
+          <a:bodyPr wrap="square" rtlCol="0">
+            <a:spAutoFit/>
+          </a:bodyPr>
+          <a:lstStyle/>
+          <a:p>
+            <a:pPr algn="ctr"/>
+            <a:r>
+              <a:rPr lang="en-US" sz="1200" dirty="0"/>
+              <a:t>Nov</a:t>
+            </a:r>
+          </a:p>
+        </p:txBody>
+      </p:sp>
+      <p:sp>
+        <p:nvSpPr>
+          <p:cNvPr id="17" name="TextBox 16">
+            <a:extLst>
+              <a:ext uri="{FF2B5EF4-FFF2-40B4-BE49-F238E27FC236}">
+                <a16:creationId xmlns:a16="http://schemas.microsoft.com/office/drawing/2014/main" id="{61BE0DB3-DECF-7F29-53A5-BE8828545E41}"/>
+              </a:ext>
+            </a:extLst>
+          </p:cNvPr>
+          <p:cNvSpPr txBox="1"/>
+          <p:nvPr/>
+        </p:nvSpPr>
+        <p:spPr>
+          <a:xfrm>
+            <a:off x="8593783" y="2805569"/>
+            <a:ext cx="457937" cy="276999"/>
+          </a:xfrm>
+          <a:prstGeom prst="rect">
+            <a:avLst/>
+          </a:prstGeom>
+          <a:solidFill>
+            <a:schemeClr val="accent6"/>
+          </a:solidFill>
+          <a:ln>
+            <a:solidFill>
+              <a:schemeClr val="tx1"/>
+            </a:solidFill>
+          </a:ln>
+        </p:spPr>
+        <p:txBody>
+          <a:bodyPr wrap="square" rtlCol="0">
+            <a:spAutoFit/>
+          </a:bodyPr>
+          <a:lstStyle/>
+          <a:p>
+            <a:pPr algn="ctr"/>
+            <a:r>
+              <a:rPr lang="en-US" sz="1200" dirty="0"/>
+              <a:t>Dec</a:t>
+            </a:r>
+          </a:p>
+        </p:txBody>
+      </p:sp>
+      <p:sp>
+        <p:nvSpPr>
+          <p:cNvPr id="18" name="TextBox 17">
+            <a:extLst>
+              <a:ext uri="{FF2B5EF4-FFF2-40B4-BE49-F238E27FC236}">
+                <a16:creationId xmlns:a16="http://schemas.microsoft.com/office/drawing/2014/main" id="{A5E0F1F8-30AC-8320-1599-65EFFB6A8117}"/>
+              </a:ext>
+            </a:extLst>
+          </p:cNvPr>
+          <p:cNvSpPr txBox="1"/>
+          <p:nvPr/>
+        </p:nvSpPr>
+        <p:spPr>
+          <a:xfrm>
+            <a:off x="3488060" y="4549649"/>
+            <a:ext cx="457937" cy="276999"/>
+          </a:xfrm>
+          <a:prstGeom prst="rect">
+            <a:avLst/>
+          </a:prstGeom>
+          <a:solidFill>
+            <a:schemeClr val="accent4"/>
+          </a:solidFill>
+          <a:ln>
+            <a:solidFill>
+              <a:schemeClr val="tx1"/>
+            </a:solidFill>
+          </a:ln>
+        </p:spPr>
+        <p:txBody>
+          <a:bodyPr wrap="square" rtlCol="0">
+            <a:spAutoFit/>
+          </a:bodyPr>
+          <a:lstStyle/>
+          <a:p>
+            <a:pPr algn="ctr"/>
+            <a:r>
+              <a:rPr lang="en-US" sz="1200" dirty="0"/>
+              <a:t>Jan</a:t>
+            </a:r>
+          </a:p>
+        </p:txBody>
+      </p:sp>
+      <p:sp>
+        <p:nvSpPr>
+          <p:cNvPr id="19" name="TextBox 18">
+            <a:extLst>
+              <a:ext uri="{FF2B5EF4-FFF2-40B4-BE49-F238E27FC236}">
+                <a16:creationId xmlns:a16="http://schemas.microsoft.com/office/drawing/2014/main" id="{928CDBD9-9868-63FC-E1B7-518B36F8D4D0}"/>
+              </a:ext>
+            </a:extLst>
+          </p:cNvPr>
+          <p:cNvSpPr txBox="1"/>
+          <p:nvPr/>
+        </p:nvSpPr>
+        <p:spPr>
+          <a:xfrm>
+            <a:off x="3976067" y="4549649"/>
+            <a:ext cx="457937" cy="276999"/>
+          </a:xfrm>
+          <a:prstGeom prst="rect">
+            <a:avLst/>
+          </a:prstGeom>
+          <a:solidFill>
+            <a:schemeClr val="accent4"/>
+          </a:solidFill>
+          <a:ln>
+            <a:solidFill>
+              <a:schemeClr val="tx1"/>
+            </a:solidFill>
+          </a:ln>
+        </p:spPr>
+        <p:txBody>
+          <a:bodyPr wrap="square" rtlCol="0">
+            <a:spAutoFit/>
+          </a:bodyPr>
+          <a:lstStyle/>
+          <a:p>
+            <a:pPr algn="ctr"/>
+            <a:r>
+              <a:rPr lang="en-US" sz="1200" dirty="0"/>
+              <a:t>Feb</a:t>
+            </a:r>
+          </a:p>
+        </p:txBody>
+      </p:sp>
+      <p:sp>
+        <p:nvSpPr>
+          <p:cNvPr id="20" name="TextBox 19">
+            <a:extLst>
+              <a:ext uri="{FF2B5EF4-FFF2-40B4-BE49-F238E27FC236}">
+                <a16:creationId xmlns:a16="http://schemas.microsoft.com/office/drawing/2014/main" id="{E79D5B4B-1103-69F1-A9D1-7E6B900D551D}"/>
+              </a:ext>
+            </a:extLst>
+          </p:cNvPr>
+          <p:cNvSpPr txBox="1"/>
+          <p:nvPr/>
+        </p:nvSpPr>
+        <p:spPr>
+          <a:xfrm>
+            <a:off x="4464074" y="4549649"/>
+            <a:ext cx="457937" cy="276999"/>
+          </a:xfrm>
+          <a:prstGeom prst="rect">
+            <a:avLst/>
+          </a:prstGeom>
+          <a:solidFill>
+            <a:schemeClr val="accent4"/>
+          </a:solidFill>
+          <a:ln>
+            <a:solidFill>
+              <a:schemeClr val="tx1"/>
+            </a:solidFill>
+          </a:ln>
+        </p:spPr>
+        <p:txBody>
+          <a:bodyPr wrap="square" rtlCol="0">
+            <a:spAutoFit/>
+          </a:bodyPr>
+          <a:lstStyle/>
+          <a:p>
+            <a:pPr algn="ctr"/>
+            <a:r>
+              <a:rPr lang="en-US" sz="1200" dirty="0"/>
+              <a:t>Mar</a:t>
+            </a:r>
+          </a:p>
+        </p:txBody>
+      </p:sp>
+      <p:sp>
+        <p:nvSpPr>
+          <p:cNvPr id="21" name="TextBox 20">
+            <a:extLst>
+              <a:ext uri="{FF2B5EF4-FFF2-40B4-BE49-F238E27FC236}">
+                <a16:creationId xmlns:a16="http://schemas.microsoft.com/office/drawing/2014/main" id="{115FE97E-51FF-57A0-472D-CE70B991DFA1}"/>
+              </a:ext>
+            </a:extLst>
+          </p:cNvPr>
+          <p:cNvSpPr txBox="1"/>
+          <p:nvPr/>
+        </p:nvSpPr>
+        <p:spPr>
+          <a:xfrm>
+            <a:off x="4952081" y="4549649"/>
+            <a:ext cx="457937" cy="276999"/>
+          </a:xfrm>
+          <a:prstGeom prst="rect">
+            <a:avLst/>
+          </a:prstGeom>
+          <a:solidFill>
+            <a:schemeClr val="accent4"/>
+          </a:solidFill>
+          <a:ln>
+            <a:solidFill>
+              <a:schemeClr val="tx1"/>
+            </a:solidFill>
+          </a:ln>
+        </p:spPr>
+        <p:txBody>
+          <a:bodyPr wrap="square" rtlCol="0">
+            <a:spAutoFit/>
+          </a:bodyPr>
+          <a:lstStyle/>
+          <a:p>
+            <a:pPr algn="ctr"/>
+            <a:r>
+              <a:rPr lang="en-US" sz="1200" dirty="0"/>
+              <a:t>Apr</a:t>
+            </a:r>
+          </a:p>
+        </p:txBody>
+      </p:sp>
+      <p:sp>
+        <p:nvSpPr>
+          <p:cNvPr id="22" name="TextBox 21">
+            <a:extLst>
+              <a:ext uri="{FF2B5EF4-FFF2-40B4-BE49-F238E27FC236}">
+                <a16:creationId xmlns:a16="http://schemas.microsoft.com/office/drawing/2014/main" id="{B87CCC5B-D810-3AC5-E1B7-CDDDCCBFECC0}"/>
+              </a:ext>
+            </a:extLst>
+          </p:cNvPr>
+          <p:cNvSpPr txBox="1"/>
+          <p:nvPr/>
+        </p:nvSpPr>
+        <p:spPr>
+          <a:xfrm>
+            <a:off x="5440088" y="4549649"/>
+            <a:ext cx="457937" cy="276999"/>
+          </a:xfrm>
+          <a:prstGeom prst="rect">
+            <a:avLst/>
+          </a:prstGeom>
+          <a:solidFill>
+            <a:schemeClr val="accent4"/>
+          </a:solidFill>
+          <a:ln>
+            <a:solidFill>
+              <a:schemeClr val="tx1"/>
+            </a:solidFill>
+          </a:ln>
+        </p:spPr>
+        <p:txBody>
+          <a:bodyPr wrap="square" rtlCol="0">
+            <a:spAutoFit/>
+          </a:bodyPr>
+          <a:lstStyle/>
+          <a:p>
+            <a:pPr algn="ctr"/>
+            <a:r>
+              <a:rPr lang="en-US" sz="1200" dirty="0"/>
+              <a:t>May</a:t>
+            </a:r>
+          </a:p>
+        </p:txBody>
+      </p:sp>
+      <p:sp>
+        <p:nvSpPr>
+          <p:cNvPr id="23" name="TextBox 22">
+            <a:extLst>
+              <a:ext uri="{FF2B5EF4-FFF2-40B4-BE49-F238E27FC236}">
+                <a16:creationId xmlns:a16="http://schemas.microsoft.com/office/drawing/2014/main" id="{CBD62617-45A4-4C6D-748A-08757B702A44}"/>
+              </a:ext>
+            </a:extLst>
+          </p:cNvPr>
+          <p:cNvSpPr txBox="1"/>
+          <p:nvPr/>
+        </p:nvSpPr>
+        <p:spPr>
+          <a:xfrm>
+            <a:off x="5928095" y="4549649"/>
+            <a:ext cx="457937" cy="276999"/>
+          </a:xfrm>
+          <a:prstGeom prst="rect">
+            <a:avLst/>
+          </a:prstGeom>
+          <a:solidFill>
+            <a:schemeClr val="accent4"/>
+          </a:solidFill>
+          <a:ln>
+            <a:solidFill>
+              <a:schemeClr val="tx1"/>
+            </a:solidFill>
+          </a:ln>
+        </p:spPr>
+        <p:txBody>
+          <a:bodyPr wrap="square" rtlCol="0">
+            <a:spAutoFit/>
+          </a:bodyPr>
+          <a:lstStyle/>
+          <a:p>
+            <a:pPr algn="ctr"/>
+            <a:r>
+              <a:rPr lang="en-US" sz="1200" dirty="0"/>
+              <a:t>Jun</a:t>
+            </a:r>
+          </a:p>
+        </p:txBody>
+      </p:sp>
+      <p:sp>
+        <p:nvSpPr>
+          <p:cNvPr id="24" name="TextBox 23">
+            <a:extLst>
+              <a:ext uri="{FF2B5EF4-FFF2-40B4-BE49-F238E27FC236}">
+                <a16:creationId xmlns:a16="http://schemas.microsoft.com/office/drawing/2014/main" id="{E81A091D-D6A6-7A7C-773D-394F1A6895AE}"/>
+              </a:ext>
+            </a:extLst>
+          </p:cNvPr>
+          <p:cNvSpPr txBox="1"/>
+          <p:nvPr/>
+        </p:nvSpPr>
+        <p:spPr>
+          <a:xfrm>
+            <a:off x="6416102" y="4549649"/>
+            <a:ext cx="457937" cy="276999"/>
+          </a:xfrm>
+          <a:prstGeom prst="rect">
+            <a:avLst/>
+          </a:prstGeom>
+          <a:solidFill>
+            <a:schemeClr val="accent4"/>
+          </a:solidFill>
+          <a:ln>
+            <a:solidFill>
+              <a:schemeClr val="tx1"/>
+            </a:solidFill>
+          </a:ln>
+        </p:spPr>
+        <p:txBody>
+          <a:bodyPr wrap="square" rtlCol="0">
+            <a:spAutoFit/>
+          </a:bodyPr>
+          <a:lstStyle/>
+          <a:p>
+            <a:pPr algn="ctr"/>
+            <a:r>
+              <a:rPr lang="en-US" sz="1200" dirty="0"/>
+              <a:t>Jul</a:t>
+            </a:r>
+          </a:p>
+        </p:txBody>
+      </p:sp>
+      <p:sp>
+        <p:nvSpPr>
+          <p:cNvPr id="25" name="TextBox 24">
+            <a:extLst>
+              <a:ext uri="{FF2B5EF4-FFF2-40B4-BE49-F238E27FC236}">
+                <a16:creationId xmlns:a16="http://schemas.microsoft.com/office/drawing/2014/main" id="{41118020-B733-7E61-0E64-F8AC0536E42F}"/>
+              </a:ext>
+            </a:extLst>
+          </p:cNvPr>
+          <p:cNvSpPr txBox="1"/>
+          <p:nvPr/>
+        </p:nvSpPr>
+        <p:spPr>
+          <a:xfrm>
+            <a:off x="6904109" y="4549649"/>
+            <a:ext cx="457937" cy="276999"/>
+          </a:xfrm>
+          <a:prstGeom prst="rect">
+            <a:avLst/>
+          </a:prstGeom>
+          <a:solidFill>
+            <a:schemeClr val="accent4"/>
+          </a:solidFill>
+          <a:ln>
+            <a:solidFill>
+              <a:schemeClr val="tx1"/>
+            </a:solidFill>
+          </a:ln>
+        </p:spPr>
+        <p:txBody>
+          <a:bodyPr wrap="square" rtlCol="0">
+            <a:spAutoFit/>
+          </a:bodyPr>
+          <a:lstStyle/>
+          <a:p>
+            <a:pPr algn="ctr"/>
+            <a:r>
+              <a:rPr lang="en-US" sz="1200" dirty="0"/>
+              <a:t>Aug</a:t>
+            </a:r>
+          </a:p>
+        </p:txBody>
+      </p:sp>
+      <p:sp>
+        <p:nvSpPr>
+          <p:cNvPr id="26" name="TextBox 25">
+            <a:extLst>
+              <a:ext uri="{FF2B5EF4-FFF2-40B4-BE49-F238E27FC236}">
+                <a16:creationId xmlns:a16="http://schemas.microsoft.com/office/drawing/2014/main" id="{BA3121E5-6093-D1F1-9DF9-E3E494B38CCA}"/>
+              </a:ext>
+            </a:extLst>
+          </p:cNvPr>
+          <p:cNvSpPr txBox="1"/>
+          <p:nvPr/>
+        </p:nvSpPr>
+        <p:spPr>
+          <a:xfrm>
+            <a:off x="7392116" y="4549649"/>
+            <a:ext cx="457937" cy="276999"/>
+          </a:xfrm>
+          <a:prstGeom prst="rect">
+            <a:avLst/>
+          </a:prstGeom>
+          <a:solidFill>
+            <a:schemeClr val="accent4"/>
+          </a:solidFill>
+          <a:ln>
+            <a:solidFill>
+              <a:schemeClr val="tx1"/>
+            </a:solidFill>
+          </a:ln>
+        </p:spPr>
+        <p:txBody>
+          <a:bodyPr wrap="square" rtlCol="0">
+            <a:spAutoFit/>
+          </a:bodyPr>
+          <a:lstStyle/>
+          <a:p>
+            <a:pPr algn="ctr"/>
+            <a:r>
+              <a:rPr lang="en-US" sz="1200" dirty="0"/>
+              <a:t>Sep</a:t>
+            </a:r>
+          </a:p>
+        </p:txBody>
+      </p:sp>
+      <p:sp>
+        <p:nvSpPr>
+          <p:cNvPr id="27" name="TextBox 26">
+            <a:extLst>
+              <a:ext uri="{FF2B5EF4-FFF2-40B4-BE49-F238E27FC236}">
+                <a16:creationId xmlns:a16="http://schemas.microsoft.com/office/drawing/2014/main" id="{3B3C02C5-01F9-91C8-6E85-C6870EA8486F}"/>
+              </a:ext>
+            </a:extLst>
+          </p:cNvPr>
+          <p:cNvSpPr txBox="1"/>
+          <p:nvPr/>
+        </p:nvSpPr>
+        <p:spPr>
+          <a:xfrm>
+            <a:off x="7880123" y="4549649"/>
+            <a:ext cx="457937" cy="276999"/>
+          </a:xfrm>
+          <a:prstGeom prst="rect">
+            <a:avLst/>
+          </a:prstGeom>
+          <a:solidFill>
+            <a:schemeClr val="accent4"/>
+          </a:solidFill>
+          <a:ln>
+            <a:solidFill>
+              <a:schemeClr val="tx1"/>
+            </a:solidFill>
+          </a:ln>
+        </p:spPr>
+        <p:txBody>
+          <a:bodyPr wrap="square" rtlCol="0">
+            <a:spAutoFit/>
+          </a:bodyPr>
+          <a:lstStyle/>
+          <a:p>
+            <a:pPr algn="ctr"/>
+            <a:r>
+              <a:rPr lang="en-US" sz="1200" dirty="0"/>
+              <a:t>Oct</a:t>
+            </a:r>
+          </a:p>
+        </p:txBody>
+      </p:sp>
+      <p:sp>
+        <p:nvSpPr>
+          <p:cNvPr id="28" name="TextBox 27">
+            <a:extLst>
+              <a:ext uri="{FF2B5EF4-FFF2-40B4-BE49-F238E27FC236}">
+                <a16:creationId xmlns:a16="http://schemas.microsoft.com/office/drawing/2014/main" id="{DF8DBB59-7EB0-D280-FDD0-A11708A34C5E}"/>
+              </a:ext>
+            </a:extLst>
+          </p:cNvPr>
+          <p:cNvSpPr txBox="1"/>
+          <p:nvPr/>
+        </p:nvSpPr>
+        <p:spPr>
+          <a:xfrm>
+            <a:off x="8368130" y="4549649"/>
+            <a:ext cx="457937" cy="276999"/>
+          </a:xfrm>
+          <a:prstGeom prst="rect">
+            <a:avLst/>
+          </a:prstGeom>
+          <a:solidFill>
+            <a:schemeClr val="accent4"/>
+          </a:solidFill>
+          <a:ln>
+            <a:solidFill>
+              <a:schemeClr val="tx1"/>
+            </a:solidFill>
+          </a:ln>
+        </p:spPr>
+        <p:txBody>
+          <a:bodyPr wrap="square" rtlCol="0">
+            <a:spAutoFit/>
+          </a:bodyPr>
+          <a:lstStyle/>
+          <a:p>
+            <a:pPr algn="ctr"/>
+            <a:r>
+              <a:rPr lang="en-US" sz="1200" dirty="0"/>
+              <a:t>Nov</a:t>
+            </a:r>
+          </a:p>
+        </p:txBody>
+      </p:sp>
+      <p:sp>
+        <p:nvSpPr>
+          <p:cNvPr id="29" name="TextBox 28">
+            <a:extLst>
+              <a:ext uri="{FF2B5EF4-FFF2-40B4-BE49-F238E27FC236}">
+                <a16:creationId xmlns:a16="http://schemas.microsoft.com/office/drawing/2014/main" id="{78286D53-A7D6-FEBE-1953-0F8B591E41B4}"/>
+              </a:ext>
+            </a:extLst>
+          </p:cNvPr>
+          <p:cNvSpPr txBox="1"/>
+          <p:nvPr/>
+        </p:nvSpPr>
+        <p:spPr>
+          <a:xfrm>
+            <a:off x="8856136" y="4549649"/>
+            <a:ext cx="457937" cy="276999"/>
+          </a:xfrm>
+          <a:prstGeom prst="rect">
+            <a:avLst/>
+          </a:prstGeom>
+          <a:solidFill>
+            <a:schemeClr val="accent4"/>
+          </a:solidFill>
+          <a:ln>
+            <a:solidFill>
+              <a:schemeClr val="tx1"/>
+            </a:solidFill>
+          </a:ln>
+        </p:spPr>
+        <p:txBody>
+          <a:bodyPr wrap="square" rtlCol="0">
+            <a:spAutoFit/>
+          </a:bodyPr>
+          <a:lstStyle/>
+          <a:p>
+            <a:pPr algn="ctr"/>
+            <a:r>
+              <a:rPr lang="en-US" sz="1200" dirty="0"/>
+              <a:t>Dec</a:t>
+            </a:r>
+          </a:p>
+        </p:txBody>
+      </p:sp>
+      <p:grpSp>
+        <p:nvGrpSpPr>
+          <p:cNvPr id="3" name="Group 2">
+            <a:extLst>
+              <a:ext uri="{FF2B5EF4-FFF2-40B4-BE49-F238E27FC236}">
+                <a16:creationId xmlns:a16="http://schemas.microsoft.com/office/drawing/2014/main" id="{5EB52EAF-75A3-529A-1A98-38E444427912}"/>
+              </a:ext>
+            </a:extLst>
+          </p:cNvPr>
+          <p:cNvGrpSpPr/>
+          <p:nvPr/>
+        </p:nvGrpSpPr>
+        <p:grpSpPr>
+          <a:xfrm>
+            <a:off x="4922010" y="6329802"/>
+            <a:ext cx="5826013" cy="276999"/>
+            <a:chOff x="4922010" y="6329802"/>
+            <a:chExt cx="5826013" cy="276999"/>
+          </a:xfrm>
+        </p:grpSpPr>
+        <p:sp>
+          <p:nvSpPr>
+            <p:cNvPr id="30" name="TextBox 29">
+              <a:extLst>
+                <a:ext uri="{FF2B5EF4-FFF2-40B4-BE49-F238E27FC236}">
+                  <a16:creationId xmlns:a16="http://schemas.microsoft.com/office/drawing/2014/main" id="{1404AB66-0AC9-6629-072D-D639524C8065}"/>
+                </a:ext>
+              </a:extLst>
+            </p:cNvPr>
+            <p:cNvSpPr txBox="1"/>
+            <p:nvPr/>
+          </p:nvSpPr>
+          <p:spPr>
+            <a:xfrm>
+              <a:off x="4922010" y="6329802"/>
+              <a:ext cx="457937" cy="276999"/>
+            </a:xfrm>
+            <a:prstGeom prst="rect">
+              <a:avLst/>
+            </a:prstGeom>
+            <a:solidFill>
+              <a:schemeClr val="accent1">
+                <a:lumMod val="60000"/>
+                <a:lumOff val="40000"/>
+              </a:schemeClr>
+            </a:solidFill>
+            <a:ln>
+              <a:solidFill>
+                <a:schemeClr val="tx1"/>
+              </a:solidFill>
+            </a:ln>
+          </p:spPr>
+          <p:txBody>
+            <a:bodyPr wrap="square" rtlCol="0">
+              <a:spAutoFit/>
+            </a:bodyPr>
+            <a:lstStyle/>
+            <a:p>
+              <a:pPr algn="ctr"/>
+              <a:r>
+                <a:rPr lang="en-US" sz="1200" dirty="0"/>
+                <a:t>Jan</a:t>
+              </a:r>
+            </a:p>
+          </p:txBody>
+        </p:sp>
+        <p:sp>
+          <p:nvSpPr>
+            <p:cNvPr id="31" name="TextBox 30">
+              <a:extLst>
+                <a:ext uri="{FF2B5EF4-FFF2-40B4-BE49-F238E27FC236}">
+                  <a16:creationId xmlns:a16="http://schemas.microsoft.com/office/drawing/2014/main" id="{E0DFB17A-2568-B2E9-3C17-5C0263D763C1}"/>
+                </a:ext>
+              </a:extLst>
+            </p:cNvPr>
+            <p:cNvSpPr txBox="1"/>
+            <p:nvPr/>
+          </p:nvSpPr>
+          <p:spPr>
+            <a:xfrm>
+              <a:off x="5410017" y="6329802"/>
+              <a:ext cx="457937" cy="276999"/>
+            </a:xfrm>
+            <a:prstGeom prst="rect">
+              <a:avLst/>
+            </a:prstGeom>
+            <a:solidFill>
+              <a:schemeClr val="accent1">
+                <a:lumMod val="60000"/>
+                <a:lumOff val="40000"/>
+              </a:schemeClr>
+            </a:solidFill>
+            <a:ln>
+              <a:solidFill>
+                <a:schemeClr val="tx1"/>
+              </a:solidFill>
+            </a:ln>
+          </p:spPr>
+          <p:txBody>
+            <a:bodyPr wrap="square" rtlCol="0">
+              <a:spAutoFit/>
+            </a:bodyPr>
+            <a:lstStyle/>
+            <a:p>
+              <a:pPr algn="ctr"/>
+              <a:r>
+                <a:rPr lang="en-US" sz="1200" dirty="0"/>
+                <a:t>Feb</a:t>
+              </a:r>
+            </a:p>
+          </p:txBody>
+        </p:sp>
+        <p:sp>
+          <p:nvSpPr>
+            <p:cNvPr id="32" name="TextBox 31">
+              <a:extLst>
+                <a:ext uri="{FF2B5EF4-FFF2-40B4-BE49-F238E27FC236}">
+                  <a16:creationId xmlns:a16="http://schemas.microsoft.com/office/drawing/2014/main" id="{754177C5-3228-93D7-F0F9-012B23F7F784}"/>
+                </a:ext>
+              </a:extLst>
+            </p:cNvPr>
+            <p:cNvSpPr txBox="1"/>
+            <p:nvPr/>
+          </p:nvSpPr>
+          <p:spPr>
+            <a:xfrm>
+              <a:off x="5898024" y="6329802"/>
+              <a:ext cx="457937" cy="276999"/>
+            </a:xfrm>
+            <a:prstGeom prst="rect">
+              <a:avLst/>
+            </a:prstGeom>
+            <a:solidFill>
+              <a:schemeClr val="accent1">
+                <a:lumMod val="60000"/>
+                <a:lumOff val="40000"/>
+              </a:schemeClr>
+            </a:solidFill>
+            <a:ln>
+              <a:solidFill>
+                <a:schemeClr val="tx1"/>
+              </a:solidFill>
+            </a:ln>
+          </p:spPr>
+          <p:txBody>
+            <a:bodyPr wrap="square" rtlCol="0">
+              <a:spAutoFit/>
+            </a:bodyPr>
+            <a:lstStyle/>
+            <a:p>
+              <a:pPr algn="ctr"/>
+              <a:r>
+                <a:rPr lang="en-US" sz="1200" dirty="0"/>
+                <a:t>Mar</a:t>
+              </a:r>
+            </a:p>
+          </p:txBody>
+        </p:sp>
+        <p:sp>
+          <p:nvSpPr>
+            <p:cNvPr id="33" name="TextBox 32">
+              <a:extLst>
+                <a:ext uri="{FF2B5EF4-FFF2-40B4-BE49-F238E27FC236}">
+                  <a16:creationId xmlns:a16="http://schemas.microsoft.com/office/drawing/2014/main" id="{17F99CD8-5913-BE68-5B73-7C1D583983F4}"/>
+                </a:ext>
+              </a:extLst>
+            </p:cNvPr>
+            <p:cNvSpPr txBox="1"/>
+            <p:nvPr/>
+          </p:nvSpPr>
+          <p:spPr>
+            <a:xfrm>
+              <a:off x="6386031" y="6329802"/>
+              <a:ext cx="457937" cy="276999"/>
+            </a:xfrm>
+            <a:prstGeom prst="rect">
+              <a:avLst/>
+            </a:prstGeom>
+            <a:solidFill>
+              <a:schemeClr val="accent1">
+                <a:lumMod val="60000"/>
+                <a:lumOff val="40000"/>
+              </a:schemeClr>
+            </a:solidFill>
+            <a:ln>
+              <a:solidFill>
+                <a:schemeClr val="tx1"/>
+              </a:solidFill>
+            </a:ln>
+          </p:spPr>
+          <p:txBody>
+            <a:bodyPr wrap="square" rtlCol="0">
+              <a:spAutoFit/>
+            </a:bodyPr>
+            <a:lstStyle/>
+            <a:p>
+              <a:pPr algn="ctr"/>
+              <a:r>
+                <a:rPr lang="en-US" sz="1200" dirty="0"/>
+                <a:t>Apr</a:t>
+              </a:r>
+            </a:p>
+          </p:txBody>
+        </p:sp>
+        <p:sp>
+          <p:nvSpPr>
+            <p:cNvPr id="34" name="TextBox 33">
+              <a:extLst>
+                <a:ext uri="{FF2B5EF4-FFF2-40B4-BE49-F238E27FC236}">
+                  <a16:creationId xmlns:a16="http://schemas.microsoft.com/office/drawing/2014/main" id="{469B3CD7-20DF-7134-D14D-108E315C6EA2}"/>
+                </a:ext>
+              </a:extLst>
+            </p:cNvPr>
+            <p:cNvSpPr txBox="1"/>
+            <p:nvPr/>
+          </p:nvSpPr>
+          <p:spPr>
+            <a:xfrm>
+              <a:off x="6874038" y="6329802"/>
+              <a:ext cx="457937" cy="276999"/>
+            </a:xfrm>
+            <a:prstGeom prst="rect">
+              <a:avLst/>
+            </a:prstGeom>
+            <a:solidFill>
+              <a:schemeClr val="accent1">
+                <a:lumMod val="60000"/>
+                <a:lumOff val="40000"/>
+              </a:schemeClr>
+            </a:solidFill>
+            <a:ln>
+              <a:solidFill>
+                <a:schemeClr val="tx1"/>
+              </a:solidFill>
+            </a:ln>
+          </p:spPr>
+          <p:txBody>
+            <a:bodyPr wrap="square" rtlCol="0">
+              <a:spAutoFit/>
+            </a:bodyPr>
+            <a:lstStyle/>
+            <a:p>
+              <a:pPr algn="ctr"/>
+              <a:r>
+                <a:rPr lang="en-US" sz="1200" dirty="0"/>
+                <a:t>May</a:t>
+              </a:r>
+            </a:p>
+          </p:txBody>
+        </p:sp>
+        <p:sp>
+          <p:nvSpPr>
+            <p:cNvPr id="35" name="TextBox 34">
+              <a:extLst>
+                <a:ext uri="{FF2B5EF4-FFF2-40B4-BE49-F238E27FC236}">
+                  <a16:creationId xmlns:a16="http://schemas.microsoft.com/office/drawing/2014/main" id="{AC956408-D521-E293-2ECA-A6AEE96929C3}"/>
+                </a:ext>
+              </a:extLst>
+            </p:cNvPr>
+            <p:cNvSpPr txBox="1"/>
+            <p:nvPr/>
+          </p:nvSpPr>
+          <p:spPr>
+            <a:xfrm>
+              <a:off x="7362045" y="6329802"/>
+              <a:ext cx="457937" cy="276999"/>
+            </a:xfrm>
+            <a:prstGeom prst="rect">
+              <a:avLst/>
+            </a:prstGeom>
+            <a:solidFill>
+              <a:schemeClr val="accent1">
+                <a:lumMod val="60000"/>
+                <a:lumOff val="40000"/>
+              </a:schemeClr>
+            </a:solidFill>
+            <a:ln>
+              <a:solidFill>
+                <a:schemeClr val="tx1"/>
+              </a:solidFill>
+            </a:ln>
+          </p:spPr>
+          <p:txBody>
+            <a:bodyPr wrap="square" rtlCol="0">
+              <a:spAutoFit/>
+            </a:bodyPr>
+            <a:lstStyle/>
+            <a:p>
+              <a:pPr algn="ctr"/>
+              <a:r>
+                <a:rPr lang="en-US" sz="1200" dirty="0"/>
+                <a:t>Jun</a:t>
+              </a:r>
+            </a:p>
+          </p:txBody>
+        </p:sp>
+        <p:sp>
+          <p:nvSpPr>
+            <p:cNvPr id="36" name="TextBox 35">
+              <a:extLst>
+                <a:ext uri="{FF2B5EF4-FFF2-40B4-BE49-F238E27FC236}">
+                  <a16:creationId xmlns:a16="http://schemas.microsoft.com/office/drawing/2014/main" id="{66B695F0-30F2-1E2C-AB87-ECEC592E46B7}"/>
+                </a:ext>
+              </a:extLst>
+            </p:cNvPr>
+            <p:cNvSpPr txBox="1"/>
+            <p:nvPr/>
+          </p:nvSpPr>
+          <p:spPr>
+            <a:xfrm>
+              <a:off x="7850052" y="6329802"/>
+              <a:ext cx="457937" cy="276999"/>
+            </a:xfrm>
+            <a:prstGeom prst="rect">
+              <a:avLst/>
+            </a:prstGeom>
+            <a:solidFill>
+              <a:schemeClr val="accent1">
+                <a:lumMod val="60000"/>
+                <a:lumOff val="40000"/>
+              </a:schemeClr>
+            </a:solidFill>
+            <a:ln>
+              <a:solidFill>
+                <a:schemeClr val="tx1"/>
+              </a:solidFill>
+            </a:ln>
+          </p:spPr>
+          <p:txBody>
+            <a:bodyPr wrap="square" rtlCol="0">
+              <a:spAutoFit/>
+            </a:bodyPr>
+            <a:lstStyle/>
+            <a:p>
+              <a:pPr algn="ctr"/>
+              <a:r>
+                <a:rPr lang="en-US" sz="1200" dirty="0"/>
+                <a:t>Jul</a:t>
+              </a:r>
+            </a:p>
+          </p:txBody>
+        </p:sp>
+        <p:sp>
+          <p:nvSpPr>
+            <p:cNvPr id="37" name="TextBox 36">
+              <a:extLst>
+                <a:ext uri="{FF2B5EF4-FFF2-40B4-BE49-F238E27FC236}">
+                  <a16:creationId xmlns:a16="http://schemas.microsoft.com/office/drawing/2014/main" id="{EEA4E15F-371D-B6F3-76F3-AAEF00F051CF}"/>
+                </a:ext>
+              </a:extLst>
+            </p:cNvPr>
+            <p:cNvSpPr txBox="1"/>
+            <p:nvPr/>
+          </p:nvSpPr>
+          <p:spPr>
+            <a:xfrm>
+              <a:off x="8338059" y="6329802"/>
+              <a:ext cx="457937" cy="276999"/>
+            </a:xfrm>
+            <a:prstGeom prst="rect">
+              <a:avLst/>
+            </a:prstGeom>
+            <a:solidFill>
+              <a:schemeClr val="accent1">
+                <a:lumMod val="60000"/>
+                <a:lumOff val="40000"/>
+              </a:schemeClr>
+            </a:solidFill>
+            <a:ln>
+              <a:solidFill>
+                <a:schemeClr val="tx1"/>
+              </a:solidFill>
+            </a:ln>
+          </p:spPr>
+          <p:txBody>
+            <a:bodyPr wrap="square" rtlCol="0">
+              <a:spAutoFit/>
+            </a:bodyPr>
+            <a:lstStyle/>
+            <a:p>
+              <a:pPr algn="ctr"/>
+              <a:r>
+                <a:rPr lang="en-US" sz="1200" dirty="0"/>
+                <a:t>Aug</a:t>
+              </a:r>
+            </a:p>
+          </p:txBody>
+        </p:sp>
+        <p:sp>
+          <p:nvSpPr>
+            <p:cNvPr id="38" name="TextBox 37">
+              <a:extLst>
+                <a:ext uri="{FF2B5EF4-FFF2-40B4-BE49-F238E27FC236}">
+                  <a16:creationId xmlns:a16="http://schemas.microsoft.com/office/drawing/2014/main" id="{A0BF8388-E26D-7A52-610E-0E23C4C742DC}"/>
+                </a:ext>
+              </a:extLst>
+            </p:cNvPr>
+            <p:cNvSpPr txBox="1"/>
+            <p:nvPr/>
+          </p:nvSpPr>
+          <p:spPr>
+            <a:xfrm>
+              <a:off x="8826066" y="6329802"/>
+              <a:ext cx="457937" cy="276999"/>
+            </a:xfrm>
+            <a:prstGeom prst="rect">
+              <a:avLst/>
+            </a:prstGeom>
+            <a:solidFill>
+              <a:schemeClr val="accent1">
+                <a:lumMod val="60000"/>
+                <a:lumOff val="40000"/>
+              </a:schemeClr>
+            </a:solidFill>
+            <a:ln>
+              <a:solidFill>
+                <a:schemeClr val="tx1"/>
+              </a:solidFill>
+            </a:ln>
+          </p:spPr>
+          <p:txBody>
+            <a:bodyPr wrap="square" rtlCol="0">
+              <a:spAutoFit/>
+            </a:bodyPr>
+            <a:lstStyle/>
+            <a:p>
+              <a:pPr algn="ctr"/>
+              <a:r>
+                <a:rPr lang="en-US" sz="1200" dirty="0"/>
+                <a:t>Sep</a:t>
+              </a:r>
+            </a:p>
+          </p:txBody>
+        </p:sp>
+        <p:sp>
+          <p:nvSpPr>
+            <p:cNvPr id="39" name="TextBox 38">
+              <a:extLst>
+                <a:ext uri="{FF2B5EF4-FFF2-40B4-BE49-F238E27FC236}">
+                  <a16:creationId xmlns:a16="http://schemas.microsoft.com/office/drawing/2014/main" id="{A4EB5CBB-9310-1571-12DD-8DDE6F66A467}"/>
+                </a:ext>
+              </a:extLst>
+            </p:cNvPr>
+            <p:cNvSpPr txBox="1"/>
+            <p:nvPr/>
+          </p:nvSpPr>
+          <p:spPr>
+            <a:xfrm>
+              <a:off x="9314073" y="6329802"/>
+              <a:ext cx="457937" cy="276999"/>
+            </a:xfrm>
+            <a:prstGeom prst="rect">
+              <a:avLst/>
+            </a:prstGeom>
+            <a:solidFill>
+              <a:schemeClr val="accent1">
+                <a:lumMod val="60000"/>
+                <a:lumOff val="40000"/>
+              </a:schemeClr>
+            </a:solidFill>
+            <a:ln>
+              <a:solidFill>
+                <a:schemeClr val="tx1"/>
+              </a:solidFill>
+            </a:ln>
+          </p:spPr>
+          <p:txBody>
+            <a:bodyPr wrap="square" rtlCol="0">
+              <a:spAutoFit/>
+            </a:bodyPr>
+            <a:lstStyle/>
+            <a:p>
+              <a:pPr algn="ctr"/>
+              <a:r>
+                <a:rPr lang="en-US" sz="1200" dirty="0"/>
+                <a:t>Oct</a:t>
+              </a:r>
+            </a:p>
+          </p:txBody>
+        </p:sp>
+        <p:sp>
+          <p:nvSpPr>
+            <p:cNvPr id="40" name="TextBox 39">
+              <a:extLst>
+                <a:ext uri="{FF2B5EF4-FFF2-40B4-BE49-F238E27FC236}">
+                  <a16:creationId xmlns:a16="http://schemas.microsoft.com/office/drawing/2014/main" id="{FFB40BAE-5740-11FD-9C36-7CFBB3F479F9}"/>
+                </a:ext>
+              </a:extLst>
+            </p:cNvPr>
+            <p:cNvSpPr txBox="1"/>
+            <p:nvPr/>
+          </p:nvSpPr>
+          <p:spPr>
+            <a:xfrm>
+              <a:off x="9802080" y="6329802"/>
+              <a:ext cx="457937" cy="276999"/>
+            </a:xfrm>
+            <a:prstGeom prst="rect">
+              <a:avLst/>
+            </a:prstGeom>
+            <a:solidFill>
+              <a:schemeClr val="accent1">
+                <a:lumMod val="60000"/>
+                <a:lumOff val="40000"/>
+              </a:schemeClr>
+            </a:solidFill>
+            <a:ln>
+              <a:solidFill>
+                <a:schemeClr val="tx1"/>
+              </a:solidFill>
+            </a:ln>
+          </p:spPr>
+          <p:txBody>
+            <a:bodyPr wrap="square" rtlCol="0">
+              <a:spAutoFit/>
+            </a:bodyPr>
+            <a:lstStyle/>
+            <a:p>
+              <a:pPr algn="ctr"/>
+              <a:r>
+                <a:rPr lang="en-US" sz="1200" dirty="0"/>
+                <a:t>Nov</a:t>
+              </a:r>
+            </a:p>
+          </p:txBody>
+        </p:sp>
+        <p:sp>
+          <p:nvSpPr>
+            <p:cNvPr id="41" name="TextBox 40">
+              <a:extLst>
+                <a:ext uri="{FF2B5EF4-FFF2-40B4-BE49-F238E27FC236}">
+                  <a16:creationId xmlns:a16="http://schemas.microsoft.com/office/drawing/2014/main" id="{69C2EC48-63B5-ACC1-07CB-B055A2D6B2C5}"/>
+                </a:ext>
+              </a:extLst>
+            </p:cNvPr>
+            <p:cNvSpPr txBox="1"/>
+            <p:nvPr/>
+          </p:nvSpPr>
+          <p:spPr>
+            <a:xfrm>
+              <a:off x="10290086" y="6329802"/>
+              <a:ext cx="457937" cy="276999"/>
+            </a:xfrm>
+            <a:prstGeom prst="rect">
+              <a:avLst/>
+            </a:prstGeom>
+            <a:solidFill>
+              <a:schemeClr val="accent1">
+                <a:lumMod val="60000"/>
+                <a:lumOff val="40000"/>
+              </a:schemeClr>
+            </a:solidFill>
+            <a:ln>
+              <a:solidFill>
+                <a:schemeClr val="tx1"/>
+              </a:solidFill>
+            </a:ln>
+          </p:spPr>
+          <p:txBody>
+            <a:bodyPr wrap="square" rtlCol="0">
+              <a:spAutoFit/>
+            </a:bodyPr>
+            <a:lstStyle/>
+            <a:p>
+              <a:pPr algn="ctr"/>
+              <a:r>
+                <a:rPr lang="en-US" sz="1200" dirty="0"/>
+                <a:t>Dec</a:t>
+              </a:r>
+            </a:p>
+          </p:txBody>
+        </p:sp>
+      </p:grpSp>
+      <p:sp>
+        <p:nvSpPr>
+          <p:cNvPr id="42" name="TextBox 41">
+            <a:extLst>
+              <a:ext uri="{FF2B5EF4-FFF2-40B4-BE49-F238E27FC236}">
+                <a16:creationId xmlns:a16="http://schemas.microsoft.com/office/drawing/2014/main" id="{C7226B61-86CD-ECEE-30F0-7BBC6368F2B9}"/>
+              </a:ext>
+            </a:extLst>
+          </p:cNvPr>
+          <p:cNvSpPr txBox="1"/>
+          <p:nvPr/>
+        </p:nvSpPr>
+        <p:spPr>
+          <a:xfrm>
+            <a:off x="1761686" y="2805568"/>
+            <a:ext cx="457937" cy="276999"/>
+          </a:xfrm>
+          <a:prstGeom prst="rect">
+            <a:avLst/>
+          </a:prstGeom>
+          <a:solidFill>
+            <a:schemeClr val="accent6"/>
+          </a:solidFill>
+          <a:ln>
+            <a:solidFill>
+              <a:schemeClr val="tx1"/>
+            </a:solidFill>
+          </a:ln>
+        </p:spPr>
+        <p:txBody>
+          <a:bodyPr wrap="square" rtlCol="0">
+            <a:spAutoFit/>
+          </a:bodyPr>
+          <a:lstStyle/>
+          <a:p>
+            <a:pPr algn="ctr"/>
+            <a:r>
+              <a:rPr lang="en-US" sz="1200" dirty="0"/>
+              <a:t>Oct</a:t>
+            </a:r>
+          </a:p>
+        </p:txBody>
+      </p:sp>
+      <p:sp>
+        <p:nvSpPr>
+          <p:cNvPr id="43" name="TextBox 42">
+            <a:extLst>
+              <a:ext uri="{FF2B5EF4-FFF2-40B4-BE49-F238E27FC236}">
+                <a16:creationId xmlns:a16="http://schemas.microsoft.com/office/drawing/2014/main" id="{10E56B15-A065-0CD9-B3C0-25A12FBA7A42}"/>
+              </a:ext>
+            </a:extLst>
+          </p:cNvPr>
+          <p:cNvSpPr txBox="1"/>
+          <p:nvPr/>
+        </p:nvSpPr>
+        <p:spPr>
+          <a:xfrm>
+            <a:off x="190881" y="555938"/>
+            <a:ext cx="1212191" cy="200055"/>
+          </a:xfrm>
+          <a:prstGeom prst="rect">
+            <a:avLst/>
+          </a:prstGeom>
+          <a:noFill/>
+          <a:ln>
+            <a:solidFill>
+              <a:schemeClr val="tx1"/>
+            </a:solidFill>
+          </a:ln>
+        </p:spPr>
+        <p:txBody>
+          <a:bodyPr wrap="none" rtlCol="0">
+            <a:spAutoFit/>
+          </a:bodyPr>
+          <a:lstStyle/>
+          <a:p>
+            <a:r>
+              <a:rPr lang="en-US" sz="700" dirty="0"/>
+              <a:t>Rip to depth of 18-24 inches</a:t>
+            </a:r>
+          </a:p>
+        </p:txBody>
+      </p:sp>
+      <p:sp>
+        <p:nvSpPr>
+          <p:cNvPr id="49" name="TextBox 48">
+            <a:extLst>
+              <a:ext uri="{FF2B5EF4-FFF2-40B4-BE49-F238E27FC236}">
+                <a16:creationId xmlns:a16="http://schemas.microsoft.com/office/drawing/2014/main" id="{9B72FBB2-7AA0-8D53-C4AF-29CFB7720E61}"/>
+              </a:ext>
+            </a:extLst>
+          </p:cNvPr>
+          <p:cNvSpPr txBox="1"/>
+          <p:nvPr/>
+        </p:nvSpPr>
+        <p:spPr>
+          <a:xfrm>
+            <a:off x="224437" y="786634"/>
+            <a:ext cx="333746" cy="200055"/>
+          </a:xfrm>
+          <a:prstGeom prst="rect">
+            <a:avLst/>
+          </a:prstGeom>
+          <a:noFill/>
+          <a:ln>
+            <a:solidFill>
+              <a:schemeClr val="tx1"/>
+            </a:solidFill>
+          </a:ln>
+        </p:spPr>
+        <p:txBody>
+          <a:bodyPr wrap="none" rtlCol="0">
+            <a:spAutoFit/>
+          </a:bodyPr>
+          <a:lstStyle/>
+          <a:p>
+            <a:r>
+              <a:rPr lang="en-US" sz="700" dirty="0"/>
+              <a:t>Disc</a:t>
+            </a:r>
+          </a:p>
+        </p:txBody>
+      </p:sp>
+      <p:sp>
+        <p:nvSpPr>
+          <p:cNvPr id="52" name="TextBox 51">
+            <a:extLst>
+              <a:ext uri="{FF2B5EF4-FFF2-40B4-BE49-F238E27FC236}">
+                <a16:creationId xmlns:a16="http://schemas.microsoft.com/office/drawing/2014/main" id="{C44AF816-83DD-AEB0-42D8-631298595D7D}"/>
+              </a:ext>
+            </a:extLst>
+          </p:cNvPr>
+          <p:cNvSpPr txBox="1"/>
+          <p:nvPr/>
+        </p:nvSpPr>
+        <p:spPr>
+          <a:xfrm>
+            <a:off x="257993" y="1017330"/>
+            <a:ext cx="971741" cy="200055"/>
+          </a:xfrm>
+          <a:prstGeom prst="rect">
+            <a:avLst/>
+          </a:prstGeom>
+          <a:noFill/>
+          <a:ln>
+            <a:solidFill>
+              <a:schemeClr val="tx1"/>
+            </a:solidFill>
+          </a:ln>
+        </p:spPr>
+        <p:txBody>
+          <a:bodyPr wrap="none" rtlCol="0">
+            <a:spAutoFit/>
+          </a:bodyPr>
+          <a:lstStyle/>
+          <a:p>
+            <a:r>
+              <a:rPr lang="en-US" sz="700" dirty="0"/>
+              <a:t>Apply of poultry litter</a:t>
+            </a:r>
+          </a:p>
+        </p:txBody>
+      </p:sp>
+      <p:sp>
+        <p:nvSpPr>
+          <p:cNvPr id="53" name="TextBox 52">
+            <a:extLst>
+              <a:ext uri="{FF2B5EF4-FFF2-40B4-BE49-F238E27FC236}">
+                <a16:creationId xmlns:a16="http://schemas.microsoft.com/office/drawing/2014/main" id="{B1EA6725-215B-7BBB-4269-ECF108049E7A}"/>
+              </a:ext>
+            </a:extLst>
+          </p:cNvPr>
+          <p:cNvSpPr txBox="1"/>
+          <p:nvPr/>
+        </p:nvSpPr>
+        <p:spPr>
+          <a:xfrm>
+            <a:off x="299938" y="1248026"/>
+            <a:ext cx="333746" cy="200055"/>
+          </a:xfrm>
+          <a:prstGeom prst="rect">
+            <a:avLst/>
+          </a:prstGeom>
+          <a:noFill/>
+          <a:ln>
+            <a:solidFill>
+              <a:schemeClr val="tx1"/>
+            </a:solidFill>
+          </a:ln>
+        </p:spPr>
+        <p:txBody>
+          <a:bodyPr wrap="none" rtlCol="0">
+            <a:spAutoFit/>
+          </a:bodyPr>
+          <a:lstStyle/>
+          <a:p>
+            <a:r>
+              <a:rPr lang="en-US" sz="700" dirty="0"/>
+              <a:t>Disc</a:t>
+            </a:r>
+          </a:p>
+        </p:txBody>
+      </p:sp>
+      <p:sp>
+        <p:nvSpPr>
+          <p:cNvPr id="59" name="TextBox 58">
+            <a:extLst>
+              <a:ext uri="{FF2B5EF4-FFF2-40B4-BE49-F238E27FC236}">
+                <a16:creationId xmlns:a16="http://schemas.microsoft.com/office/drawing/2014/main" id="{7ADD967B-3DF3-4817-AB24-6EF4803D438F}"/>
+              </a:ext>
+            </a:extLst>
+          </p:cNvPr>
+          <p:cNvSpPr txBox="1"/>
+          <p:nvPr/>
+        </p:nvSpPr>
+        <p:spPr>
+          <a:xfrm>
+            <a:off x="1234021" y="2805568"/>
+            <a:ext cx="457937" cy="276999"/>
+          </a:xfrm>
+          <a:prstGeom prst="rect">
+            <a:avLst/>
+          </a:prstGeom>
+          <a:solidFill>
+            <a:schemeClr val="accent6"/>
+          </a:solidFill>
+          <a:ln>
+            <a:solidFill>
+              <a:schemeClr val="tx1"/>
+            </a:solidFill>
+          </a:ln>
+        </p:spPr>
+        <p:txBody>
+          <a:bodyPr wrap="square" rtlCol="0">
+            <a:spAutoFit/>
+          </a:bodyPr>
+          <a:lstStyle/>
+          <a:p>
+            <a:pPr algn="ctr"/>
+            <a:r>
+              <a:rPr lang="en-US" sz="1200" dirty="0"/>
+              <a:t>Sep</a:t>
+            </a:r>
+          </a:p>
+        </p:txBody>
+      </p:sp>
+      <p:sp>
+        <p:nvSpPr>
+          <p:cNvPr id="60" name="TextBox 59">
+            <a:extLst>
+              <a:ext uri="{FF2B5EF4-FFF2-40B4-BE49-F238E27FC236}">
+                <a16:creationId xmlns:a16="http://schemas.microsoft.com/office/drawing/2014/main" id="{62B03449-0810-8A99-F0E8-530D75404EFD}"/>
+              </a:ext>
+            </a:extLst>
+          </p:cNvPr>
+          <p:cNvSpPr txBox="1"/>
+          <p:nvPr/>
+        </p:nvSpPr>
+        <p:spPr>
+          <a:xfrm>
+            <a:off x="333494" y="1478722"/>
+            <a:ext cx="570990" cy="200055"/>
+          </a:xfrm>
+          <a:prstGeom prst="rect">
+            <a:avLst/>
+          </a:prstGeom>
+          <a:noFill/>
+          <a:ln>
+            <a:solidFill>
+              <a:schemeClr val="tx1"/>
+            </a:solidFill>
+          </a:ln>
+        </p:spPr>
+        <p:txBody>
+          <a:bodyPr wrap="none" rtlCol="0">
+            <a:spAutoFit/>
+          </a:bodyPr>
+          <a:lstStyle/>
+          <a:p>
+            <a:r>
+              <a:rPr lang="en-US" sz="700" dirty="0"/>
+              <a:t>Laser level</a:t>
+            </a:r>
+          </a:p>
+        </p:txBody>
+      </p:sp>
+      <p:sp>
+        <p:nvSpPr>
+          <p:cNvPr id="61" name="TextBox 60">
+            <a:extLst>
+              <a:ext uri="{FF2B5EF4-FFF2-40B4-BE49-F238E27FC236}">
+                <a16:creationId xmlns:a16="http://schemas.microsoft.com/office/drawing/2014/main" id="{10853762-E66A-12AE-6323-2381CB255800}"/>
+              </a:ext>
+            </a:extLst>
+          </p:cNvPr>
+          <p:cNvSpPr txBox="1"/>
+          <p:nvPr/>
+        </p:nvSpPr>
+        <p:spPr>
+          <a:xfrm>
+            <a:off x="367050" y="1709418"/>
+            <a:ext cx="550151" cy="200055"/>
+          </a:xfrm>
+          <a:prstGeom prst="rect">
+            <a:avLst/>
+          </a:prstGeom>
+          <a:noFill/>
+          <a:ln>
+            <a:solidFill>
+              <a:schemeClr val="tx1"/>
+            </a:solidFill>
+          </a:ln>
+        </p:spPr>
+        <p:txBody>
+          <a:bodyPr wrap="none" rtlCol="0">
+            <a:spAutoFit/>
+          </a:bodyPr>
+          <a:lstStyle/>
+          <a:p>
+            <a:r>
+              <a:rPr lang="en-US" sz="700" dirty="0"/>
+              <a:t>Float field</a:t>
+            </a:r>
+          </a:p>
+        </p:txBody>
+      </p:sp>
+      <p:sp>
+        <p:nvSpPr>
+          <p:cNvPr id="62" name="TextBox 61">
+            <a:extLst>
+              <a:ext uri="{FF2B5EF4-FFF2-40B4-BE49-F238E27FC236}">
+                <a16:creationId xmlns:a16="http://schemas.microsoft.com/office/drawing/2014/main" id="{DCD66EE8-BFE9-44CD-2AFA-212B98BE28F2}"/>
+              </a:ext>
+            </a:extLst>
+          </p:cNvPr>
+          <p:cNvSpPr txBox="1"/>
+          <p:nvPr/>
+        </p:nvSpPr>
+        <p:spPr>
+          <a:xfrm>
+            <a:off x="404261" y="1955434"/>
+            <a:ext cx="625492" cy="200055"/>
+          </a:xfrm>
+          <a:prstGeom prst="rect">
+            <a:avLst/>
+          </a:prstGeom>
+          <a:noFill/>
+          <a:ln>
+            <a:solidFill>
+              <a:schemeClr val="tx1"/>
+            </a:solidFill>
+          </a:ln>
+        </p:spPr>
+        <p:txBody>
+          <a:bodyPr wrap="none" rtlCol="0">
+            <a:spAutoFit/>
+          </a:bodyPr>
+          <a:lstStyle/>
+          <a:p>
+            <a:r>
+              <a:rPr lang="en-US" sz="700" dirty="0"/>
+              <a:t>Pull borders</a:t>
+            </a:r>
+          </a:p>
+        </p:txBody>
+      </p:sp>
+      <p:sp>
+        <p:nvSpPr>
+          <p:cNvPr id="63" name="TextBox 62">
+            <a:extLst>
+              <a:ext uri="{FF2B5EF4-FFF2-40B4-BE49-F238E27FC236}">
+                <a16:creationId xmlns:a16="http://schemas.microsoft.com/office/drawing/2014/main" id="{D77BE7D0-1262-4DC5-8827-25BEC473F4D8}"/>
+              </a:ext>
+            </a:extLst>
+          </p:cNvPr>
+          <p:cNvSpPr txBox="1"/>
+          <p:nvPr/>
+        </p:nvSpPr>
+        <p:spPr>
+          <a:xfrm>
+            <a:off x="470643" y="2469035"/>
+            <a:ext cx="811441" cy="200055"/>
+          </a:xfrm>
+          <a:prstGeom prst="rect">
+            <a:avLst/>
+          </a:prstGeom>
+          <a:noFill/>
+          <a:ln>
+            <a:solidFill>
+              <a:schemeClr val="tx1"/>
+            </a:solidFill>
+          </a:ln>
+        </p:spPr>
+        <p:txBody>
+          <a:bodyPr wrap="none" rtlCol="0">
+            <a:spAutoFit/>
+          </a:bodyPr>
+          <a:lstStyle/>
+          <a:p>
+            <a:r>
+              <a:rPr lang="en-US" sz="700" dirty="0"/>
+              <a:t>Cultivate/harrow</a:t>
+            </a:r>
+          </a:p>
+        </p:txBody>
+      </p:sp>
+      <p:sp>
+        <p:nvSpPr>
+          <p:cNvPr id="65" name="TextBox 64">
+            <a:extLst>
+              <a:ext uri="{FF2B5EF4-FFF2-40B4-BE49-F238E27FC236}">
+                <a16:creationId xmlns:a16="http://schemas.microsoft.com/office/drawing/2014/main" id="{A8B95C95-28A7-3DDC-15DC-A7079487F3B6}"/>
+              </a:ext>
+            </a:extLst>
+          </p:cNvPr>
+          <p:cNvSpPr txBox="1"/>
+          <p:nvPr/>
+        </p:nvSpPr>
+        <p:spPr>
+          <a:xfrm>
+            <a:off x="151517" y="311664"/>
+            <a:ext cx="478016" cy="200055"/>
+          </a:xfrm>
+          <a:prstGeom prst="rect">
+            <a:avLst/>
+          </a:prstGeom>
+          <a:noFill/>
+          <a:ln>
+            <a:solidFill>
+              <a:schemeClr val="tx1"/>
+            </a:solidFill>
+          </a:ln>
+        </p:spPr>
+        <p:txBody>
+          <a:bodyPr wrap="none" rtlCol="0">
+            <a:spAutoFit/>
+          </a:bodyPr>
+          <a:lstStyle/>
+          <a:p>
+            <a:r>
+              <a:rPr lang="en-US" sz="700" dirty="0"/>
+              <a:t>Soil test</a:t>
+            </a:r>
+          </a:p>
+        </p:txBody>
+      </p:sp>
+      <p:sp>
+        <p:nvSpPr>
+          <p:cNvPr id="66" name="TextBox 65">
+            <a:extLst>
+              <a:ext uri="{FF2B5EF4-FFF2-40B4-BE49-F238E27FC236}">
+                <a16:creationId xmlns:a16="http://schemas.microsoft.com/office/drawing/2014/main" id="{388C33CD-2A17-A9FD-4E67-4B182BEFF31B}"/>
+              </a:ext>
+            </a:extLst>
+          </p:cNvPr>
+          <p:cNvSpPr txBox="1"/>
+          <p:nvPr/>
+        </p:nvSpPr>
+        <p:spPr>
+          <a:xfrm>
+            <a:off x="1710751" y="932137"/>
+            <a:ext cx="596638" cy="200055"/>
+          </a:xfrm>
+          <a:prstGeom prst="rect">
+            <a:avLst/>
+          </a:prstGeom>
+          <a:noFill/>
+          <a:ln>
+            <a:solidFill>
+              <a:schemeClr val="tx1"/>
+            </a:solidFill>
+          </a:ln>
+        </p:spPr>
+        <p:txBody>
+          <a:bodyPr wrap="none" rtlCol="0">
+            <a:spAutoFit/>
+          </a:bodyPr>
+          <a:lstStyle/>
+          <a:p>
+            <a:r>
+              <a:rPr lang="en-US" sz="700" dirty="0"/>
+              <a:t>Cultipacker</a:t>
+            </a:r>
+          </a:p>
+        </p:txBody>
+      </p:sp>
+      <p:sp>
+        <p:nvSpPr>
+          <p:cNvPr id="67" name="TextBox 66">
+            <a:extLst>
+              <a:ext uri="{FF2B5EF4-FFF2-40B4-BE49-F238E27FC236}">
+                <a16:creationId xmlns:a16="http://schemas.microsoft.com/office/drawing/2014/main" id="{ABCE3540-B1F8-1EDD-B320-0D72FA8BABE2}"/>
+              </a:ext>
+            </a:extLst>
+          </p:cNvPr>
+          <p:cNvSpPr txBox="1"/>
+          <p:nvPr/>
+        </p:nvSpPr>
+        <p:spPr>
+          <a:xfrm>
+            <a:off x="1746979" y="1170031"/>
+            <a:ext cx="1120820" cy="200055"/>
+          </a:xfrm>
+          <a:prstGeom prst="rect">
+            <a:avLst/>
+          </a:prstGeom>
+          <a:noFill/>
+          <a:ln>
+            <a:solidFill>
+              <a:schemeClr val="tx1"/>
+            </a:solidFill>
+          </a:ln>
+        </p:spPr>
+        <p:txBody>
+          <a:bodyPr wrap="none" rtlCol="0">
+            <a:spAutoFit/>
+          </a:bodyPr>
+          <a:lstStyle/>
+          <a:p>
+            <a:r>
+              <a:rPr lang="en-US" sz="700" dirty="0"/>
+              <a:t>Plant with airflow planter</a:t>
+            </a:r>
+          </a:p>
+        </p:txBody>
+      </p:sp>
+      <p:sp>
+        <p:nvSpPr>
+          <p:cNvPr id="68" name="TextBox 67">
+            <a:extLst>
+              <a:ext uri="{FF2B5EF4-FFF2-40B4-BE49-F238E27FC236}">
+                <a16:creationId xmlns:a16="http://schemas.microsoft.com/office/drawing/2014/main" id="{1E00E9D1-4A40-89DC-00B8-EF1FA7A9DF01}"/>
+              </a:ext>
+            </a:extLst>
+          </p:cNvPr>
+          <p:cNvSpPr txBox="1"/>
+          <p:nvPr/>
+        </p:nvSpPr>
+        <p:spPr>
+          <a:xfrm>
+            <a:off x="1791604" y="1414874"/>
+            <a:ext cx="596638" cy="200055"/>
+          </a:xfrm>
+          <a:prstGeom prst="rect">
+            <a:avLst/>
+          </a:prstGeom>
+          <a:noFill/>
+          <a:ln>
+            <a:solidFill>
+              <a:schemeClr val="tx1"/>
+            </a:solidFill>
+          </a:ln>
+        </p:spPr>
+        <p:txBody>
+          <a:bodyPr wrap="none" rtlCol="0">
+            <a:spAutoFit/>
+          </a:bodyPr>
+          <a:lstStyle/>
+          <a:p>
+            <a:r>
+              <a:rPr lang="en-US" sz="700" dirty="0"/>
+              <a:t>Cultipacker</a:t>
+            </a:r>
+          </a:p>
+        </p:txBody>
+      </p:sp>
+      <p:sp>
+        <p:nvSpPr>
+          <p:cNvPr id="69" name="TextBox 68">
+            <a:extLst>
+              <a:ext uri="{FF2B5EF4-FFF2-40B4-BE49-F238E27FC236}">
+                <a16:creationId xmlns:a16="http://schemas.microsoft.com/office/drawing/2014/main" id="{47817ADB-AC58-C64B-30C0-A87BE3BC144D}"/>
+              </a:ext>
+            </a:extLst>
+          </p:cNvPr>
+          <p:cNvSpPr txBox="1"/>
+          <p:nvPr/>
+        </p:nvSpPr>
+        <p:spPr>
+          <a:xfrm>
+            <a:off x="431557" y="2206561"/>
+            <a:ext cx="1066318" cy="200055"/>
+          </a:xfrm>
+          <a:prstGeom prst="rect">
+            <a:avLst/>
+          </a:prstGeom>
+          <a:noFill/>
+          <a:ln>
+            <a:solidFill>
+              <a:schemeClr val="tx1"/>
+            </a:solidFill>
+          </a:ln>
+        </p:spPr>
+        <p:txBody>
+          <a:bodyPr wrap="none" rtlCol="0">
+            <a:spAutoFit/>
+          </a:bodyPr>
+          <a:lstStyle/>
+          <a:p>
+            <a:r>
+              <a:rPr lang="en-US" sz="700" dirty="0"/>
+              <a:t>Flood irrigation (3 ac-in)</a:t>
+            </a:r>
+          </a:p>
+        </p:txBody>
+      </p:sp>
+      <p:sp>
+        <p:nvSpPr>
+          <p:cNvPr id="72" name="TextBox 71">
+            <a:extLst>
+              <a:ext uri="{FF2B5EF4-FFF2-40B4-BE49-F238E27FC236}">
+                <a16:creationId xmlns:a16="http://schemas.microsoft.com/office/drawing/2014/main" id="{E22F0C22-2ECC-0F07-0281-BFFA4ABA7D60}"/>
+              </a:ext>
+            </a:extLst>
+          </p:cNvPr>
+          <p:cNvSpPr txBox="1"/>
+          <p:nvPr/>
+        </p:nvSpPr>
+        <p:spPr>
+          <a:xfrm>
+            <a:off x="4191531" y="2484608"/>
+            <a:ext cx="853119" cy="200055"/>
+          </a:xfrm>
+          <a:prstGeom prst="rect">
+            <a:avLst/>
+          </a:prstGeom>
+          <a:solidFill>
+            <a:schemeClr val="bg2"/>
+          </a:solidFill>
+          <a:ln>
+            <a:solidFill>
+              <a:schemeClr val="tx1"/>
+            </a:solidFill>
+          </a:ln>
+        </p:spPr>
+        <p:txBody>
+          <a:bodyPr wrap="none" rtlCol="0">
+            <a:spAutoFit/>
+          </a:bodyPr>
+          <a:lstStyle/>
+          <a:p>
+            <a:r>
+              <a:rPr lang="en-US" sz="700" dirty="0"/>
+              <a:t>Entrust (Spinosad)</a:t>
+            </a:r>
+          </a:p>
+        </p:txBody>
+      </p:sp>
+      <p:grpSp>
+        <p:nvGrpSpPr>
+          <p:cNvPr id="79" name="Group 78">
+            <a:extLst>
+              <a:ext uri="{FF2B5EF4-FFF2-40B4-BE49-F238E27FC236}">
+                <a16:creationId xmlns:a16="http://schemas.microsoft.com/office/drawing/2014/main" id="{C3F2CCED-E755-6974-0E65-202A9BF82046}"/>
+              </a:ext>
+            </a:extLst>
+          </p:cNvPr>
+          <p:cNvGrpSpPr/>
+          <p:nvPr/>
+        </p:nvGrpSpPr>
+        <p:grpSpPr>
+          <a:xfrm>
+            <a:off x="4702890" y="3106884"/>
+            <a:ext cx="549638" cy="799744"/>
+            <a:chOff x="4702890" y="3106884"/>
+            <a:chExt cx="549638" cy="799744"/>
+          </a:xfrm>
+        </p:grpSpPr>
+        <p:sp>
+          <p:nvSpPr>
+            <p:cNvPr id="131" name="TextBox 130">
+              <a:extLst>
+                <a:ext uri="{FF2B5EF4-FFF2-40B4-BE49-F238E27FC236}">
+                  <a16:creationId xmlns:a16="http://schemas.microsoft.com/office/drawing/2014/main" id="{6E7AE674-CECA-0107-A620-91544F7C886A}"/>
+                </a:ext>
+              </a:extLst>
+            </p:cNvPr>
+            <p:cNvSpPr txBox="1"/>
+            <p:nvPr/>
+          </p:nvSpPr>
+          <p:spPr>
+            <a:xfrm>
+              <a:off x="4702890" y="3106884"/>
+              <a:ext cx="410689" cy="200055"/>
+            </a:xfrm>
+            <a:prstGeom prst="rect">
+              <a:avLst/>
+            </a:prstGeom>
+            <a:solidFill>
+              <a:schemeClr val="bg1"/>
+            </a:solidFill>
+            <a:ln>
+              <a:solidFill>
+                <a:schemeClr val="tx1"/>
+              </a:solidFill>
+            </a:ln>
+          </p:spPr>
+          <p:txBody>
+            <a:bodyPr wrap="none" rtlCol="0" anchor="ctr">
+              <a:spAutoFit/>
+            </a:bodyPr>
+            <a:lstStyle/>
+            <a:p>
+              <a:pPr algn="ctr"/>
+              <a:r>
+                <a:rPr lang="en-US" sz="700" dirty="0"/>
+                <a:t>Swath</a:t>
+              </a:r>
+            </a:p>
+          </p:txBody>
+        </p:sp>
+        <p:sp>
+          <p:nvSpPr>
+            <p:cNvPr id="132" name="TextBox 131">
+              <a:extLst>
+                <a:ext uri="{FF2B5EF4-FFF2-40B4-BE49-F238E27FC236}">
+                  <a16:creationId xmlns:a16="http://schemas.microsoft.com/office/drawing/2014/main" id="{4D3C5980-5B24-1F25-C16A-D2EED821C9DB}"/>
+                </a:ext>
+              </a:extLst>
+            </p:cNvPr>
+            <p:cNvSpPr txBox="1"/>
+            <p:nvPr/>
+          </p:nvSpPr>
+          <p:spPr>
+            <a:xfrm>
+              <a:off x="4702890" y="3310264"/>
+              <a:ext cx="378629" cy="200055"/>
+            </a:xfrm>
+            <a:prstGeom prst="rect">
+              <a:avLst/>
+            </a:prstGeom>
+            <a:solidFill>
+              <a:schemeClr val="bg1"/>
+            </a:solidFill>
+            <a:ln>
+              <a:solidFill>
+                <a:schemeClr val="tx1"/>
+              </a:solidFill>
+            </a:ln>
+          </p:spPr>
+          <p:txBody>
+            <a:bodyPr wrap="square" rtlCol="0" anchor="ctr">
+              <a:spAutoFit/>
+            </a:bodyPr>
+            <a:lstStyle/>
+            <a:p>
+              <a:pPr algn="ctr"/>
+              <a:r>
+                <a:rPr lang="en-US" sz="700" dirty="0"/>
+                <a:t>Rake</a:t>
+              </a:r>
+            </a:p>
+          </p:txBody>
+        </p:sp>
+        <p:sp>
+          <p:nvSpPr>
+            <p:cNvPr id="133" name="TextBox 132">
+              <a:extLst>
+                <a:ext uri="{FF2B5EF4-FFF2-40B4-BE49-F238E27FC236}">
+                  <a16:creationId xmlns:a16="http://schemas.microsoft.com/office/drawing/2014/main" id="{59F7F05A-F6EE-4C55-62C8-8C5BB219B862}"/>
+                </a:ext>
+              </a:extLst>
+            </p:cNvPr>
+            <p:cNvSpPr txBox="1"/>
+            <p:nvPr/>
+          </p:nvSpPr>
+          <p:spPr>
+            <a:xfrm>
+              <a:off x="4702890" y="3511414"/>
+              <a:ext cx="341760" cy="200055"/>
+            </a:xfrm>
+            <a:prstGeom prst="rect">
+              <a:avLst/>
+            </a:prstGeom>
+            <a:solidFill>
+              <a:schemeClr val="bg1"/>
+            </a:solidFill>
+            <a:ln>
+              <a:solidFill>
+                <a:schemeClr val="tx1"/>
+              </a:solidFill>
+            </a:ln>
+          </p:spPr>
+          <p:txBody>
+            <a:bodyPr wrap="none" rtlCol="0" anchor="ctr">
+              <a:spAutoFit/>
+            </a:bodyPr>
+            <a:lstStyle/>
+            <a:p>
+              <a:pPr algn="ctr"/>
+              <a:r>
+                <a:rPr lang="en-US" sz="700" dirty="0"/>
+                <a:t>Bale</a:t>
+              </a:r>
+            </a:p>
+          </p:txBody>
+        </p:sp>
+        <p:sp>
+          <p:nvSpPr>
+            <p:cNvPr id="134" name="TextBox 133">
+              <a:extLst>
+                <a:ext uri="{FF2B5EF4-FFF2-40B4-BE49-F238E27FC236}">
+                  <a16:creationId xmlns:a16="http://schemas.microsoft.com/office/drawing/2014/main" id="{655B27E2-9981-8A91-7C25-6D5CA745BFF2}"/>
+                </a:ext>
+              </a:extLst>
+            </p:cNvPr>
+            <p:cNvSpPr txBox="1"/>
+            <p:nvPr/>
+          </p:nvSpPr>
+          <p:spPr>
+            <a:xfrm>
+              <a:off x="4702890" y="3706573"/>
+              <a:ext cx="549638" cy="200055"/>
+            </a:xfrm>
+            <a:prstGeom prst="rect">
+              <a:avLst/>
+            </a:prstGeom>
+            <a:solidFill>
+              <a:schemeClr val="bg1"/>
+            </a:solidFill>
+            <a:ln>
+              <a:solidFill>
+                <a:schemeClr val="tx1"/>
+              </a:solidFill>
+            </a:ln>
+          </p:spPr>
+          <p:txBody>
+            <a:bodyPr wrap="square" rtlCol="0" anchor="ctr">
+              <a:spAutoFit/>
+            </a:bodyPr>
+            <a:lstStyle/>
+            <a:p>
+              <a:r>
+                <a:rPr lang="en-US" sz="700" dirty="0"/>
+                <a:t>Roadside</a:t>
+              </a:r>
+            </a:p>
+          </p:txBody>
+        </p:sp>
+      </p:grpSp>
+      <p:sp>
+        <p:nvSpPr>
+          <p:cNvPr id="144" name="TextBox 143">
+            <a:extLst>
+              <a:ext uri="{FF2B5EF4-FFF2-40B4-BE49-F238E27FC236}">
+                <a16:creationId xmlns:a16="http://schemas.microsoft.com/office/drawing/2014/main" id="{F8B7976E-FD37-3ED8-81F7-42B80DE3AFBF}"/>
+              </a:ext>
+            </a:extLst>
+          </p:cNvPr>
+          <p:cNvSpPr txBox="1"/>
+          <p:nvPr/>
+        </p:nvSpPr>
+        <p:spPr>
+          <a:xfrm>
+            <a:off x="8734679" y="3373113"/>
+            <a:ext cx="1011815" cy="230832"/>
+          </a:xfrm>
+          <a:prstGeom prst="rect">
+            <a:avLst/>
+          </a:prstGeom>
+          <a:noFill/>
+          <a:ln>
+            <a:solidFill>
+              <a:schemeClr val="bg1"/>
+            </a:solidFill>
+          </a:ln>
+        </p:spPr>
+        <p:txBody>
+          <a:bodyPr wrap="none" rtlCol="0">
+            <a:spAutoFit/>
+          </a:bodyPr>
+          <a:lstStyle/>
+          <a:p>
+            <a:r>
+              <a:rPr lang="en-US" sz="900" i="1" dirty="0">
+                <a:solidFill>
+                  <a:srgbClr val="FF0000"/>
+                </a:solidFill>
+              </a:rPr>
+              <a:t>7 tons (90% DM?)</a:t>
+            </a:r>
+          </a:p>
+        </p:txBody>
+      </p:sp>
+      <p:sp>
+        <p:nvSpPr>
+          <p:cNvPr id="147" name="TextBox 146">
+            <a:extLst>
+              <a:ext uri="{FF2B5EF4-FFF2-40B4-BE49-F238E27FC236}">
+                <a16:creationId xmlns:a16="http://schemas.microsoft.com/office/drawing/2014/main" id="{95E1D194-C777-8E0C-C42D-0194A944EDC3}"/>
+              </a:ext>
+            </a:extLst>
+          </p:cNvPr>
+          <p:cNvSpPr txBox="1"/>
+          <p:nvPr/>
+        </p:nvSpPr>
+        <p:spPr>
+          <a:xfrm>
+            <a:off x="3481621" y="4265259"/>
+            <a:ext cx="1026167" cy="200055"/>
+          </a:xfrm>
+          <a:prstGeom prst="rect">
+            <a:avLst/>
+          </a:prstGeom>
+          <a:noFill/>
+          <a:ln>
+            <a:solidFill>
+              <a:schemeClr val="tx1"/>
+            </a:solidFill>
+          </a:ln>
+        </p:spPr>
+        <p:txBody>
+          <a:bodyPr wrap="square" rtlCol="0">
+            <a:spAutoFit/>
+          </a:bodyPr>
+          <a:lstStyle/>
+          <a:p>
+            <a:r>
+              <a:rPr lang="en-US" sz="700" i="1" dirty="0"/>
+              <a:t>Light harrowing</a:t>
+            </a:r>
+          </a:p>
+        </p:txBody>
+      </p:sp>
+      <p:sp>
+        <p:nvSpPr>
+          <p:cNvPr id="161" name="TextBox 160">
+            <a:extLst>
+              <a:ext uri="{FF2B5EF4-FFF2-40B4-BE49-F238E27FC236}">
+                <a16:creationId xmlns:a16="http://schemas.microsoft.com/office/drawing/2014/main" id="{C8F69656-C61D-B228-2F7F-F2496DD63FDC}"/>
+              </a:ext>
+            </a:extLst>
+          </p:cNvPr>
+          <p:cNvSpPr txBox="1"/>
+          <p:nvPr/>
+        </p:nvSpPr>
+        <p:spPr>
+          <a:xfrm>
+            <a:off x="8423681" y="118117"/>
+            <a:ext cx="1986506" cy="646331"/>
+          </a:xfrm>
+          <a:prstGeom prst="rect">
+            <a:avLst/>
+          </a:prstGeom>
+          <a:noFill/>
+        </p:spPr>
+        <p:txBody>
+          <a:bodyPr wrap="none" rtlCol="0">
+            <a:spAutoFit/>
+          </a:bodyPr>
+          <a:lstStyle/>
+          <a:p>
+            <a:r>
+              <a:rPr lang="en-US" dirty="0"/>
+              <a:t>San Joaquin Valley</a:t>
+            </a:r>
+          </a:p>
+          <a:p>
+            <a:r>
+              <a:rPr lang="en-US" dirty="0"/>
+              <a:t>Organic Production</a:t>
+            </a:r>
+          </a:p>
+        </p:txBody>
+      </p:sp>
+      <p:sp>
+        <p:nvSpPr>
+          <p:cNvPr id="162" name="TextBox 161">
+            <a:extLst>
+              <a:ext uri="{FF2B5EF4-FFF2-40B4-BE49-F238E27FC236}">
+                <a16:creationId xmlns:a16="http://schemas.microsoft.com/office/drawing/2014/main" id="{DFB911FD-29AA-B29F-2528-167A1D144F21}"/>
+              </a:ext>
+            </a:extLst>
+          </p:cNvPr>
+          <p:cNvSpPr txBox="1"/>
+          <p:nvPr/>
+        </p:nvSpPr>
+        <p:spPr>
+          <a:xfrm>
+            <a:off x="-14058" y="6391357"/>
+            <a:ext cx="3820277" cy="430887"/>
+          </a:xfrm>
+          <a:prstGeom prst="rect">
+            <a:avLst/>
+          </a:prstGeom>
+          <a:noFill/>
+        </p:spPr>
+        <p:txBody>
+          <a:bodyPr wrap="none" rtlCol="0">
+            <a:spAutoFit/>
+          </a:bodyPr>
+          <a:lstStyle/>
+          <a:p>
+            <a:r>
+              <a:rPr lang="en-US" sz="1100" dirty="0"/>
+              <a:t>Derived from 2016 Enterprise budgets</a:t>
+            </a:r>
+          </a:p>
+          <a:p>
+            <a:r>
+              <a:rPr lang="en-US" sz="1100" dirty="0"/>
+              <a:t>https://coststudies.ucdavis.edu/en/current/commodity/alfalfa/</a:t>
+            </a:r>
+          </a:p>
+        </p:txBody>
+      </p:sp>
+      <p:sp>
+        <p:nvSpPr>
+          <p:cNvPr id="163" name="TextBox 162">
+            <a:extLst>
+              <a:ext uri="{FF2B5EF4-FFF2-40B4-BE49-F238E27FC236}">
+                <a16:creationId xmlns:a16="http://schemas.microsoft.com/office/drawing/2014/main" id="{CCC31EE7-83AD-D996-EAE2-119B2945F89B}"/>
+              </a:ext>
+            </a:extLst>
+          </p:cNvPr>
+          <p:cNvSpPr txBox="1"/>
+          <p:nvPr/>
+        </p:nvSpPr>
+        <p:spPr>
+          <a:xfrm>
+            <a:off x="8423681" y="697673"/>
+            <a:ext cx="2270173" cy="261610"/>
+          </a:xfrm>
+          <a:prstGeom prst="rect">
+            <a:avLst/>
+          </a:prstGeom>
+          <a:noFill/>
+        </p:spPr>
+        <p:txBody>
+          <a:bodyPr wrap="none" rtlCol="0">
+            <a:spAutoFit/>
+          </a:bodyPr>
+          <a:lstStyle/>
+          <a:p>
+            <a:r>
+              <a:rPr lang="en-US" sz="1100" i="1" dirty="0"/>
+              <a:t>Italics indicate an optional operation</a:t>
+            </a:r>
+          </a:p>
+        </p:txBody>
+      </p:sp>
+      <p:sp>
+        <p:nvSpPr>
+          <p:cNvPr id="2" name="TextBox 1">
+            <a:extLst>
+              <a:ext uri="{FF2B5EF4-FFF2-40B4-BE49-F238E27FC236}">
+                <a16:creationId xmlns:a16="http://schemas.microsoft.com/office/drawing/2014/main" id="{2CE9D30F-79E1-0513-2810-98E9EC167428}"/>
+              </a:ext>
+            </a:extLst>
+          </p:cNvPr>
+          <p:cNvSpPr txBox="1"/>
+          <p:nvPr/>
+        </p:nvSpPr>
+        <p:spPr>
+          <a:xfrm>
+            <a:off x="706356" y="2804117"/>
+            <a:ext cx="457937" cy="276999"/>
+          </a:xfrm>
+          <a:prstGeom prst="rect">
+            <a:avLst/>
+          </a:prstGeom>
+          <a:solidFill>
+            <a:schemeClr val="accent6"/>
+          </a:solidFill>
+          <a:ln>
+            <a:solidFill>
+              <a:schemeClr val="tx1"/>
+            </a:solidFill>
+          </a:ln>
+        </p:spPr>
+        <p:txBody>
+          <a:bodyPr wrap="square" rtlCol="0">
+            <a:spAutoFit/>
+          </a:bodyPr>
+          <a:lstStyle/>
+          <a:p>
+            <a:pPr algn="ctr"/>
+            <a:r>
+              <a:rPr lang="en-US" sz="1200" dirty="0"/>
+              <a:t>Aug</a:t>
+            </a:r>
+          </a:p>
+        </p:txBody>
+      </p:sp>
+      <p:grpSp>
+        <p:nvGrpSpPr>
+          <p:cNvPr id="44" name="Group 43">
+            <a:extLst>
+              <a:ext uri="{FF2B5EF4-FFF2-40B4-BE49-F238E27FC236}">
+                <a16:creationId xmlns:a16="http://schemas.microsoft.com/office/drawing/2014/main" id="{B58A63E0-359F-F87C-88D5-D236DD9C7B5B}"/>
+              </a:ext>
+            </a:extLst>
+          </p:cNvPr>
+          <p:cNvGrpSpPr/>
+          <p:nvPr/>
+        </p:nvGrpSpPr>
+        <p:grpSpPr>
+          <a:xfrm>
+            <a:off x="4306584" y="5458233"/>
+            <a:ext cx="5826013" cy="276999"/>
+            <a:chOff x="4922010" y="6329802"/>
+            <a:chExt cx="5826013" cy="276999"/>
+          </a:xfrm>
+          <a:solidFill>
+            <a:schemeClr val="accent2"/>
+          </a:solidFill>
+        </p:grpSpPr>
+        <p:sp>
+          <p:nvSpPr>
+            <p:cNvPr id="45" name="TextBox 44">
+              <a:extLst>
+                <a:ext uri="{FF2B5EF4-FFF2-40B4-BE49-F238E27FC236}">
+                  <a16:creationId xmlns:a16="http://schemas.microsoft.com/office/drawing/2014/main" id="{10090600-6F9E-7C82-9CF1-A4742BEAD272}"/>
+                </a:ext>
+              </a:extLst>
+            </p:cNvPr>
+            <p:cNvSpPr txBox="1"/>
+            <p:nvPr/>
+          </p:nvSpPr>
+          <p:spPr>
+            <a:xfrm>
+              <a:off x="4922010" y="6329802"/>
+              <a:ext cx="457937" cy="276999"/>
+            </a:xfrm>
+            <a:prstGeom prst="rect">
+              <a:avLst/>
+            </a:prstGeom>
+            <a:grpFill/>
+            <a:ln>
+              <a:solidFill>
+                <a:schemeClr val="tx1"/>
+              </a:solidFill>
+            </a:ln>
+          </p:spPr>
+          <p:txBody>
+            <a:bodyPr wrap="square" rtlCol="0">
+              <a:spAutoFit/>
+            </a:bodyPr>
+            <a:lstStyle/>
+            <a:p>
+              <a:pPr algn="ctr"/>
+              <a:r>
+                <a:rPr lang="en-US" sz="1200" dirty="0"/>
+                <a:t>Jan</a:t>
+              </a:r>
+            </a:p>
+          </p:txBody>
+        </p:sp>
+        <p:sp>
+          <p:nvSpPr>
+            <p:cNvPr id="46" name="TextBox 45">
+              <a:extLst>
+                <a:ext uri="{FF2B5EF4-FFF2-40B4-BE49-F238E27FC236}">
+                  <a16:creationId xmlns:a16="http://schemas.microsoft.com/office/drawing/2014/main" id="{566BA04A-6ECB-57E0-5B20-C8A951E7428B}"/>
+                </a:ext>
+              </a:extLst>
+            </p:cNvPr>
+            <p:cNvSpPr txBox="1"/>
+            <p:nvPr/>
+          </p:nvSpPr>
+          <p:spPr>
+            <a:xfrm>
+              <a:off x="5410017" y="6329802"/>
+              <a:ext cx="457937" cy="276999"/>
+            </a:xfrm>
+            <a:prstGeom prst="rect">
+              <a:avLst/>
+            </a:prstGeom>
+            <a:grpFill/>
+            <a:ln>
+              <a:solidFill>
+                <a:schemeClr val="tx1"/>
+              </a:solidFill>
+            </a:ln>
+          </p:spPr>
+          <p:txBody>
+            <a:bodyPr wrap="square" rtlCol="0">
+              <a:spAutoFit/>
+            </a:bodyPr>
+            <a:lstStyle/>
+            <a:p>
+              <a:pPr algn="ctr"/>
+              <a:r>
+                <a:rPr lang="en-US" sz="1200" dirty="0"/>
+                <a:t>Feb</a:t>
+              </a:r>
+            </a:p>
+          </p:txBody>
+        </p:sp>
+        <p:sp>
+          <p:nvSpPr>
+            <p:cNvPr id="47" name="TextBox 46">
+              <a:extLst>
+                <a:ext uri="{FF2B5EF4-FFF2-40B4-BE49-F238E27FC236}">
+                  <a16:creationId xmlns:a16="http://schemas.microsoft.com/office/drawing/2014/main" id="{844DA4F9-F636-5483-0C91-8B30E8E62AE2}"/>
+                </a:ext>
+              </a:extLst>
+            </p:cNvPr>
+            <p:cNvSpPr txBox="1"/>
+            <p:nvPr/>
+          </p:nvSpPr>
+          <p:spPr>
+            <a:xfrm>
+              <a:off x="5898024" y="6329802"/>
+              <a:ext cx="457937" cy="276999"/>
+            </a:xfrm>
+            <a:prstGeom prst="rect">
+              <a:avLst/>
+            </a:prstGeom>
+            <a:grpFill/>
+            <a:ln>
+              <a:solidFill>
+                <a:schemeClr val="tx1"/>
+              </a:solidFill>
+            </a:ln>
+          </p:spPr>
+          <p:txBody>
+            <a:bodyPr wrap="square" rtlCol="0">
+              <a:spAutoFit/>
+            </a:bodyPr>
+            <a:lstStyle/>
+            <a:p>
+              <a:pPr algn="ctr"/>
+              <a:r>
+                <a:rPr lang="en-US" sz="1200" dirty="0"/>
+                <a:t>Mar</a:t>
+              </a:r>
+            </a:p>
+          </p:txBody>
+        </p:sp>
+        <p:sp>
+          <p:nvSpPr>
+            <p:cNvPr id="48" name="TextBox 47">
+              <a:extLst>
+                <a:ext uri="{FF2B5EF4-FFF2-40B4-BE49-F238E27FC236}">
+                  <a16:creationId xmlns:a16="http://schemas.microsoft.com/office/drawing/2014/main" id="{B7AC0748-40CE-48B1-08FB-EFC0ACE144B0}"/>
+                </a:ext>
+              </a:extLst>
+            </p:cNvPr>
+            <p:cNvSpPr txBox="1"/>
+            <p:nvPr/>
+          </p:nvSpPr>
+          <p:spPr>
+            <a:xfrm>
+              <a:off x="6386031" y="6329802"/>
+              <a:ext cx="457937" cy="276999"/>
+            </a:xfrm>
+            <a:prstGeom prst="rect">
+              <a:avLst/>
+            </a:prstGeom>
+            <a:grpFill/>
+            <a:ln>
+              <a:solidFill>
+                <a:schemeClr val="tx1"/>
+              </a:solidFill>
+            </a:ln>
+          </p:spPr>
+          <p:txBody>
+            <a:bodyPr wrap="square" rtlCol="0">
+              <a:spAutoFit/>
+            </a:bodyPr>
+            <a:lstStyle/>
+            <a:p>
+              <a:pPr algn="ctr"/>
+              <a:r>
+                <a:rPr lang="en-US" sz="1200" dirty="0"/>
+                <a:t>Apr</a:t>
+              </a:r>
+            </a:p>
+          </p:txBody>
+        </p:sp>
+        <p:sp>
+          <p:nvSpPr>
+            <p:cNvPr id="50" name="TextBox 49">
+              <a:extLst>
+                <a:ext uri="{FF2B5EF4-FFF2-40B4-BE49-F238E27FC236}">
+                  <a16:creationId xmlns:a16="http://schemas.microsoft.com/office/drawing/2014/main" id="{03F3CC9A-3E86-CEA3-0AF9-8729ACBEB409}"/>
+                </a:ext>
+              </a:extLst>
+            </p:cNvPr>
+            <p:cNvSpPr txBox="1"/>
+            <p:nvPr/>
+          </p:nvSpPr>
+          <p:spPr>
+            <a:xfrm>
+              <a:off x="6874038" y="6329802"/>
+              <a:ext cx="457937" cy="276999"/>
+            </a:xfrm>
+            <a:prstGeom prst="rect">
+              <a:avLst/>
+            </a:prstGeom>
+            <a:grpFill/>
+            <a:ln>
+              <a:solidFill>
+                <a:schemeClr val="tx1"/>
+              </a:solidFill>
+            </a:ln>
+          </p:spPr>
+          <p:txBody>
+            <a:bodyPr wrap="square" rtlCol="0">
+              <a:spAutoFit/>
+            </a:bodyPr>
+            <a:lstStyle/>
+            <a:p>
+              <a:pPr algn="ctr"/>
+              <a:r>
+                <a:rPr lang="en-US" sz="1200" dirty="0"/>
+                <a:t>May</a:t>
+              </a:r>
+            </a:p>
+          </p:txBody>
+        </p:sp>
+        <p:sp>
+          <p:nvSpPr>
+            <p:cNvPr id="51" name="TextBox 50">
+              <a:extLst>
+                <a:ext uri="{FF2B5EF4-FFF2-40B4-BE49-F238E27FC236}">
+                  <a16:creationId xmlns:a16="http://schemas.microsoft.com/office/drawing/2014/main" id="{6F9F1CD6-4E60-D9CB-B426-785E015B4975}"/>
+                </a:ext>
+              </a:extLst>
+            </p:cNvPr>
+            <p:cNvSpPr txBox="1"/>
+            <p:nvPr/>
+          </p:nvSpPr>
+          <p:spPr>
+            <a:xfrm>
+              <a:off x="7362045" y="6329802"/>
+              <a:ext cx="457937" cy="276999"/>
+            </a:xfrm>
+            <a:prstGeom prst="rect">
+              <a:avLst/>
+            </a:prstGeom>
+            <a:grpFill/>
+            <a:ln>
+              <a:solidFill>
+                <a:schemeClr val="tx1"/>
+              </a:solidFill>
+            </a:ln>
+          </p:spPr>
+          <p:txBody>
+            <a:bodyPr wrap="square" rtlCol="0">
+              <a:spAutoFit/>
+            </a:bodyPr>
+            <a:lstStyle/>
+            <a:p>
+              <a:pPr algn="ctr"/>
+              <a:r>
+                <a:rPr lang="en-US" sz="1200" dirty="0"/>
+                <a:t>Jun</a:t>
+              </a:r>
+            </a:p>
+          </p:txBody>
+        </p:sp>
+        <p:sp>
+          <p:nvSpPr>
+            <p:cNvPr id="54" name="TextBox 53">
+              <a:extLst>
+                <a:ext uri="{FF2B5EF4-FFF2-40B4-BE49-F238E27FC236}">
+                  <a16:creationId xmlns:a16="http://schemas.microsoft.com/office/drawing/2014/main" id="{39BB8896-F785-0DF7-F324-090D99304928}"/>
+                </a:ext>
+              </a:extLst>
+            </p:cNvPr>
+            <p:cNvSpPr txBox="1"/>
+            <p:nvPr/>
+          </p:nvSpPr>
+          <p:spPr>
+            <a:xfrm>
+              <a:off x="7850052" y="6329802"/>
+              <a:ext cx="457937" cy="276999"/>
+            </a:xfrm>
+            <a:prstGeom prst="rect">
+              <a:avLst/>
+            </a:prstGeom>
+            <a:grpFill/>
+            <a:ln>
+              <a:solidFill>
+                <a:schemeClr val="tx1"/>
+              </a:solidFill>
+            </a:ln>
+          </p:spPr>
+          <p:txBody>
+            <a:bodyPr wrap="square" rtlCol="0">
+              <a:spAutoFit/>
+            </a:bodyPr>
+            <a:lstStyle/>
+            <a:p>
+              <a:pPr algn="ctr"/>
+              <a:r>
+                <a:rPr lang="en-US" sz="1200" dirty="0"/>
+                <a:t>Jul</a:t>
+              </a:r>
+            </a:p>
+          </p:txBody>
+        </p:sp>
+        <p:sp>
+          <p:nvSpPr>
+            <p:cNvPr id="55" name="TextBox 54">
+              <a:extLst>
+                <a:ext uri="{FF2B5EF4-FFF2-40B4-BE49-F238E27FC236}">
+                  <a16:creationId xmlns:a16="http://schemas.microsoft.com/office/drawing/2014/main" id="{52B06761-B59B-17F8-8BE2-D1381F80A782}"/>
+                </a:ext>
+              </a:extLst>
+            </p:cNvPr>
+            <p:cNvSpPr txBox="1"/>
+            <p:nvPr/>
+          </p:nvSpPr>
+          <p:spPr>
+            <a:xfrm>
+              <a:off x="8338059" y="6329802"/>
+              <a:ext cx="457937" cy="276999"/>
+            </a:xfrm>
+            <a:prstGeom prst="rect">
+              <a:avLst/>
+            </a:prstGeom>
+            <a:grpFill/>
+            <a:ln>
+              <a:solidFill>
+                <a:schemeClr val="tx1"/>
+              </a:solidFill>
+            </a:ln>
+          </p:spPr>
+          <p:txBody>
+            <a:bodyPr wrap="square" rtlCol="0">
+              <a:spAutoFit/>
+            </a:bodyPr>
+            <a:lstStyle/>
+            <a:p>
+              <a:pPr algn="ctr"/>
+              <a:r>
+                <a:rPr lang="en-US" sz="1200" dirty="0"/>
+                <a:t>Aug</a:t>
+              </a:r>
+            </a:p>
+          </p:txBody>
+        </p:sp>
+        <p:sp>
+          <p:nvSpPr>
+            <p:cNvPr id="56" name="TextBox 55">
+              <a:extLst>
+                <a:ext uri="{FF2B5EF4-FFF2-40B4-BE49-F238E27FC236}">
+                  <a16:creationId xmlns:a16="http://schemas.microsoft.com/office/drawing/2014/main" id="{FB05B9C1-DC12-CE19-2727-9A078F9F2CFF}"/>
+                </a:ext>
+              </a:extLst>
+            </p:cNvPr>
+            <p:cNvSpPr txBox="1"/>
+            <p:nvPr/>
+          </p:nvSpPr>
+          <p:spPr>
+            <a:xfrm>
+              <a:off x="8826066" y="6329802"/>
+              <a:ext cx="457937" cy="276999"/>
+            </a:xfrm>
+            <a:prstGeom prst="rect">
+              <a:avLst/>
+            </a:prstGeom>
+            <a:grpFill/>
+            <a:ln>
+              <a:solidFill>
+                <a:schemeClr val="tx1"/>
+              </a:solidFill>
+            </a:ln>
+          </p:spPr>
+          <p:txBody>
+            <a:bodyPr wrap="square" rtlCol="0">
+              <a:spAutoFit/>
+            </a:bodyPr>
+            <a:lstStyle/>
+            <a:p>
+              <a:pPr algn="ctr"/>
+              <a:r>
+                <a:rPr lang="en-US" sz="1200" dirty="0"/>
+                <a:t>Sep</a:t>
+              </a:r>
+            </a:p>
+          </p:txBody>
+        </p:sp>
+        <p:sp>
+          <p:nvSpPr>
+            <p:cNvPr id="57" name="TextBox 56">
+              <a:extLst>
+                <a:ext uri="{FF2B5EF4-FFF2-40B4-BE49-F238E27FC236}">
+                  <a16:creationId xmlns:a16="http://schemas.microsoft.com/office/drawing/2014/main" id="{F50145AD-BB78-184B-8259-684C0C5566B5}"/>
+                </a:ext>
+              </a:extLst>
+            </p:cNvPr>
+            <p:cNvSpPr txBox="1"/>
+            <p:nvPr/>
+          </p:nvSpPr>
+          <p:spPr>
+            <a:xfrm>
+              <a:off x="9314073" y="6329802"/>
+              <a:ext cx="457937" cy="276999"/>
+            </a:xfrm>
+            <a:prstGeom prst="rect">
+              <a:avLst/>
+            </a:prstGeom>
+            <a:grpFill/>
+            <a:ln>
+              <a:solidFill>
+                <a:schemeClr val="tx1"/>
+              </a:solidFill>
+            </a:ln>
+          </p:spPr>
+          <p:txBody>
+            <a:bodyPr wrap="square" rtlCol="0">
+              <a:spAutoFit/>
+            </a:bodyPr>
+            <a:lstStyle/>
+            <a:p>
+              <a:pPr algn="ctr"/>
+              <a:r>
+                <a:rPr lang="en-US" sz="1200" dirty="0"/>
+                <a:t>Oct</a:t>
+              </a:r>
+            </a:p>
+          </p:txBody>
+        </p:sp>
+        <p:sp>
+          <p:nvSpPr>
+            <p:cNvPr id="58" name="TextBox 57">
+              <a:extLst>
+                <a:ext uri="{FF2B5EF4-FFF2-40B4-BE49-F238E27FC236}">
+                  <a16:creationId xmlns:a16="http://schemas.microsoft.com/office/drawing/2014/main" id="{D8F2746C-9871-B08B-BF17-E281E105FDAF}"/>
+                </a:ext>
+              </a:extLst>
+            </p:cNvPr>
+            <p:cNvSpPr txBox="1"/>
+            <p:nvPr/>
+          </p:nvSpPr>
+          <p:spPr>
+            <a:xfrm>
+              <a:off x="9802080" y="6329802"/>
+              <a:ext cx="457937" cy="276999"/>
+            </a:xfrm>
+            <a:prstGeom prst="rect">
+              <a:avLst/>
+            </a:prstGeom>
+            <a:grpFill/>
+            <a:ln>
+              <a:solidFill>
+                <a:schemeClr val="tx1"/>
+              </a:solidFill>
+            </a:ln>
+          </p:spPr>
+          <p:txBody>
+            <a:bodyPr wrap="square" rtlCol="0">
+              <a:spAutoFit/>
+            </a:bodyPr>
+            <a:lstStyle/>
+            <a:p>
+              <a:pPr algn="ctr"/>
+              <a:r>
+                <a:rPr lang="en-US" sz="1200" dirty="0"/>
+                <a:t>Nov</a:t>
+              </a:r>
+            </a:p>
+          </p:txBody>
+        </p:sp>
+        <p:sp>
+          <p:nvSpPr>
+            <p:cNvPr id="74" name="TextBox 73">
+              <a:extLst>
+                <a:ext uri="{FF2B5EF4-FFF2-40B4-BE49-F238E27FC236}">
+                  <a16:creationId xmlns:a16="http://schemas.microsoft.com/office/drawing/2014/main" id="{F4236726-462C-282C-F77C-7C412E7B650B}"/>
+                </a:ext>
+              </a:extLst>
+            </p:cNvPr>
+            <p:cNvSpPr txBox="1"/>
+            <p:nvPr/>
+          </p:nvSpPr>
+          <p:spPr>
+            <a:xfrm>
+              <a:off x="10290086" y="6329802"/>
+              <a:ext cx="457937" cy="276999"/>
+            </a:xfrm>
+            <a:prstGeom prst="rect">
+              <a:avLst/>
+            </a:prstGeom>
+            <a:grpFill/>
+            <a:ln>
+              <a:solidFill>
+                <a:schemeClr val="tx1"/>
+              </a:solidFill>
+            </a:ln>
+          </p:spPr>
+          <p:txBody>
+            <a:bodyPr wrap="square" rtlCol="0">
+              <a:spAutoFit/>
+            </a:bodyPr>
+            <a:lstStyle/>
+            <a:p>
+              <a:pPr algn="ctr"/>
+              <a:r>
+                <a:rPr lang="en-US" sz="1200" dirty="0"/>
+                <a:t>Dec</a:t>
+              </a:r>
+            </a:p>
+          </p:txBody>
+        </p:sp>
+      </p:grpSp>
+      <p:sp>
+        <p:nvSpPr>
+          <p:cNvPr id="75" name="TextBox 74">
+            <a:extLst>
+              <a:ext uri="{FF2B5EF4-FFF2-40B4-BE49-F238E27FC236}">
+                <a16:creationId xmlns:a16="http://schemas.microsoft.com/office/drawing/2014/main" id="{9E43837C-DAA4-4068-3116-09E853F238E9}"/>
+              </a:ext>
+            </a:extLst>
+          </p:cNvPr>
+          <p:cNvSpPr txBox="1"/>
+          <p:nvPr/>
+        </p:nvSpPr>
+        <p:spPr>
+          <a:xfrm>
+            <a:off x="1836505" y="1665323"/>
+            <a:ext cx="1184940" cy="200055"/>
+          </a:xfrm>
+          <a:prstGeom prst="rect">
+            <a:avLst/>
+          </a:prstGeom>
+          <a:noFill/>
+          <a:ln>
+            <a:solidFill>
+              <a:schemeClr val="tx1"/>
+            </a:solidFill>
+          </a:ln>
+        </p:spPr>
+        <p:txBody>
+          <a:bodyPr wrap="none" rtlCol="0">
+            <a:spAutoFit/>
+          </a:bodyPr>
+          <a:lstStyle/>
+          <a:p>
+            <a:r>
+              <a:rPr lang="en-US" sz="700" dirty="0"/>
+              <a:t>Sprinkler irrigation (1 ac-in)</a:t>
+            </a:r>
+          </a:p>
+        </p:txBody>
+      </p:sp>
+      <p:sp>
+        <p:nvSpPr>
+          <p:cNvPr id="76" name="TextBox 75">
+            <a:extLst>
+              <a:ext uri="{FF2B5EF4-FFF2-40B4-BE49-F238E27FC236}">
+                <a16:creationId xmlns:a16="http://schemas.microsoft.com/office/drawing/2014/main" id="{D3CBD723-A318-72F5-19CF-7B261638BFAE}"/>
+              </a:ext>
+            </a:extLst>
+          </p:cNvPr>
+          <p:cNvSpPr txBox="1"/>
+          <p:nvPr/>
+        </p:nvSpPr>
+        <p:spPr>
+          <a:xfrm>
+            <a:off x="4777060" y="1678777"/>
+            <a:ext cx="2278188" cy="230832"/>
+          </a:xfrm>
+          <a:prstGeom prst="rect">
+            <a:avLst/>
+          </a:prstGeom>
+          <a:noFill/>
+          <a:ln>
+            <a:solidFill>
+              <a:schemeClr val="bg1"/>
+            </a:solidFill>
+          </a:ln>
+        </p:spPr>
+        <p:txBody>
+          <a:bodyPr wrap="none" rtlCol="0">
+            <a:spAutoFit/>
+          </a:bodyPr>
+          <a:lstStyle/>
+          <a:p>
+            <a:r>
+              <a:rPr lang="en-US" sz="900" i="1" dirty="0">
+                <a:solidFill>
+                  <a:srgbClr val="FF0000"/>
+                </a:solidFill>
+              </a:rPr>
+              <a:t>42 ac-in applied per year through 6 floodings</a:t>
+            </a:r>
+          </a:p>
+        </p:txBody>
+      </p:sp>
+      <p:sp>
+        <p:nvSpPr>
+          <p:cNvPr id="78" name="TextBox 77">
+            <a:extLst>
+              <a:ext uri="{FF2B5EF4-FFF2-40B4-BE49-F238E27FC236}">
+                <a16:creationId xmlns:a16="http://schemas.microsoft.com/office/drawing/2014/main" id="{E7AA4EEF-590F-2965-1F15-6903F13FE954}"/>
+              </a:ext>
+            </a:extLst>
+          </p:cNvPr>
+          <p:cNvSpPr txBox="1"/>
+          <p:nvPr/>
+        </p:nvSpPr>
+        <p:spPr>
+          <a:xfrm>
+            <a:off x="5491443" y="2500667"/>
+            <a:ext cx="615874" cy="200055"/>
+          </a:xfrm>
+          <a:prstGeom prst="rect">
+            <a:avLst/>
+          </a:prstGeom>
+          <a:solidFill>
+            <a:schemeClr val="bg2"/>
+          </a:solidFill>
+          <a:ln>
+            <a:solidFill>
+              <a:schemeClr val="tx1"/>
+            </a:solidFill>
+          </a:ln>
+        </p:spPr>
+        <p:txBody>
+          <a:bodyPr wrap="none" rtlCol="0">
+            <a:spAutoFit/>
+          </a:bodyPr>
+          <a:lstStyle/>
+          <a:p>
+            <a:r>
+              <a:rPr lang="en-US" sz="700" dirty="0" err="1"/>
+              <a:t>XenTari</a:t>
+            </a:r>
+            <a:r>
+              <a:rPr lang="en-US" sz="700" dirty="0"/>
+              <a:t> (</a:t>
+            </a:r>
+            <a:r>
+              <a:rPr lang="en-US" sz="700" dirty="0" err="1"/>
+              <a:t>Bt</a:t>
+            </a:r>
+            <a:r>
+              <a:rPr lang="en-US" sz="700" dirty="0"/>
+              <a:t>)</a:t>
+            </a:r>
+          </a:p>
+        </p:txBody>
+      </p:sp>
+      <p:grpSp>
+        <p:nvGrpSpPr>
+          <p:cNvPr id="84" name="Group 83">
+            <a:extLst>
+              <a:ext uri="{FF2B5EF4-FFF2-40B4-BE49-F238E27FC236}">
+                <a16:creationId xmlns:a16="http://schemas.microsoft.com/office/drawing/2014/main" id="{FE1AE09F-D03D-A3B5-39EF-11A7C6B9D393}"/>
+              </a:ext>
+            </a:extLst>
+          </p:cNvPr>
+          <p:cNvGrpSpPr/>
+          <p:nvPr/>
+        </p:nvGrpSpPr>
+        <p:grpSpPr>
+          <a:xfrm>
+            <a:off x="5197186" y="3156602"/>
+            <a:ext cx="549638" cy="799744"/>
+            <a:chOff x="4702890" y="3106884"/>
+            <a:chExt cx="549638" cy="799744"/>
+          </a:xfrm>
+        </p:grpSpPr>
+        <p:sp>
+          <p:nvSpPr>
+            <p:cNvPr id="85" name="TextBox 84">
+              <a:extLst>
+                <a:ext uri="{FF2B5EF4-FFF2-40B4-BE49-F238E27FC236}">
+                  <a16:creationId xmlns:a16="http://schemas.microsoft.com/office/drawing/2014/main" id="{CFAF2854-C4D4-4A25-1E27-685063005E29}"/>
+                </a:ext>
+              </a:extLst>
+            </p:cNvPr>
+            <p:cNvSpPr txBox="1"/>
+            <p:nvPr/>
+          </p:nvSpPr>
+          <p:spPr>
+            <a:xfrm>
+              <a:off x="4702890" y="3106884"/>
+              <a:ext cx="410689" cy="200055"/>
+            </a:xfrm>
+            <a:prstGeom prst="rect">
+              <a:avLst/>
+            </a:prstGeom>
+            <a:solidFill>
+              <a:schemeClr val="bg1"/>
+            </a:solidFill>
+            <a:ln>
+              <a:solidFill>
+                <a:schemeClr val="tx1"/>
+              </a:solidFill>
+            </a:ln>
+          </p:spPr>
+          <p:txBody>
+            <a:bodyPr wrap="none" rtlCol="0" anchor="ctr">
+              <a:spAutoFit/>
+            </a:bodyPr>
+            <a:lstStyle/>
+            <a:p>
+              <a:pPr algn="ctr"/>
+              <a:r>
+                <a:rPr lang="en-US" sz="700" dirty="0"/>
+                <a:t>Swath</a:t>
+              </a:r>
+            </a:p>
+          </p:txBody>
+        </p:sp>
+        <p:sp>
+          <p:nvSpPr>
+            <p:cNvPr id="86" name="TextBox 85">
+              <a:extLst>
+                <a:ext uri="{FF2B5EF4-FFF2-40B4-BE49-F238E27FC236}">
+                  <a16:creationId xmlns:a16="http://schemas.microsoft.com/office/drawing/2014/main" id="{AC2A515B-540C-285E-195A-BDA81265134C}"/>
+                </a:ext>
+              </a:extLst>
+            </p:cNvPr>
+            <p:cNvSpPr txBox="1"/>
+            <p:nvPr/>
+          </p:nvSpPr>
+          <p:spPr>
+            <a:xfrm>
+              <a:off x="4702890" y="3310264"/>
+              <a:ext cx="378629" cy="200055"/>
+            </a:xfrm>
+            <a:prstGeom prst="rect">
+              <a:avLst/>
+            </a:prstGeom>
+            <a:solidFill>
+              <a:schemeClr val="bg1"/>
+            </a:solidFill>
+            <a:ln>
+              <a:solidFill>
+                <a:schemeClr val="tx1"/>
+              </a:solidFill>
+            </a:ln>
+          </p:spPr>
+          <p:txBody>
+            <a:bodyPr wrap="square" rtlCol="0" anchor="ctr">
+              <a:spAutoFit/>
+            </a:bodyPr>
+            <a:lstStyle/>
+            <a:p>
+              <a:pPr algn="ctr"/>
+              <a:r>
+                <a:rPr lang="en-US" sz="700" dirty="0"/>
+                <a:t>Rake</a:t>
+              </a:r>
+            </a:p>
+          </p:txBody>
+        </p:sp>
+        <p:sp>
+          <p:nvSpPr>
+            <p:cNvPr id="87" name="TextBox 86">
+              <a:extLst>
+                <a:ext uri="{FF2B5EF4-FFF2-40B4-BE49-F238E27FC236}">
+                  <a16:creationId xmlns:a16="http://schemas.microsoft.com/office/drawing/2014/main" id="{0B875F30-7D9D-7312-4027-12D32B3BEA76}"/>
+                </a:ext>
+              </a:extLst>
+            </p:cNvPr>
+            <p:cNvSpPr txBox="1"/>
+            <p:nvPr/>
+          </p:nvSpPr>
+          <p:spPr>
+            <a:xfrm>
+              <a:off x="4702890" y="3511414"/>
+              <a:ext cx="341760" cy="200055"/>
+            </a:xfrm>
+            <a:prstGeom prst="rect">
+              <a:avLst/>
+            </a:prstGeom>
+            <a:solidFill>
+              <a:schemeClr val="bg1"/>
+            </a:solidFill>
+            <a:ln>
+              <a:solidFill>
+                <a:schemeClr val="tx1"/>
+              </a:solidFill>
+            </a:ln>
+          </p:spPr>
+          <p:txBody>
+            <a:bodyPr wrap="none" rtlCol="0" anchor="ctr">
+              <a:spAutoFit/>
+            </a:bodyPr>
+            <a:lstStyle/>
+            <a:p>
+              <a:pPr algn="ctr"/>
+              <a:r>
+                <a:rPr lang="en-US" sz="700" dirty="0"/>
+                <a:t>Bale</a:t>
+              </a:r>
+            </a:p>
+          </p:txBody>
+        </p:sp>
+        <p:sp>
+          <p:nvSpPr>
+            <p:cNvPr id="88" name="TextBox 87">
+              <a:extLst>
+                <a:ext uri="{FF2B5EF4-FFF2-40B4-BE49-F238E27FC236}">
+                  <a16:creationId xmlns:a16="http://schemas.microsoft.com/office/drawing/2014/main" id="{19249C69-B14B-0955-D788-EAF1D9598F5A}"/>
+                </a:ext>
+              </a:extLst>
+            </p:cNvPr>
+            <p:cNvSpPr txBox="1"/>
+            <p:nvPr/>
+          </p:nvSpPr>
+          <p:spPr>
+            <a:xfrm>
+              <a:off x="4702890" y="3706573"/>
+              <a:ext cx="549638" cy="200055"/>
+            </a:xfrm>
+            <a:prstGeom prst="rect">
+              <a:avLst/>
+            </a:prstGeom>
+            <a:solidFill>
+              <a:schemeClr val="bg1"/>
+            </a:solidFill>
+            <a:ln>
+              <a:solidFill>
+                <a:schemeClr val="tx1"/>
+              </a:solidFill>
+            </a:ln>
+          </p:spPr>
+          <p:txBody>
+            <a:bodyPr wrap="square" rtlCol="0" anchor="ctr">
+              <a:spAutoFit/>
+            </a:bodyPr>
+            <a:lstStyle/>
+            <a:p>
+              <a:r>
+                <a:rPr lang="en-US" sz="700" dirty="0"/>
+                <a:t>Roadside</a:t>
+              </a:r>
+            </a:p>
+          </p:txBody>
+        </p:sp>
+      </p:grpSp>
+      <p:grpSp>
+        <p:nvGrpSpPr>
+          <p:cNvPr id="89" name="Group 88">
+            <a:extLst>
+              <a:ext uri="{FF2B5EF4-FFF2-40B4-BE49-F238E27FC236}">
+                <a16:creationId xmlns:a16="http://schemas.microsoft.com/office/drawing/2014/main" id="{F8A38D9F-465D-A60F-46AD-5F49258DFD81}"/>
+              </a:ext>
+            </a:extLst>
+          </p:cNvPr>
+          <p:cNvGrpSpPr/>
+          <p:nvPr/>
+        </p:nvGrpSpPr>
+        <p:grpSpPr>
+          <a:xfrm>
+            <a:off x="5691482" y="3182815"/>
+            <a:ext cx="549638" cy="799744"/>
+            <a:chOff x="4702890" y="3106884"/>
+            <a:chExt cx="549638" cy="799744"/>
+          </a:xfrm>
+        </p:grpSpPr>
+        <p:sp>
+          <p:nvSpPr>
+            <p:cNvPr id="90" name="TextBox 89">
+              <a:extLst>
+                <a:ext uri="{FF2B5EF4-FFF2-40B4-BE49-F238E27FC236}">
+                  <a16:creationId xmlns:a16="http://schemas.microsoft.com/office/drawing/2014/main" id="{533D4580-573C-1459-86EB-25B786EFA584}"/>
+                </a:ext>
+              </a:extLst>
+            </p:cNvPr>
+            <p:cNvSpPr txBox="1"/>
+            <p:nvPr/>
+          </p:nvSpPr>
+          <p:spPr>
+            <a:xfrm>
+              <a:off x="4702890" y="3106884"/>
+              <a:ext cx="410689" cy="200055"/>
+            </a:xfrm>
+            <a:prstGeom prst="rect">
+              <a:avLst/>
+            </a:prstGeom>
+            <a:solidFill>
+              <a:schemeClr val="bg1"/>
+            </a:solidFill>
+            <a:ln>
+              <a:solidFill>
+                <a:schemeClr val="tx1"/>
+              </a:solidFill>
+            </a:ln>
+          </p:spPr>
+          <p:txBody>
+            <a:bodyPr wrap="none" rtlCol="0" anchor="ctr">
+              <a:spAutoFit/>
+            </a:bodyPr>
+            <a:lstStyle/>
+            <a:p>
+              <a:pPr algn="ctr"/>
+              <a:r>
+                <a:rPr lang="en-US" sz="700" dirty="0"/>
+                <a:t>Swath</a:t>
+              </a:r>
+            </a:p>
+          </p:txBody>
+        </p:sp>
+        <p:sp>
+          <p:nvSpPr>
+            <p:cNvPr id="91" name="TextBox 90">
+              <a:extLst>
+                <a:ext uri="{FF2B5EF4-FFF2-40B4-BE49-F238E27FC236}">
+                  <a16:creationId xmlns:a16="http://schemas.microsoft.com/office/drawing/2014/main" id="{B15A23FA-1598-0549-5450-82FCBBA8231D}"/>
+                </a:ext>
+              </a:extLst>
+            </p:cNvPr>
+            <p:cNvSpPr txBox="1"/>
+            <p:nvPr/>
+          </p:nvSpPr>
+          <p:spPr>
+            <a:xfrm>
+              <a:off x="4702890" y="3310264"/>
+              <a:ext cx="378629" cy="200055"/>
+            </a:xfrm>
+            <a:prstGeom prst="rect">
+              <a:avLst/>
+            </a:prstGeom>
+            <a:solidFill>
+              <a:schemeClr val="bg1"/>
+            </a:solidFill>
+            <a:ln>
+              <a:solidFill>
+                <a:schemeClr val="tx1"/>
+              </a:solidFill>
+            </a:ln>
+          </p:spPr>
+          <p:txBody>
+            <a:bodyPr wrap="square" rtlCol="0" anchor="ctr">
+              <a:spAutoFit/>
+            </a:bodyPr>
+            <a:lstStyle/>
+            <a:p>
+              <a:pPr algn="ctr"/>
+              <a:r>
+                <a:rPr lang="en-US" sz="700" dirty="0"/>
+                <a:t>Rake</a:t>
+              </a:r>
+            </a:p>
+          </p:txBody>
+        </p:sp>
+        <p:sp>
+          <p:nvSpPr>
+            <p:cNvPr id="92" name="TextBox 91">
+              <a:extLst>
+                <a:ext uri="{FF2B5EF4-FFF2-40B4-BE49-F238E27FC236}">
+                  <a16:creationId xmlns:a16="http://schemas.microsoft.com/office/drawing/2014/main" id="{375E2812-64E0-2564-48E5-C9CAB9E4839A}"/>
+                </a:ext>
+              </a:extLst>
+            </p:cNvPr>
+            <p:cNvSpPr txBox="1"/>
+            <p:nvPr/>
+          </p:nvSpPr>
+          <p:spPr>
+            <a:xfrm>
+              <a:off x="4702890" y="3511414"/>
+              <a:ext cx="341760" cy="200055"/>
+            </a:xfrm>
+            <a:prstGeom prst="rect">
+              <a:avLst/>
+            </a:prstGeom>
+            <a:solidFill>
+              <a:schemeClr val="bg1"/>
+            </a:solidFill>
+            <a:ln>
+              <a:solidFill>
+                <a:schemeClr val="tx1"/>
+              </a:solidFill>
+            </a:ln>
+          </p:spPr>
+          <p:txBody>
+            <a:bodyPr wrap="none" rtlCol="0" anchor="ctr">
+              <a:spAutoFit/>
+            </a:bodyPr>
+            <a:lstStyle/>
+            <a:p>
+              <a:pPr algn="ctr"/>
+              <a:r>
+                <a:rPr lang="en-US" sz="700" dirty="0"/>
+                <a:t>Bale</a:t>
+              </a:r>
+            </a:p>
+          </p:txBody>
+        </p:sp>
+        <p:sp>
+          <p:nvSpPr>
+            <p:cNvPr id="93" name="TextBox 92">
+              <a:extLst>
+                <a:ext uri="{FF2B5EF4-FFF2-40B4-BE49-F238E27FC236}">
+                  <a16:creationId xmlns:a16="http://schemas.microsoft.com/office/drawing/2014/main" id="{C7FADA5F-3F08-F055-1E6F-5998B3B66D97}"/>
+                </a:ext>
+              </a:extLst>
+            </p:cNvPr>
+            <p:cNvSpPr txBox="1"/>
+            <p:nvPr/>
+          </p:nvSpPr>
+          <p:spPr>
+            <a:xfrm>
+              <a:off x="4702890" y="3706573"/>
+              <a:ext cx="549638" cy="200055"/>
+            </a:xfrm>
+            <a:prstGeom prst="rect">
+              <a:avLst/>
+            </a:prstGeom>
+            <a:solidFill>
+              <a:schemeClr val="bg1"/>
+            </a:solidFill>
+            <a:ln>
+              <a:solidFill>
+                <a:schemeClr val="tx1"/>
+              </a:solidFill>
+            </a:ln>
+          </p:spPr>
+          <p:txBody>
+            <a:bodyPr wrap="square" rtlCol="0" anchor="ctr">
+              <a:spAutoFit/>
+            </a:bodyPr>
+            <a:lstStyle/>
+            <a:p>
+              <a:r>
+                <a:rPr lang="en-US" sz="700" dirty="0"/>
+                <a:t>Roadside</a:t>
+              </a:r>
+            </a:p>
+          </p:txBody>
+        </p:sp>
+      </p:grpSp>
+      <p:grpSp>
+        <p:nvGrpSpPr>
+          <p:cNvPr id="94" name="Group 93">
+            <a:extLst>
+              <a:ext uri="{FF2B5EF4-FFF2-40B4-BE49-F238E27FC236}">
+                <a16:creationId xmlns:a16="http://schemas.microsoft.com/office/drawing/2014/main" id="{BC08ABF2-DA44-D5BD-F187-A20076C23343}"/>
+              </a:ext>
+            </a:extLst>
+          </p:cNvPr>
+          <p:cNvGrpSpPr/>
+          <p:nvPr/>
+        </p:nvGrpSpPr>
+        <p:grpSpPr>
+          <a:xfrm>
+            <a:off x="6185778" y="3202814"/>
+            <a:ext cx="549638" cy="799744"/>
+            <a:chOff x="4702890" y="3106884"/>
+            <a:chExt cx="549638" cy="799744"/>
+          </a:xfrm>
+        </p:grpSpPr>
+        <p:sp>
+          <p:nvSpPr>
+            <p:cNvPr id="95" name="TextBox 94">
+              <a:extLst>
+                <a:ext uri="{FF2B5EF4-FFF2-40B4-BE49-F238E27FC236}">
+                  <a16:creationId xmlns:a16="http://schemas.microsoft.com/office/drawing/2014/main" id="{05F5489C-0A2F-EF20-DFE5-221723BD74CA}"/>
+                </a:ext>
+              </a:extLst>
+            </p:cNvPr>
+            <p:cNvSpPr txBox="1"/>
+            <p:nvPr/>
+          </p:nvSpPr>
+          <p:spPr>
+            <a:xfrm>
+              <a:off x="4702890" y="3106884"/>
+              <a:ext cx="410689" cy="200055"/>
+            </a:xfrm>
+            <a:prstGeom prst="rect">
+              <a:avLst/>
+            </a:prstGeom>
+            <a:solidFill>
+              <a:schemeClr val="bg1"/>
+            </a:solidFill>
+            <a:ln>
+              <a:solidFill>
+                <a:schemeClr val="tx1"/>
+              </a:solidFill>
+            </a:ln>
+          </p:spPr>
+          <p:txBody>
+            <a:bodyPr wrap="none" rtlCol="0" anchor="ctr">
+              <a:spAutoFit/>
+            </a:bodyPr>
+            <a:lstStyle/>
+            <a:p>
+              <a:pPr algn="ctr"/>
+              <a:r>
+                <a:rPr lang="en-US" sz="700" dirty="0"/>
+                <a:t>Swath</a:t>
+              </a:r>
+            </a:p>
+          </p:txBody>
+        </p:sp>
+        <p:sp>
+          <p:nvSpPr>
+            <p:cNvPr id="96" name="TextBox 95">
+              <a:extLst>
+                <a:ext uri="{FF2B5EF4-FFF2-40B4-BE49-F238E27FC236}">
+                  <a16:creationId xmlns:a16="http://schemas.microsoft.com/office/drawing/2014/main" id="{A92AAAA1-49A6-C3D8-5A8E-FC9BBEEF8170}"/>
+                </a:ext>
+              </a:extLst>
+            </p:cNvPr>
+            <p:cNvSpPr txBox="1"/>
+            <p:nvPr/>
+          </p:nvSpPr>
+          <p:spPr>
+            <a:xfrm>
+              <a:off x="4702890" y="3310264"/>
+              <a:ext cx="378629" cy="200055"/>
+            </a:xfrm>
+            <a:prstGeom prst="rect">
+              <a:avLst/>
+            </a:prstGeom>
+            <a:solidFill>
+              <a:schemeClr val="bg1"/>
+            </a:solidFill>
+            <a:ln>
+              <a:solidFill>
+                <a:schemeClr val="tx1"/>
+              </a:solidFill>
+            </a:ln>
+          </p:spPr>
+          <p:txBody>
+            <a:bodyPr wrap="square" rtlCol="0" anchor="ctr">
+              <a:spAutoFit/>
+            </a:bodyPr>
+            <a:lstStyle/>
+            <a:p>
+              <a:pPr algn="ctr"/>
+              <a:r>
+                <a:rPr lang="en-US" sz="700" dirty="0"/>
+                <a:t>Rake</a:t>
+              </a:r>
+            </a:p>
+          </p:txBody>
+        </p:sp>
+        <p:sp>
+          <p:nvSpPr>
+            <p:cNvPr id="97" name="TextBox 96">
+              <a:extLst>
+                <a:ext uri="{FF2B5EF4-FFF2-40B4-BE49-F238E27FC236}">
+                  <a16:creationId xmlns:a16="http://schemas.microsoft.com/office/drawing/2014/main" id="{3A2FF145-ACC2-68DE-1E6F-0E3A86FC554F}"/>
+                </a:ext>
+              </a:extLst>
+            </p:cNvPr>
+            <p:cNvSpPr txBox="1"/>
+            <p:nvPr/>
+          </p:nvSpPr>
+          <p:spPr>
+            <a:xfrm>
+              <a:off x="4702890" y="3511414"/>
+              <a:ext cx="341760" cy="200055"/>
+            </a:xfrm>
+            <a:prstGeom prst="rect">
+              <a:avLst/>
+            </a:prstGeom>
+            <a:solidFill>
+              <a:schemeClr val="bg1"/>
+            </a:solidFill>
+            <a:ln>
+              <a:solidFill>
+                <a:schemeClr val="tx1"/>
+              </a:solidFill>
+            </a:ln>
+          </p:spPr>
+          <p:txBody>
+            <a:bodyPr wrap="none" rtlCol="0" anchor="ctr">
+              <a:spAutoFit/>
+            </a:bodyPr>
+            <a:lstStyle/>
+            <a:p>
+              <a:pPr algn="ctr"/>
+              <a:r>
+                <a:rPr lang="en-US" sz="700" dirty="0"/>
+                <a:t>Bale</a:t>
+              </a:r>
+            </a:p>
+          </p:txBody>
+        </p:sp>
+        <p:sp>
+          <p:nvSpPr>
+            <p:cNvPr id="98" name="TextBox 97">
+              <a:extLst>
+                <a:ext uri="{FF2B5EF4-FFF2-40B4-BE49-F238E27FC236}">
+                  <a16:creationId xmlns:a16="http://schemas.microsoft.com/office/drawing/2014/main" id="{C3359E70-74B1-B029-526A-CB81CD4F722E}"/>
+                </a:ext>
+              </a:extLst>
+            </p:cNvPr>
+            <p:cNvSpPr txBox="1"/>
+            <p:nvPr/>
+          </p:nvSpPr>
+          <p:spPr>
+            <a:xfrm>
+              <a:off x="4702890" y="3706573"/>
+              <a:ext cx="549638" cy="200055"/>
+            </a:xfrm>
+            <a:prstGeom prst="rect">
+              <a:avLst/>
+            </a:prstGeom>
+            <a:solidFill>
+              <a:schemeClr val="bg1"/>
+            </a:solidFill>
+            <a:ln>
+              <a:solidFill>
+                <a:schemeClr val="tx1"/>
+              </a:solidFill>
+            </a:ln>
+          </p:spPr>
+          <p:txBody>
+            <a:bodyPr wrap="square" rtlCol="0" anchor="ctr">
+              <a:spAutoFit/>
+            </a:bodyPr>
+            <a:lstStyle/>
+            <a:p>
+              <a:r>
+                <a:rPr lang="en-US" sz="700" dirty="0"/>
+                <a:t>Roadside</a:t>
+              </a:r>
+            </a:p>
+          </p:txBody>
+        </p:sp>
+      </p:grpSp>
+      <p:grpSp>
+        <p:nvGrpSpPr>
+          <p:cNvPr id="99" name="Group 98">
+            <a:extLst>
+              <a:ext uri="{FF2B5EF4-FFF2-40B4-BE49-F238E27FC236}">
+                <a16:creationId xmlns:a16="http://schemas.microsoft.com/office/drawing/2014/main" id="{2F6721CA-9CB4-0E3E-6255-E565B100FF8E}"/>
+              </a:ext>
+            </a:extLst>
+          </p:cNvPr>
+          <p:cNvGrpSpPr/>
+          <p:nvPr/>
+        </p:nvGrpSpPr>
+        <p:grpSpPr>
+          <a:xfrm>
+            <a:off x="6680074" y="3213720"/>
+            <a:ext cx="549638" cy="799744"/>
+            <a:chOff x="4702890" y="3106884"/>
+            <a:chExt cx="549638" cy="799744"/>
+          </a:xfrm>
+        </p:grpSpPr>
+        <p:sp>
+          <p:nvSpPr>
+            <p:cNvPr id="100" name="TextBox 99">
+              <a:extLst>
+                <a:ext uri="{FF2B5EF4-FFF2-40B4-BE49-F238E27FC236}">
+                  <a16:creationId xmlns:a16="http://schemas.microsoft.com/office/drawing/2014/main" id="{EE19410F-483C-5730-DA13-1E88DBC7C9C2}"/>
+                </a:ext>
+              </a:extLst>
+            </p:cNvPr>
+            <p:cNvSpPr txBox="1"/>
+            <p:nvPr/>
+          </p:nvSpPr>
+          <p:spPr>
+            <a:xfrm>
+              <a:off x="4702890" y="3106884"/>
+              <a:ext cx="410689" cy="200055"/>
+            </a:xfrm>
+            <a:prstGeom prst="rect">
+              <a:avLst/>
+            </a:prstGeom>
+            <a:solidFill>
+              <a:schemeClr val="bg1"/>
+            </a:solidFill>
+            <a:ln>
+              <a:solidFill>
+                <a:schemeClr val="tx1"/>
+              </a:solidFill>
+            </a:ln>
+          </p:spPr>
+          <p:txBody>
+            <a:bodyPr wrap="none" rtlCol="0" anchor="ctr">
+              <a:spAutoFit/>
+            </a:bodyPr>
+            <a:lstStyle/>
+            <a:p>
+              <a:pPr algn="ctr"/>
+              <a:r>
+                <a:rPr lang="en-US" sz="700" dirty="0"/>
+                <a:t>Swath</a:t>
+              </a:r>
+            </a:p>
+          </p:txBody>
+        </p:sp>
+        <p:sp>
+          <p:nvSpPr>
+            <p:cNvPr id="101" name="TextBox 100">
+              <a:extLst>
+                <a:ext uri="{FF2B5EF4-FFF2-40B4-BE49-F238E27FC236}">
+                  <a16:creationId xmlns:a16="http://schemas.microsoft.com/office/drawing/2014/main" id="{25CA9B41-D34F-7ECE-AE95-6994B9D85A73}"/>
+                </a:ext>
+              </a:extLst>
+            </p:cNvPr>
+            <p:cNvSpPr txBox="1"/>
+            <p:nvPr/>
+          </p:nvSpPr>
+          <p:spPr>
+            <a:xfrm>
+              <a:off x="4702890" y="3310264"/>
+              <a:ext cx="378629" cy="200055"/>
+            </a:xfrm>
+            <a:prstGeom prst="rect">
+              <a:avLst/>
+            </a:prstGeom>
+            <a:solidFill>
+              <a:schemeClr val="bg1"/>
+            </a:solidFill>
+            <a:ln>
+              <a:solidFill>
+                <a:schemeClr val="tx1"/>
+              </a:solidFill>
+            </a:ln>
+          </p:spPr>
+          <p:txBody>
+            <a:bodyPr wrap="square" rtlCol="0" anchor="ctr">
+              <a:spAutoFit/>
+            </a:bodyPr>
+            <a:lstStyle/>
+            <a:p>
+              <a:pPr algn="ctr"/>
+              <a:r>
+                <a:rPr lang="en-US" sz="700" dirty="0"/>
+                <a:t>Rake</a:t>
+              </a:r>
+            </a:p>
+          </p:txBody>
+        </p:sp>
+        <p:sp>
+          <p:nvSpPr>
+            <p:cNvPr id="102" name="TextBox 101">
+              <a:extLst>
+                <a:ext uri="{FF2B5EF4-FFF2-40B4-BE49-F238E27FC236}">
+                  <a16:creationId xmlns:a16="http://schemas.microsoft.com/office/drawing/2014/main" id="{24050E66-341C-07EF-14B3-C65A6F0B2F7F}"/>
+                </a:ext>
+              </a:extLst>
+            </p:cNvPr>
+            <p:cNvSpPr txBox="1"/>
+            <p:nvPr/>
+          </p:nvSpPr>
+          <p:spPr>
+            <a:xfrm>
+              <a:off x="4702890" y="3511414"/>
+              <a:ext cx="341760" cy="200055"/>
+            </a:xfrm>
+            <a:prstGeom prst="rect">
+              <a:avLst/>
+            </a:prstGeom>
+            <a:solidFill>
+              <a:schemeClr val="bg1"/>
+            </a:solidFill>
+            <a:ln>
+              <a:solidFill>
+                <a:schemeClr val="tx1"/>
+              </a:solidFill>
+            </a:ln>
+          </p:spPr>
+          <p:txBody>
+            <a:bodyPr wrap="none" rtlCol="0" anchor="ctr">
+              <a:spAutoFit/>
+            </a:bodyPr>
+            <a:lstStyle/>
+            <a:p>
+              <a:pPr algn="ctr"/>
+              <a:r>
+                <a:rPr lang="en-US" sz="700" dirty="0"/>
+                <a:t>Bale</a:t>
+              </a:r>
+            </a:p>
+          </p:txBody>
+        </p:sp>
+        <p:sp>
+          <p:nvSpPr>
+            <p:cNvPr id="103" name="TextBox 102">
+              <a:extLst>
+                <a:ext uri="{FF2B5EF4-FFF2-40B4-BE49-F238E27FC236}">
+                  <a16:creationId xmlns:a16="http://schemas.microsoft.com/office/drawing/2014/main" id="{6A0C5A2D-B061-6EE9-D575-7EC3BE4AC60E}"/>
+                </a:ext>
+              </a:extLst>
+            </p:cNvPr>
+            <p:cNvSpPr txBox="1"/>
+            <p:nvPr/>
+          </p:nvSpPr>
+          <p:spPr>
+            <a:xfrm>
+              <a:off x="4702890" y="3706573"/>
+              <a:ext cx="549638" cy="200055"/>
+            </a:xfrm>
+            <a:prstGeom prst="rect">
+              <a:avLst/>
+            </a:prstGeom>
+            <a:solidFill>
+              <a:schemeClr val="bg1"/>
+            </a:solidFill>
+            <a:ln>
+              <a:solidFill>
+                <a:schemeClr val="tx1"/>
+              </a:solidFill>
+            </a:ln>
+          </p:spPr>
+          <p:txBody>
+            <a:bodyPr wrap="square" rtlCol="0" anchor="ctr">
+              <a:spAutoFit/>
+            </a:bodyPr>
+            <a:lstStyle/>
+            <a:p>
+              <a:r>
+                <a:rPr lang="en-US" sz="700" dirty="0"/>
+                <a:t>Roadside</a:t>
+              </a:r>
+            </a:p>
+          </p:txBody>
+        </p:sp>
+      </p:grpSp>
+      <p:grpSp>
+        <p:nvGrpSpPr>
+          <p:cNvPr id="138" name="Group 137">
+            <a:extLst>
+              <a:ext uri="{FF2B5EF4-FFF2-40B4-BE49-F238E27FC236}">
+                <a16:creationId xmlns:a16="http://schemas.microsoft.com/office/drawing/2014/main" id="{1D9E3CF2-4326-49AC-E651-2162B0068304}"/>
+              </a:ext>
+            </a:extLst>
+          </p:cNvPr>
+          <p:cNvGrpSpPr/>
+          <p:nvPr/>
+        </p:nvGrpSpPr>
+        <p:grpSpPr>
+          <a:xfrm>
+            <a:off x="7159580" y="3218378"/>
+            <a:ext cx="549638" cy="799744"/>
+            <a:chOff x="4702890" y="3106884"/>
+            <a:chExt cx="549638" cy="799744"/>
+          </a:xfrm>
+        </p:grpSpPr>
+        <p:sp>
+          <p:nvSpPr>
+            <p:cNvPr id="139" name="TextBox 138">
+              <a:extLst>
+                <a:ext uri="{FF2B5EF4-FFF2-40B4-BE49-F238E27FC236}">
+                  <a16:creationId xmlns:a16="http://schemas.microsoft.com/office/drawing/2014/main" id="{015FA9E5-D08A-AEB8-513F-195AC4696594}"/>
+                </a:ext>
+              </a:extLst>
+            </p:cNvPr>
+            <p:cNvSpPr txBox="1"/>
+            <p:nvPr/>
+          </p:nvSpPr>
+          <p:spPr>
+            <a:xfrm>
+              <a:off x="4702890" y="3106884"/>
+              <a:ext cx="410689" cy="200055"/>
+            </a:xfrm>
+            <a:prstGeom prst="rect">
+              <a:avLst/>
+            </a:prstGeom>
+            <a:solidFill>
+              <a:schemeClr val="bg1"/>
+            </a:solidFill>
+            <a:ln>
+              <a:solidFill>
+                <a:schemeClr val="tx1"/>
+              </a:solidFill>
+            </a:ln>
+          </p:spPr>
+          <p:txBody>
+            <a:bodyPr wrap="none" rtlCol="0" anchor="ctr">
+              <a:spAutoFit/>
+            </a:bodyPr>
+            <a:lstStyle/>
+            <a:p>
+              <a:pPr algn="ctr"/>
+              <a:r>
+                <a:rPr lang="en-US" sz="700" dirty="0"/>
+                <a:t>Swath</a:t>
+              </a:r>
+            </a:p>
+          </p:txBody>
+        </p:sp>
+        <p:sp>
+          <p:nvSpPr>
+            <p:cNvPr id="143" name="TextBox 142">
+              <a:extLst>
+                <a:ext uri="{FF2B5EF4-FFF2-40B4-BE49-F238E27FC236}">
+                  <a16:creationId xmlns:a16="http://schemas.microsoft.com/office/drawing/2014/main" id="{DCE20B48-3F0C-0924-0B2B-D1D58D464C24}"/>
+                </a:ext>
+              </a:extLst>
+            </p:cNvPr>
+            <p:cNvSpPr txBox="1"/>
+            <p:nvPr/>
+          </p:nvSpPr>
+          <p:spPr>
+            <a:xfrm>
+              <a:off x="4702890" y="3310264"/>
+              <a:ext cx="378629" cy="200055"/>
+            </a:xfrm>
+            <a:prstGeom prst="rect">
+              <a:avLst/>
+            </a:prstGeom>
+            <a:solidFill>
+              <a:schemeClr val="bg1"/>
+            </a:solidFill>
+            <a:ln>
+              <a:solidFill>
+                <a:schemeClr val="tx1"/>
+              </a:solidFill>
+            </a:ln>
+          </p:spPr>
+          <p:txBody>
+            <a:bodyPr wrap="square" rtlCol="0" anchor="ctr">
+              <a:spAutoFit/>
+            </a:bodyPr>
+            <a:lstStyle/>
+            <a:p>
+              <a:pPr algn="ctr"/>
+              <a:r>
+                <a:rPr lang="en-US" sz="700" dirty="0"/>
+                <a:t>Rake</a:t>
+              </a:r>
+            </a:p>
+          </p:txBody>
+        </p:sp>
+        <p:sp>
+          <p:nvSpPr>
+            <p:cNvPr id="148" name="TextBox 147">
+              <a:extLst>
+                <a:ext uri="{FF2B5EF4-FFF2-40B4-BE49-F238E27FC236}">
+                  <a16:creationId xmlns:a16="http://schemas.microsoft.com/office/drawing/2014/main" id="{5850FCF9-BB9F-3B76-9DF9-BF5499837D3B}"/>
+                </a:ext>
+              </a:extLst>
+            </p:cNvPr>
+            <p:cNvSpPr txBox="1"/>
+            <p:nvPr/>
+          </p:nvSpPr>
+          <p:spPr>
+            <a:xfrm>
+              <a:off x="4702890" y="3511414"/>
+              <a:ext cx="341760" cy="200055"/>
+            </a:xfrm>
+            <a:prstGeom prst="rect">
+              <a:avLst/>
+            </a:prstGeom>
+            <a:solidFill>
+              <a:schemeClr val="bg1"/>
+            </a:solidFill>
+            <a:ln>
+              <a:solidFill>
+                <a:schemeClr val="tx1"/>
+              </a:solidFill>
+            </a:ln>
+          </p:spPr>
+          <p:txBody>
+            <a:bodyPr wrap="none" rtlCol="0" anchor="ctr">
+              <a:spAutoFit/>
+            </a:bodyPr>
+            <a:lstStyle/>
+            <a:p>
+              <a:pPr algn="ctr"/>
+              <a:r>
+                <a:rPr lang="en-US" sz="700" dirty="0"/>
+                <a:t>Bale</a:t>
+              </a:r>
+            </a:p>
+          </p:txBody>
+        </p:sp>
+        <p:sp>
+          <p:nvSpPr>
+            <p:cNvPr id="158" name="TextBox 157">
+              <a:extLst>
+                <a:ext uri="{FF2B5EF4-FFF2-40B4-BE49-F238E27FC236}">
+                  <a16:creationId xmlns:a16="http://schemas.microsoft.com/office/drawing/2014/main" id="{36AFF804-09A4-A7B8-4DF8-2512BA9ABFE0}"/>
+                </a:ext>
+              </a:extLst>
+            </p:cNvPr>
+            <p:cNvSpPr txBox="1"/>
+            <p:nvPr/>
+          </p:nvSpPr>
+          <p:spPr>
+            <a:xfrm>
+              <a:off x="4702890" y="3706573"/>
+              <a:ext cx="549638" cy="200055"/>
+            </a:xfrm>
+            <a:prstGeom prst="rect">
+              <a:avLst/>
+            </a:prstGeom>
+            <a:solidFill>
+              <a:schemeClr val="bg1"/>
+            </a:solidFill>
+            <a:ln>
+              <a:solidFill>
+                <a:schemeClr val="tx1"/>
+              </a:solidFill>
+            </a:ln>
+          </p:spPr>
+          <p:txBody>
+            <a:bodyPr wrap="square" rtlCol="0" anchor="ctr">
+              <a:spAutoFit/>
+            </a:bodyPr>
+            <a:lstStyle/>
+            <a:p>
+              <a:r>
+                <a:rPr lang="en-US" sz="700" dirty="0"/>
+                <a:t>Roadside</a:t>
+              </a:r>
+            </a:p>
+          </p:txBody>
+        </p:sp>
+      </p:grpSp>
+      <p:grpSp>
+        <p:nvGrpSpPr>
+          <p:cNvPr id="164" name="Group 163">
+            <a:extLst>
+              <a:ext uri="{FF2B5EF4-FFF2-40B4-BE49-F238E27FC236}">
+                <a16:creationId xmlns:a16="http://schemas.microsoft.com/office/drawing/2014/main" id="{268A95F4-495D-850D-4BA5-66CEF2BC3D59}"/>
+              </a:ext>
+            </a:extLst>
+          </p:cNvPr>
+          <p:cNvGrpSpPr/>
+          <p:nvPr/>
+        </p:nvGrpSpPr>
+        <p:grpSpPr>
+          <a:xfrm>
+            <a:off x="7637075" y="3256629"/>
+            <a:ext cx="549638" cy="799744"/>
+            <a:chOff x="4702890" y="3106884"/>
+            <a:chExt cx="549638" cy="799744"/>
+          </a:xfrm>
+        </p:grpSpPr>
+        <p:sp>
+          <p:nvSpPr>
+            <p:cNvPr id="165" name="TextBox 164">
+              <a:extLst>
+                <a:ext uri="{FF2B5EF4-FFF2-40B4-BE49-F238E27FC236}">
+                  <a16:creationId xmlns:a16="http://schemas.microsoft.com/office/drawing/2014/main" id="{A66B1D24-C53E-B22E-2CDA-B35BE3936F32}"/>
+                </a:ext>
+              </a:extLst>
+            </p:cNvPr>
+            <p:cNvSpPr txBox="1"/>
+            <p:nvPr/>
+          </p:nvSpPr>
+          <p:spPr>
+            <a:xfrm>
+              <a:off x="4702890" y="3106884"/>
+              <a:ext cx="410689" cy="200055"/>
+            </a:xfrm>
+            <a:prstGeom prst="rect">
+              <a:avLst/>
+            </a:prstGeom>
+            <a:solidFill>
+              <a:schemeClr val="bg1"/>
+            </a:solidFill>
+            <a:ln>
+              <a:solidFill>
+                <a:schemeClr val="tx1"/>
+              </a:solidFill>
+            </a:ln>
+          </p:spPr>
+          <p:txBody>
+            <a:bodyPr wrap="none" rtlCol="0" anchor="ctr">
+              <a:spAutoFit/>
+            </a:bodyPr>
+            <a:lstStyle/>
+            <a:p>
+              <a:pPr algn="ctr"/>
+              <a:r>
+                <a:rPr lang="en-US" sz="700" dirty="0"/>
+                <a:t>Swath</a:t>
+              </a:r>
+            </a:p>
+          </p:txBody>
+        </p:sp>
+        <p:sp>
+          <p:nvSpPr>
+            <p:cNvPr id="166" name="TextBox 165">
+              <a:extLst>
+                <a:ext uri="{FF2B5EF4-FFF2-40B4-BE49-F238E27FC236}">
+                  <a16:creationId xmlns:a16="http://schemas.microsoft.com/office/drawing/2014/main" id="{2DFFD6D5-227C-8E40-416B-EE8731AE7844}"/>
+                </a:ext>
+              </a:extLst>
+            </p:cNvPr>
+            <p:cNvSpPr txBox="1"/>
+            <p:nvPr/>
+          </p:nvSpPr>
+          <p:spPr>
+            <a:xfrm>
+              <a:off x="4702890" y="3310264"/>
+              <a:ext cx="378629" cy="200055"/>
+            </a:xfrm>
+            <a:prstGeom prst="rect">
+              <a:avLst/>
+            </a:prstGeom>
+            <a:solidFill>
+              <a:schemeClr val="bg1"/>
+            </a:solidFill>
+            <a:ln>
+              <a:solidFill>
+                <a:schemeClr val="tx1"/>
+              </a:solidFill>
+            </a:ln>
+          </p:spPr>
+          <p:txBody>
+            <a:bodyPr wrap="square" rtlCol="0" anchor="ctr">
+              <a:spAutoFit/>
+            </a:bodyPr>
+            <a:lstStyle/>
+            <a:p>
+              <a:pPr algn="ctr"/>
+              <a:r>
+                <a:rPr lang="en-US" sz="700" dirty="0"/>
+                <a:t>Rake</a:t>
+              </a:r>
+            </a:p>
+          </p:txBody>
+        </p:sp>
+        <p:sp>
+          <p:nvSpPr>
+            <p:cNvPr id="167" name="TextBox 166">
+              <a:extLst>
+                <a:ext uri="{FF2B5EF4-FFF2-40B4-BE49-F238E27FC236}">
+                  <a16:creationId xmlns:a16="http://schemas.microsoft.com/office/drawing/2014/main" id="{BF7A6DA2-23EE-7DFB-66A8-C18D9BB05BDA}"/>
+                </a:ext>
+              </a:extLst>
+            </p:cNvPr>
+            <p:cNvSpPr txBox="1"/>
+            <p:nvPr/>
+          </p:nvSpPr>
+          <p:spPr>
+            <a:xfrm>
+              <a:off x="4702890" y="3511414"/>
+              <a:ext cx="341760" cy="200055"/>
+            </a:xfrm>
+            <a:prstGeom prst="rect">
+              <a:avLst/>
+            </a:prstGeom>
+            <a:solidFill>
+              <a:schemeClr val="bg1"/>
+            </a:solidFill>
+            <a:ln>
+              <a:solidFill>
+                <a:schemeClr val="tx1"/>
+              </a:solidFill>
+            </a:ln>
+          </p:spPr>
+          <p:txBody>
+            <a:bodyPr wrap="none" rtlCol="0" anchor="ctr">
+              <a:spAutoFit/>
+            </a:bodyPr>
+            <a:lstStyle/>
+            <a:p>
+              <a:pPr algn="ctr"/>
+              <a:r>
+                <a:rPr lang="en-US" sz="700" dirty="0"/>
+                <a:t>Bale</a:t>
+              </a:r>
+            </a:p>
+          </p:txBody>
+        </p:sp>
+        <p:sp>
+          <p:nvSpPr>
+            <p:cNvPr id="168" name="TextBox 167">
+              <a:extLst>
+                <a:ext uri="{FF2B5EF4-FFF2-40B4-BE49-F238E27FC236}">
+                  <a16:creationId xmlns:a16="http://schemas.microsoft.com/office/drawing/2014/main" id="{55229761-6719-8708-71A0-1F7D0F790544}"/>
+                </a:ext>
+              </a:extLst>
+            </p:cNvPr>
+            <p:cNvSpPr txBox="1"/>
+            <p:nvPr/>
+          </p:nvSpPr>
+          <p:spPr>
+            <a:xfrm>
+              <a:off x="4702890" y="3706573"/>
+              <a:ext cx="549638" cy="200055"/>
+            </a:xfrm>
+            <a:prstGeom prst="rect">
+              <a:avLst/>
+            </a:prstGeom>
+            <a:solidFill>
+              <a:schemeClr val="bg1"/>
+            </a:solidFill>
+            <a:ln>
+              <a:solidFill>
+                <a:schemeClr val="tx1"/>
+              </a:solidFill>
+            </a:ln>
+          </p:spPr>
+          <p:txBody>
+            <a:bodyPr wrap="square" rtlCol="0" anchor="ctr">
+              <a:spAutoFit/>
+            </a:bodyPr>
+            <a:lstStyle/>
+            <a:p>
+              <a:r>
+                <a:rPr lang="en-US" sz="700" dirty="0"/>
+                <a:t>Roadside</a:t>
+              </a:r>
+            </a:p>
+          </p:txBody>
+        </p:sp>
+      </p:grpSp>
+      <p:sp>
+        <p:nvSpPr>
+          <p:cNvPr id="169" name="TextBox 168">
+            <a:extLst>
+              <a:ext uri="{FF2B5EF4-FFF2-40B4-BE49-F238E27FC236}">
+                <a16:creationId xmlns:a16="http://schemas.microsoft.com/office/drawing/2014/main" id="{E732E07D-2E6A-99B6-8FA3-ED57616F1BEE}"/>
+              </a:ext>
+            </a:extLst>
+          </p:cNvPr>
+          <p:cNvSpPr txBox="1"/>
+          <p:nvPr/>
+        </p:nvSpPr>
+        <p:spPr>
+          <a:xfrm>
+            <a:off x="4577929" y="4267736"/>
+            <a:ext cx="853119" cy="200055"/>
+          </a:xfrm>
+          <a:prstGeom prst="rect">
+            <a:avLst/>
+          </a:prstGeom>
+          <a:solidFill>
+            <a:schemeClr val="bg2"/>
+          </a:solidFill>
+          <a:ln>
+            <a:solidFill>
+              <a:schemeClr val="tx1"/>
+            </a:solidFill>
+          </a:ln>
+        </p:spPr>
+        <p:txBody>
+          <a:bodyPr wrap="none" rtlCol="0">
+            <a:spAutoFit/>
+          </a:bodyPr>
+          <a:lstStyle/>
+          <a:p>
+            <a:r>
+              <a:rPr lang="en-US" sz="700" dirty="0"/>
+              <a:t>Entrust (Spinosad)</a:t>
+            </a:r>
+          </a:p>
+        </p:txBody>
+      </p:sp>
+      <p:sp>
+        <p:nvSpPr>
+          <p:cNvPr id="170" name="TextBox 169">
+            <a:extLst>
+              <a:ext uri="{FF2B5EF4-FFF2-40B4-BE49-F238E27FC236}">
+                <a16:creationId xmlns:a16="http://schemas.microsoft.com/office/drawing/2014/main" id="{7487FEE0-8182-4A7B-0CB4-95FF00AD96A5}"/>
+              </a:ext>
+            </a:extLst>
+          </p:cNvPr>
+          <p:cNvSpPr txBox="1"/>
+          <p:nvPr/>
+        </p:nvSpPr>
+        <p:spPr>
+          <a:xfrm>
+            <a:off x="5877841" y="4266703"/>
+            <a:ext cx="615874" cy="200055"/>
+          </a:xfrm>
+          <a:prstGeom prst="rect">
+            <a:avLst/>
+          </a:prstGeom>
+          <a:solidFill>
+            <a:schemeClr val="bg2"/>
+          </a:solidFill>
+          <a:ln>
+            <a:solidFill>
+              <a:schemeClr val="tx1"/>
+            </a:solidFill>
+          </a:ln>
+        </p:spPr>
+        <p:txBody>
+          <a:bodyPr wrap="none" rtlCol="0">
+            <a:spAutoFit/>
+          </a:bodyPr>
+          <a:lstStyle/>
+          <a:p>
+            <a:r>
+              <a:rPr lang="en-US" sz="700" dirty="0" err="1"/>
+              <a:t>XenTari</a:t>
+            </a:r>
+            <a:r>
+              <a:rPr lang="en-US" sz="700" dirty="0"/>
+              <a:t> (</a:t>
+            </a:r>
+            <a:r>
+              <a:rPr lang="en-US" sz="700" dirty="0" err="1"/>
+              <a:t>Bt</a:t>
+            </a:r>
+            <a:r>
+              <a:rPr lang="en-US" sz="700" dirty="0"/>
+              <a:t>)</a:t>
+            </a:r>
+          </a:p>
+        </p:txBody>
+      </p:sp>
+      <p:sp>
+        <p:nvSpPr>
+          <p:cNvPr id="171" name="TextBox 170">
+            <a:extLst>
+              <a:ext uri="{FF2B5EF4-FFF2-40B4-BE49-F238E27FC236}">
+                <a16:creationId xmlns:a16="http://schemas.microsoft.com/office/drawing/2014/main" id="{6944C221-1B5C-B245-B835-A0E4E6919301}"/>
+              </a:ext>
+            </a:extLst>
+          </p:cNvPr>
+          <p:cNvSpPr txBox="1"/>
+          <p:nvPr/>
+        </p:nvSpPr>
+        <p:spPr>
+          <a:xfrm>
+            <a:off x="4305207" y="5186305"/>
+            <a:ext cx="1026167" cy="200055"/>
+          </a:xfrm>
+          <a:prstGeom prst="rect">
+            <a:avLst/>
+          </a:prstGeom>
+          <a:noFill/>
+          <a:ln>
+            <a:solidFill>
+              <a:schemeClr val="tx1"/>
+            </a:solidFill>
+          </a:ln>
+        </p:spPr>
+        <p:txBody>
+          <a:bodyPr wrap="square" rtlCol="0">
+            <a:spAutoFit/>
+          </a:bodyPr>
+          <a:lstStyle/>
+          <a:p>
+            <a:r>
+              <a:rPr lang="en-US" sz="700" i="1" dirty="0"/>
+              <a:t>Light harrowing</a:t>
+            </a:r>
+          </a:p>
+        </p:txBody>
+      </p:sp>
+      <p:sp>
+        <p:nvSpPr>
+          <p:cNvPr id="172" name="TextBox 171">
+            <a:extLst>
+              <a:ext uri="{FF2B5EF4-FFF2-40B4-BE49-F238E27FC236}">
+                <a16:creationId xmlns:a16="http://schemas.microsoft.com/office/drawing/2014/main" id="{DDD25931-DE7A-C981-239F-31DF233B85B9}"/>
+              </a:ext>
+            </a:extLst>
+          </p:cNvPr>
+          <p:cNvSpPr txBox="1"/>
+          <p:nvPr/>
+        </p:nvSpPr>
+        <p:spPr>
+          <a:xfrm>
+            <a:off x="5401515" y="5188782"/>
+            <a:ext cx="853119" cy="200055"/>
+          </a:xfrm>
+          <a:prstGeom prst="rect">
+            <a:avLst/>
+          </a:prstGeom>
+          <a:solidFill>
+            <a:schemeClr val="bg2"/>
+          </a:solidFill>
+          <a:ln>
+            <a:solidFill>
+              <a:schemeClr val="tx1"/>
+            </a:solidFill>
+          </a:ln>
+        </p:spPr>
+        <p:txBody>
+          <a:bodyPr wrap="none" rtlCol="0">
+            <a:spAutoFit/>
+          </a:bodyPr>
+          <a:lstStyle/>
+          <a:p>
+            <a:r>
+              <a:rPr lang="en-US" sz="700" dirty="0"/>
+              <a:t>Entrust (Spinosad)</a:t>
+            </a:r>
+          </a:p>
+        </p:txBody>
+      </p:sp>
+      <p:sp>
+        <p:nvSpPr>
+          <p:cNvPr id="173" name="TextBox 172">
+            <a:extLst>
+              <a:ext uri="{FF2B5EF4-FFF2-40B4-BE49-F238E27FC236}">
+                <a16:creationId xmlns:a16="http://schemas.microsoft.com/office/drawing/2014/main" id="{E544075F-5448-AED1-54B7-8CA7331C82BC}"/>
+              </a:ext>
+            </a:extLst>
+          </p:cNvPr>
+          <p:cNvSpPr txBox="1"/>
+          <p:nvPr/>
+        </p:nvSpPr>
+        <p:spPr>
+          <a:xfrm>
+            <a:off x="6701427" y="5187749"/>
+            <a:ext cx="615874" cy="200055"/>
+          </a:xfrm>
+          <a:prstGeom prst="rect">
+            <a:avLst/>
+          </a:prstGeom>
+          <a:solidFill>
+            <a:schemeClr val="bg2"/>
+          </a:solidFill>
+          <a:ln>
+            <a:solidFill>
+              <a:schemeClr val="tx1"/>
+            </a:solidFill>
+          </a:ln>
+        </p:spPr>
+        <p:txBody>
+          <a:bodyPr wrap="none" rtlCol="0">
+            <a:spAutoFit/>
+          </a:bodyPr>
+          <a:lstStyle/>
+          <a:p>
+            <a:r>
+              <a:rPr lang="en-US" sz="700" dirty="0" err="1"/>
+              <a:t>XenTari</a:t>
+            </a:r>
+            <a:r>
+              <a:rPr lang="en-US" sz="700" dirty="0"/>
+              <a:t> (</a:t>
+            </a:r>
+            <a:r>
+              <a:rPr lang="en-US" sz="700" dirty="0" err="1"/>
+              <a:t>Bt</a:t>
+            </a:r>
+            <a:r>
+              <a:rPr lang="en-US" sz="700" dirty="0"/>
+              <a:t>)</a:t>
+            </a:r>
+          </a:p>
+        </p:txBody>
+      </p:sp>
+      <p:sp>
+        <p:nvSpPr>
+          <p:cNvPr id="174" name="TextBox 173">
+            <a:extLst>
+              <a:ext uri="{FF2B5EF4-FFF2-40B4-BE49-F238E27FC236}">
+                <a16:creationId xmlns:a16="http://schemas.microsoft.com/office/drawing/2014/main" id="{3AEE83E3-870B-F133-871C-2F00AD62E8D7}"/>
+              </a:ext>
+            </a:extLst>
+          </p:cNvPr>
+          <p:cNvSpPr txBox="1"/>
+          <p:nvPr/>
+        </p:nvSpPr>
+        <p:spPr>
+          <a:xfrm>
+            <a:off x="4913613" y="6057640"/>
+            <a:ext cx="1026167" cy="200055"/>
+          </a:xfrm>
+          <a:prstGeom prst="rect">
+            <a:avLst/>
+          </a:prstGeom>
+          <a:noFill/>
+          <a:ln>
+            <a:solidFill>
+              <a:schemeClr val="tx1"/>
+            </a:solidFill>
+          </a:ln>
+        </p:spPr>
+        <p:txBody>
+          <a:bodyPr wrap="square" rtlCol="0">
+            <a:spAutoFit/>
+          </a:bodyPr>
+          <a:lstStyle/>
+          <a:p>
+            <a:r>
+              <a:rPr lang="en-US" sz="700" i="1" dirty="0"/>
+              <a:t>Light harrowing</a:t>
+            </a:r>
+          </a:p>
+        </p:txBody>
+      </p:sp>
+      <p:sp>
+        <p:nvSpPr>
+          <p:cNvPr id="175" name="TextBox 174">
+            <a:extLst>
+              <a:ext uri="{FF2B5EF4-FFF2-40B4-BE49-F238E27FC236}">
+                <a16:creationId xmlns:a16="http://schemas.microsoft.com/office/drawing/2014/main" id="{869C07E9-D44C-F153-4563-9E46BF59C21D}"/>
+              </a:ext>
+            </a:extLst>
+          </p:cNvPr>
+          <p:cNvSpPr txBox="1"/>
+          <p:nvPr/>
+        </p:nvSpPr>
+        <p:spPr>
+          <a:xfrm>
+            <a:off x="6009921" y="6060117"/>
+            <a:ext cx="853119" cy="200055"/>
+          </a:xfrm>
+          <a:prstGeom prst="rect">
+            <a:avLst/>
+          </a:prstGeom>
+          <a:solidFill>
+            <a:schemeClr val="bg2"/>
+          </a:solidFill>
+          <a:ln>
+            <a:solidFill>
+              <a:schemeClr val="tx1"/>
+            </a:solidFill>
+          </a:ln>
+        </p:spPr>
+        <p:txBody>
+          <a:bodyPr wrap="none" rtlCol="0">
+            <a:spAutoFit/>
+          </a:bodyPr>
+          <a:lstStyle/>
+          <a:p>
+            <a:r>
+              <a:rPr lang="en-US" sz="700" dirty="0"/>
+              <a:t>Entrust (Spinosad)</a:t>
+            </a:r>
+          </a:p>
+        </p:txBody>
+      </p:sp>
+      <p:sp>
+        <p:nvSpPr>
+          <p:cNvPr id="176" name="TextBox 175">
+            <a:extLst>
+              <a:ext uri="{FF2B5EF4-FFF2-40B4-BE49-F238E27FC236}">
+                <a16:creationId xmlns:a16="http://schemas.microsoft.com/office/drawing/2014/main" id="{AB7A14F6-3351-9618-B9BC-F80F74F400D6}"/>
+              </a:ext>
+            </a:extLst>
+          </p:cNvPr>
+          <p:cNvSpPr txBox="1"/>
+          <p:nvPr/>
+        </p:nvSpPr>
+        <p:spPr>
+          <a:xfrm>
+            <a:off x="7309833" y="6059084"/>
+            <a:ext cx="615874" cy="200055"/>
+          </a:xfrm>
+          <a:prstGeom prst="rect">
+            <a:avLst/>
+          </a:prstGeom>
+          <a:solidFill>
+            <a:schemeClr val="bg2"/>
+          </a:solidFill>
+          <a:ln>
+            <a:solidFill>
+              <a:schemeClr val="tx1"/>
+            </a:solidFill>
+          </a:ln>
+        </p:spPr>
+        <p:txBody>
+          <a:bodyPr wrap="none" rtlCol="0">
+            <a:spAutoFit/>
+          </a:bodyPr>
+          <a:lstStyle/>
+          <a:p>
+            <a:r>
+              <a:rPr lang="en-US" sz="700" dirty="0" err="1"/>
+              <a:t>XenTari</a:t>
+            </a:r>
+            <a:r>
+              <a:rPr lang="en-US" sz="700" dirty="0"/>
+              <a:t> (</a:t>
+            </a:r>
+            <a:r>
+              <a:rPr lang="en-US" sz="700" dirty="0" err="1"/>
+              <a:t>Bt</a:t>
+            </a:r>
+            <a:r>
+              <a:rPr lang="en-US" sz="700" dirty="0"/>
+              <a:t>)</a:t>
+            </a:r>
+          </a:p>
+        </p:txBody>
+      </p:sp>
+      <p:sp>
+        <p:nvSpPr>
+          <p:cNvPr id="177" name="TextBox 176">
+            <a:extLst>
+              <a:ext uri="{FF2B5EF4-FFF2-40B4-BE49-F238E27FC236}">
+                <a16:creationId xmlns:a16="http://schemas.microsoft.com/office/drawing/2014/main" id="{0B410749-2F46-B513-3F33-E8F3E5F3B993}"/>
+              </a:ext>
+            </a:extLst>
+          </p:cNvPr>
+          <p:cNvSpPr txBox="1"/>
+          <p:nvPr/>
+        </p:nvSpPr>
+        <p:spPr>
+          <a:xfrm>
+            <a:off x="1896080" y="1940274"/>
+            <a:ext cx="1184940" cy="200055"/>
+          </a:xfrm>
+          <a:prstGeom prst="rect">
+            <a:avLst/>
+          </a:prstGeom>
+          <a:noFill/>
+          <a:ln>
+            <a:solidFill>
+              <a:schemeClr val="tx1"/>
+            </a:solidFill>
+          </a:ln>
+        </p:spPr>
+        <p:txBody>
+          <a:bodyPr wrap="none" rtlCol="0">
+            <a:spAutoFit/>
+          </a:bodyPr>
+          <a:lstStyle/>
+          <a:p>
+            <a:r>
+              <a:rPr lang="en-US" sz="700" dirty="0"/>
+              <a:t>Sprinkler irrigation (1 ac-in)</a:t>
+            </a:r>
+          </a:p>
+        </p:txBody>
+      </p:sp>
+      <p:sp>
+        <p:nvSpPr>
+          <p:cNvPr id="178" name="TextBox 177">
+            <a:extLst>
+              <a:ext uri="{FF2B5EF4-FFF2-40B4-BE49-F238E27FC236}">
+                <a16:creationId xmlns:a16="http://schemas.microsoft.com/office/drawing/2014/main" id="{EA8C4F7F-57D2-A271-2015-8678DC49CA03}"/>
+              </a:ext>
+            </a:extLst>
+          </p:cNvPr>
+          <p:cNvSpPr txBox="1"/>
+          <p:nvPr/>
+        </p:nvSpPr>
+        <p:spPr>
+          <a:xfrm>
+            <a:off x="1965041" y="2196456"/>
+            <a:ext cx="1184940" cy="200055"/>
+          </a:xfrm>
+          <a:prstGeom prst="rect">
+            <a:avLst/>
+          </a:prstGeom>
+          <a:noFill/>
+          <a:ln>
+            <a:solidFill>
+              <a:schemeClr val="tx1"/>
+            </a:solidFill>
+          </a:ln>
+        </p:spPr>
+        <p:txBody>
+          <a:bodyPr wrap="none" rtlCol="0">
+            <a:spAutoFit/>
+          </a:bodyPr>
+          <a:lstStyle/>
+          <a:p>
+            <a:r>
+              <a:rPr lang="en-US" sz="700" dirty="0"/>
+              <a:t>Sprinkler irrigation (1 ac-in)</a:t>
+            </a:r>
+          </a:p>
+        </p:txBody>
+      </p:sp>
+      <p:sp>
+        <p:nvSpPr>
+          <p:cNvPr id="179" name="TextBox 178">
+            <a:extLst>
+              <a:ext uri="{FF2B5EF4-FFF2-40B4-BE49-F238E27FC236}">
+                <a16:creationId xmlns:a16="http://schemas.microsoft.com/office/drawing/2014/main" id="{B85A327A-C04B-04B7-FFBE-4C5C86106272}"/>
+              </a:ext>
+            </a:extLst>
+          </p:cNvPr>
+          <p:cNvSpPr txBox="1"/>
+          <p:nvPr/>
+        </p:nvSpPr>
+        <p:spPr>
+          <a:xfrm>
+            <a:off x="7489903" y="2481717"/>
+            <a:ext cx="912429" cy="200055"/>
+          </a:xfrm>
+          <a:prstGeom prst="rect">
+            <a:avLst/>
+          </a:prstGeom>
+          <a:noFill/>
+          <a:ln>
+            <a:solidFill>
+              <a:schemeClr val="tx1"/>
+            </a:solidFill>
+          </a:ln>
+        </p:spPr>
+        <p:txBody>
+          <a:bodyPr wrap="none" rtlCol="0">
+            <a:spAutoFit/>
+          </a:bodyPr>
+          <a:lstStyle/>
+          <a:p>
+            <a:r>
+              <a:rPr lang="en-US" sz="700" dirty="0"/>
+              <a:t>Plant tissue analysis</a:t>
+            </a:r>
+          </a:p>
+        </p:txBody>
+      </p:sp>
+      <p:sp>
+        <p:nvSpPr>
+          <p:cNvPr id="180" name="TextBox 179">
+            <a:extLst>
+              <a:ext uri="{FF2B5EF4-FFF2-40B4-BE49-F238E27FC236}">
+                <a16:creationId xmlns:a16="http://schemas.microsoft.com/office/drawing/2014/main" id="{D2DB5AA0-3041-CC7E-2DE5-A3883CC651E4}"/>
+              </a:ext>
+            </a:extLst>
+          </p:cNvPr>
+          <p:cNvSpPr txBox="1"/>
+          <p:nvPr/>
+        </p:nvSpPr>
+        <p:spPr>
+          <a:xfrm>
+            <a:off x="7644884" y="4277376"/>
+            <a:ext cx="912429" cy="200055"/>
+          </a:xfrm>
+          <a:prstGeom prst="rect">
+            <a:avLst/>
+          </a:prstGeom>
+          <a:noFill/>
+          <a:ln>
+            <a:solidFill>
+              <a:schemeClr val="tx1"/>
+            </a:solidFill>
+          </a:ln>
+        </p:spPr>
+        <p:txBody>
+          <a:bodyPr wrap="none" rtlCol="0">
+            <a:spAutoFit/>
+          </a:bodyPr>
+          <a:lstStyle/>
+          <a:p>
+            <a:r>
+              <a:rPr lang="en-US" sz="700" dirty="0"/>
+              <a:t>Plant tissue analysis</a:t>
+            </a:r>
+          </a:p>
+        </p:txBody>
+      </p:sp>
+      <p:sp>
+        <p:nvSpPr>
+          <p:cNvPr id="181" name="TextBox 180">
+            <a:extLst>
+              <a:ext uri="{FF2B5EF4-FFF2-40B4-BE49-F238E27FC236}">
+                <a16:creationId xmlns:a16="http://schemas.microsoft.com/office/drawing/2014/main" id="{24E77137-A22D-3C6E-0AD9-A3575DBCBCD1}"/>
+              </a:ext>
+            </a:extLst>
+          </p:cNvPr>
+          <p:cNvSpPr txBox="1"/>
+          <p:nvPr/>
+        </p:nvSpPr>
+        <p:spPr>
+          <a:xfrm>
+            <a:off x="8482815" y="5186305"/>
+            <a:ext cx="912429" cy="200055"/>
+          </a:xfrm>
+          <a:prstGeom prst="rect">
+            <a:avLst/>
+          </a:prstGeom>
+          <a:noFill/>
+          <a:ln>
+            <a:solidFill>
+              <a:schemeClr val="tx1"/>
+            </a:solidFill>
+          </a:ln>
+        </p:spPr>
+        <p:txBody>
+          <a:bodyPr wrap="none" rtlCol="0">
+            <a:spAutoFit/>
+          </a:bodyPr>
+          <a:lstStyle/>
+          <a:p>
+            <a:r>
+              <a:rPr lang="en-US" sz="700" dirty="0"/>
+              <a:t>Plant tissue analysis</a:t>
+            </a:r>
+          </a:p>
+        </p:txBody>
+      </p:sp>
+      <p:sp>
+        <p:nvSpPr>
+          <p:cNvPr id="182" name="TextBox 181">
+            <a:extLst>
+              <a:ext uri="{FF2B5EF4-FFF2-40B4-BE49-F238E27FC236}">
+                <a16:creationId xmlns:a16="http://schemas.microsoft.com/office/drawing/2014/main" id="{1862CF8B-2D69-16FF-8CD3-4923EDEF4161}"/>
+              </a:ext>
+            </a:extLst>
+          </p:cNvPr>
+          <p:cNvSpPr txBox="1"/>
+          <p:nvPr/>
+        </p:nvSpPr>
+        <p:spPr>
+          <a:xfrm>
+            <a:off x="9086826" y="6057640"/>
+            <a:ext cx="912429" cy="200055"/>
+          </a:xfrm>
+          <a:prstGeom prst="rect">
+            <a:avLst/>
+          </a:prstGeom>
+          <a:noFill/>
+          <a:ln>
+            <a:solidFill>
+              <a:schemeClr val="tx1"/>
+            </a:solidFill>
+          </a:ln>
+        </p:spPr>
+        <p:txBody>
+          <a:bodyPr wrap="none" rtlCol="0">
+            <a:spAutoFit/>
+          </a:bodyPr>
+          <a:lstStyle/>
+          <a:p>
+            <a:r>
+              <a:rPr lang="en-US" sz="700" dirty="0"/>
+              <a:t>Plant tissue analysis</a:t>
+            </a:r>
+          </a:p>
+        </p:txBody>
+      </p:sp>
+    </p:spTree>
+    <p:extLst>
+      <p:ext uri="{BB962C8B-B14F-4D97-AF65-F5344CB8AC3E}">
+        <p14:creationId xmlns:p14="http://schemas.microsoft.com/office/powerpoint/2010/main" val="2763754826"/>
       </p:ext>
     </p:extLst>
   </p:cSld>
